--- a/final-presentations/2021-04-12-ecpam/03-testing2.pptx
+++ b/final-presentations/2021-04-12-ecpam/03-testing2.pptx
@@ -12,7 +12,7 @@
   </p:handoutMasterIdLst>
   <p:sldIdLst>
     <p:sldId id="631" r:id="rId5"/>
-    <p:sldId id="320" r:id="rId6"/>
+    <p:sldId id="633" r:id="rId6"/>
     <p:sldId id="487" r:id="rId7"/>
     <p:sldId id="632" r:id="rId8"/>
     <p:sldId id="579" r:id="rId9"/>
@@ -25,7 +25,7 @@
     <p:sldId id="586" r:id="rId16"/>
     <p:sldId id="465" r:id="rId17"/>
     <p:sldId id="571" r:id="rId18"/>
-    <p:sldId id="265" r:id="rId19"/>
+    <p:sldId id="262" r:id="rId19"/>
   </p:sldIdLst>
   <p:sldSz cx="12188825" cy="6858000"/>
   <p:notesSz cx="7010400" cy="9296400"/>
@@ -269,7 +269,7 @@
           <a:p>
             <a:fld id="{0B842F42-2CE9-4E35-95C1-410DC08A50B1}" type="datetimeFigureOut">
               <a:rPr lang="en-US" smtClean="0"/>
-              <a:t>4/6/21</a:t>
+              <a:t>4/10/2021</a:t>
             </a:fld>
             <a:endParaRPr lang="en-US"/>
           </a:p>
@@ -434,7 +434,7 @@
           <a:p>
             <a:fld id="{6F282904-F315-4730-8D91-37D99E141A6F}" type="datetimeFigureOut">
               <a:rPr lang="en-US" smtClean="0"/>
-              <a:t>4/6/21</a:t>
+              <a:t>4/10/2021</a:t>
             </a:fld>
             <a:endParaRPr lang="en-US"/>
           </a:p>
@@ -4675,7 +4675,7 @@
           <a:noFill/>
           <a:extLst>
             <a:ext uri="{909E8E84-426E-40dd-AFC4-6F175D3DCCD1}">
-              <a14:hiddenFill xmlns="" xmlns:a14="http://schemas.microsoft.com/office/drawing/2010/main">
+              <a14:hiddenFill xmlns:a14="http://schemas.microsoft.com/office/drawing/2010/main" xmlns="">
                 <a:solidFill>
                   <a:srgbClr val="FFFFFF"/>
                 </a:solidFill>
@@ -4829,7 +4829,7 @@
           <a:noFill/>
           <a:extLst>
             <a:ext uri="{909E8E84-426E-40dd-AFC4-6F175D3DCCD1}">
-              <a14:hiddenFill xmlns="" xmlns:a14="http://schemas.microsoft.com/office/drawing/2010/main">
+              <a14:hiddenFill xmlns:a14="http://schemas.microsoft.com/office/drawing/2010/main" xmlns="">
                 <a:solidFill>
                   <a:srgbClr val="FFFFFF"/>
                 </a:solidFill>
@@ -8496,7 +8496,15 @@
                   <a:srgbClr val="000000"/>
                 </a:solidFill>
               </a:rPr>
-              <a:t>David M. Rogers</a:t>
+              <a:t>David E. Bernholdt</a:t>
+            </a:r>
+            <a:r>
+              <a:rPr lang="en-US" dirty="0">
+                <a:solidFill>
+                  <a:srgbClr val="000000"/>
+                </a:solidFill>
+              </a:rPr>
+              <a:t>, David M. Rogers</a:t>
             </a:r>
             <a:br>
               <a:rPr lang="en-US" dirty="0">
@@ -8558,60 +8566,10 @@
             </a:r>
           </a:p>
           <a:p>
-            <a:pPr>
-              <a:lnSpc>
-                <a:spcPct val="100000"/>
-              </a:lnSpc>
-              <a:buSzPts val="2000"/>
-            </a:pPr>
-            <a:r>
-              <a:rPr lang="en-US" dirty="0"/>
-              <a:t>Better Scientific Software Tutorial, ISS, March 2021</a:t>
-            </a:r>
-            <a:endParaRPr lang="en-US" sz="1400" dirty="0"/>
-          </a:p>
-          <a:p>
-            <a:pPr marL="0" indent="0">
-              <a:lnSpc>
-                <a:spcPct val="100000"/>
-              </a:lnSpc>
-              <a:spcBef>
-                <a:spcPts val="0"/>
-              </a:spcBef>
-              <a:buSzPts val="2000"/>
-            </a:pPr>
-            <a:endParaRPr lang="en-US" sz="1400" dirty="0"/>
-          </a:p>
-          <a:p>
-            <a:pPr marL="0" lvl="0" indent="0" algn="l" rtl="0">
-              <a:lnSpc>
-                <a:spcPct val="90000"/>
-              </a:lnSpc>
-              <a:spcBef>
-                <a:spcPts val="1400"/>
-              </a:spcBef>
-              <a:spcAft>
-                <a:spcPts val="0"/>
-              </a:spcAft>
-              <a:buSzPts val="2000"/>
-              <a:buNone/>
-            </a:pPr>
-            <a:endParaRPr sz="1400" dirty="0"/>
-          </a:p>
-          <a:p>
-            <a:pPr marL="0" lvl="0" indent="0" algn="l" rtl="0">
-              <a:lnSpc>
-                <a:spcPct val="90000"/>
-              </a:lnSpc>
-              <a:spcBef>
-                <a:spcPts val="1400"/>
-              </a:spcBef>
-              <a:spcAft>
-                <a:spcPts val="0"/>
-              </a:spcAft>
-              <a:buSzPts val="2000"/>
-              <a:buNone/>
-            </a:pPr>
+            <a:r>
+              <a:rPr lang="en-US" sz="2000" dirty="0"/>
+              <a:t>Developing a Testing and Continuous Integration Strategy for your Team tutorial @ ECP Annual Meeting, April 2021</a:t>
+            </a:r>
             <a:endParaRPr dirty="0">
               <a:solidFill>
                 <a:srgbClr val="000000"/>
@@ -13104,7 +13062,7 @@
         </p:nvGraphicFramePr>
         <p:xfrm>
           <a:off x="1055369" y="916940"/>
-          <a:ext cx="10078086" cy="5024120"/>
+          <a:ext cx="10042603" cy="2778760"/>
         </p:xfrm>
         <a:graphic>
           <a:graphicData uri="http://schemas.openxmlformats.org/drawingml/2006/table">
@@ -13113,7 +13071,7 @@
                 <a:tableStyleId>{5C22544A-7EE6-4342-B048-85BDC9FD1C3A}</a:tableStyleId>
               </a:tblPr>
               <a:tblGrid>
-                <a:gridCol w="1826183">
+                <a:gridCol w="1790700">
                   <a:extLst>
                     <a:ext uri="{9D8B030D-6E8A-4147-A177-3AD203B41FA5}">
                       <a16:colId xmlns:a16="http://schemas.microsoft.com/office/drawing/2014/main" val="3446576009"/>
@@ -13157,7 +13115,7 @@
                         <a:rPr lang="en-US" sz="1800" dirty="0">
                           <a:latin typeface="+mn-lt"/>
                         </a:rPr>
-                        <a:t>Time (MDT)</a:t>
+                        <a:t>Time (EDT)</a:t>
                       </a:r>
                     </a:p>
                   </a:txBody>
@@ -13251,7 +13209,7 @@
                           <a:effectLst/>
                           <a:latin typeface="+mn-lt"/>
                         </a:rPr>
-                        <a:t>1:00pm-1:05pm</a:t>
+                        <a:t>2:30-2:35pm</a:t>
                       </a:r>
                       <a:endParaRPr lang="en-US" sz="1800" dirty="0">
                         <a:effectLst/>
@@ -13358,7 +13316,7 @@
                           <a:effectLst/>
                           <a:latin typeface="+mn-lt"/>
                         </a:rPr>
-                        <a:t>1:05pm-1:15pm</a:t>
+                        <a:t>2:35pm-2:40pm</a:t>
                       </a:r>
                       <a:endParaRPr lang="en-US" sz="1800" dirty="0">
                         <a:effectLst/>
@@ -13432,7 +13390,7 @@
                           <a:ea typeface="+mn-ea"/>
                           <a:cs typeface="+mn-cs"/>
                         </a:rPr>
-                        <a:t>Motivation and Overview of Best Practices in HPC Software Development</a:t>
+                        <a:t>Motivation and Overview</a:t>
                       </a:r>
                       <a:endParaRPr lang="en-US" sz="1800" dirty="0">
                         <a:latin typeface="+mn-lt"/>
@@ -13467,7 +13425,7 @@
                         <a:rPr lang="en-US" sz="1800" dirty="0">
                           <a:latin typeface="+mn-lt"/>
                         </a:rPr>
-                        <a:t>David E. Bernholdt, ORNL</a:t>
+                        <a:t>Patricia A. Grubel, LANL</a:t>
                       </a:r>
                     </a:p>
                   </a:txBody>
@@ -13496,225 +13454,12 @@
                       <a:r>
                         <a:rPr lang="en-US" sz="1800" b="0" i="0" u="none" strike="noStrike" dirty="0">
                           <a:solidFill>
-                            <a:srgbClr val="000000"/>
-                          </a:solidFill>
-                          <a:effectLst/>
-                          <a:latin typeface="+mn-lt"/>
-                        </a:rPr>
-                        <a:t>1:15pm-1:45pm</a:t>
-                      </a:r>
-                      <a:endParaRPr lang="en-US" sz="1800" dirty="0">
-                        <a:effectLst/>
-                        <a:latin typeface="+mn-lt"/>
-                      </a:endParaRPr>
-                    </a:p>
-                  </a:txBody>
-                  <a:tcPr marL="63500" marR="63500" marT="63500" marB="63500"/>
-                </a:tc>
-                <a:tc>
-                  <a:txBody>
-                    <a:bodyPr/>
-                    <a:lstStyle/>
-                    <a:p>
-                      <a:pPr>
-                        <a:lnSpc>
-                          <a:spcPct val="100000"/>
-                        </a:lnSpc>
-                      </a:pPr>
-                      <a:r>
-                        <a:rPr lang="en-US" sz="1800" dirty="0">
-                          <a:latin typeface="+mn-lt"/>
-                        </a:rPr>
-                        <a:t>02</a:t>
-                      </a:r>
-                    </a:p>
-                  </a:txBody>
-                  <a:tcPr/>
-                </a:tc>
-                <a:tc>
-                  <a:txBody>
-                    <a:bodyPr/>
-                    <a:lstStyle/>
-                    <a:p>
-                      <a:pPr>
-                        <a:lnSpc>
-                          <a:spcPct val="100000"/>
-                        </a:lnSpc>
-                      </a:pPr>
-                      <a:r>
-                        <a:rPr lang="en-US" sz="1800" dirty="0">
-                          <a:latin typeface="+mn-lt"/>
-                        </a:rPr>
-                        <a:t>Agile Methodologies</a:t>
-                      </a:r>
-                    </a:p>
-                  </a:txBody>
-                  <a:tcPr/>
-                </a:tc>
-                <a:tc>
-                  <a:txBody>
-                    <a:bodyPr/>
-                    <a:lstStyle/>
-                    <a:p>
-                      <a:pPr>
-                        <a:lnSpc>
-                          <a:spcPct val="100000"/>
-                        </a:lnSpc>
-                      </a:pPr>
-                      <a:r>
-                        <a:rPr lang="en-US" sz="1800" dirty="0">
-                          <a:latin typeface="+mn-lt"/>
-                        </a:rPr>
-                        <a:t>Rinku K. Gupta, ANL</a:t>
-                      </a:r>
-                    </a:p>
-                  </a:txBody>
-                  <a:tcPr/>
-                </a:tc>
-                <a:extLst>
-                  <a:ext uri="{0D108BD9-81ED-4DB2-BD59-A6C34878D82A}">
-                    <a16:rowId xmlns:a16="http://schemas.microsoft.com/office/drawing/2014/main" val="3991164013"/>
-                  </a:ext>
-                </a:extLst>
-              </a:tr>
-              <a:tr h="370840">
-                <a:tc>
-                  <a:txBody>
-                    <a:bodyPr/>
-                    <a:lstStyle/>
-                    <a:p>
-                      <a:pPr rtl="0" fontAlgn="t">
-                        <a:spcBef>
-                          <a:spcPts val="0"/>
-                        </a:spcBef>
-                        <a:spcAft>
-                          <a:spcPts val="0"/>
-                        </a:spcAft>
-                      </a:pPr>
-                      <a:r>
-                        <a:rPr lang="en-US" sz="1800" dirty="0">
-                          <a:effectLst/>
-                          <a:latin typeface="+mn-lt"/>
-                        </a:rPr>
-                        <a:t>1:45pm-2:00pm</a:t>
-                      </a:r>
-                    </a:p>
-                  </a:txBody>
-                  <a:tcPr marL="63500" marR="63500" marT="63500" marB="63500"/>
-                </a:tc>
-                <a:tc>
-                  <a:txBody>
-                    <a:bodyPr/>
-                    <a:lstStyle/>
-                    <a:p>
-                      <a:pPr>
-                        <a:lnSpc>
-                          <a:spcPct val="100000"/>
-                        </a:lnSpc>
-                      </a:pPr>
-                      <a:r>
-                        <a:rPr lang="en-US" sz="1800" i="0" dirty="0">
-                          <a:solidFill>
-                            <a:schemeClr val="tx1"/>
-                          </a:solidFill>
-                          <a:latin typeface="+mn-lt"/>
-                        </a:rPr>
-                        <a:t>03</a:t>
-                      </a:r>
-                    </a:p>
-                  </a:txBody>
-                  <a:tcPr/>
-                </a:tc>
-                <a:tc>
-                  <a:txBody>
-                    <a:bodyPr/>
-                    <a:lstStyle/>
-                    <a:p>
-                      <a:pPr marL="0" marR="0" lvl="0" indent="0" algn="l" defTabSz="914400" rtl="0" eaLnBrk="1" fontAlgn="auto" latinLnBrk="0" hangingPunct="1">
-                        <a:lnSpc>
-                          <a:spcPct val="100000"/>
-                        </a:lnSpc>
-                        <a:spcBef>
-                          <a:spcPts val="0"/>
-                        </a:spcBef>
-                        <a:spcAft>
-                          <a:spcPts val="0"/>
-                        </a:spcAft>
-                        <a:buClrTx/>
-                        <a:buSzTx/>
-                        <a:buFontTx/>
-                        <a:buNone/>
-                        <a:tabLst/>
-                        <a:defRPr/>
-                      </a:pPr>
-                      <a:r>
-                        <a:rPr lang="en-US" sz="1800" b="0" i="0" u="none" strike="noStrike" kern="1200" dirty="0">
-                          <a:solidFill>
-                            <a:schemeClr val="dk1"/>
-                          </a:solidFill>
-                          <a:effectLst/>
-                          <a:latin typeface="+mn-lt"/>
-                          <a:ea typeface="+mn-ea"/>
-                          <a:cs typeface="+mn-cs"/>
-                        </a:rPr>
-                        <a:t>Git Workflows</a:t>
-                      </a:r>
-                      <a:endParaRPr lang="en-US" sz="1800" dirty="0">
-                        <a:latin typeface="+mn-lt"/>
-                      </a:endParaRPr>
-                    </a:p>
-                  </a:txBody>
-                  <a:tcPr/>
-                </a:tc>
-                <a:tc>
-                  <a:txBody>
-                    <a:bodyPr/>
-                    <a:lstStyle/>
-                    <a:p>
-                      <a:pPr>
-                        <a:lnSpc>
-                          <a:spcPct val="100000"/>
-                        </a:lnSpc>
-                      </a:pPr>
-                      <a:r>
-                        <a:rPr lang="en-US" sz="1800" dirty="0">
-                          <a:latin typeface="+mn-lt"/>
-                        </a:rPr>
-                        <a:t>Rinku K. Gupta, ANL</a:t>
-                      </a:r>
-                    </a:p>
-                  </a:txBody>
-                  <a:tcPr/>
-                </a:tc>
-                <a:extLst>
-                  <a:ext uri="{0D108BD9-81ED-4DB2-BD59-A6C34878D82A}">
-                    <a16:rowId xmlns:a16="http://schemas.microsoft.com/office/drawing/2014/main" val="1350023114"/>
-                  </a:ext>
-                </a:extLst>
-              </a:tr>
-              <a:tr h="370840">
-                <a:tc>
-                  <a:txBody>
-                    <a:bodyPr/>
-                    <a:lstStyle/>
-                    <a:p>
-                      <a:pPr rtl="0" fontAlgn="t">
-                        <a:spcBef>
-                          <a:spcPts val="0"/>
-                        </a:spcBef>
-                        <a:spcAft>
-                          <a:spcPts val="0"/>
-                        </a:spcAft>
-                      </a:pPr>
-                      <a:r>
-                        <a:rPr lang="en-US" sz="1800" b="0" i="0" u="none" strike="noStrike" dirty="0">
-                          <a:solidFill>
                             <a:schemeClr val="tx1"/>
                           </a:solidFill>
                           <a:effectLst/>
                           <a:latin typeface="+mn-lt"/>
                         </a:rPr>
-                        <a:t>2:00pm-2:20pm</a:t>
+                        <a:t>2:40pm-3:00pm</a:t>
                       </a:r>
                       <a:endParaRPr lang="en-US" sz="1800" i="0" dirty="0">
                         <a:solidFill>
@@ -13744,7 +13489,7 @@
                           </a:solidFill>
                           <a:latin typeface="+mn-lt"/>
                         </a:rPr>
-                        <a:t>04</a:t>
+                        <a:t>02</a:t>
                       </a:r>
                     </a:p>
                   </a:txBody>
@@ -13790,19 +13535,28 @@
                     <a:bodyPr/>
                     <a:lstStyle/>
                     <a:p>
-                      <a:pPr>
+                      <a:pPr marL="0" marR="0" lvl="0" indent="0" algn="l" defTabSz="914400" rtl="0" eaLnBrk="1" fontAlgn="auto" latinLnBrk="0" hangingPunct="1">
                         <a:lnSpc>
                           <a:spcPct val="100000"/>
                         </a:lnSpc>
+                        <a:spcBef>
+                          <a:spcPts val="0"/>
+                        </a:spcBef>
+                        <a:spcAft>
+                          <a:spcPts val="0"/>
+                        </a:spcAft>
+                        <a:buClrTx/>
+                        <a:buSzTx/>
+                        <a:buFontTx/>
+                        <a:buNone/>
+                        <a:tabLst/>
+                        <a:defRPr/>
                       </a:pPr>
                       <a:r>
-                        <a:rPr lang="en-US" sz="1800" i="0" dirty="0">
-                          <a:solidFill>
-                            <a:schemeClr val="tx1"/>
-                          </a:solidFill>
+                        <a:rPr lang="en-US" sz="1800" dirty="0">
                           <a:latin typeface="+mn-lt"/>
                         </a:rPr>
-                        <a:t>David M. Rogers, ORNL</a:t>
+                        <a:t>Patricia A. Grubel, LANL</a:t>
                       </a:r>
                     </a:p>
                   </a:txBody>
@@ -13829,234 +13583,11 @@
                         </a:spcAft>
                       </a:pPr>
                       <a:r>
-                        <a:rPr lang="en-US" sz="1800" b="0" i="1" u="none" strike="noStrike" dirty="0">
-                          <a:solidFill>
-                            <a:schemeClr val="tx2"/>
-                          </a:solidFill>
-                          <a:effectLst/>
-                          <a:latin typeface="+mn-lt"/>
-                        </a:rPr>
-                        <a:t>2:20pm-2:40pm</a:t>
-                      </a:r>
-                      <a:endParaRPr lang="en-US" sz="1800" i="1" dirty="0">
-                        <a:solidFill>
-                          <a:schemeClr val="tx2"/>
-                        </a:solidFill>
-                        <a:effectLst/>
-                        <a:latin typeface="+mn-lt"/>
-                      </a:endParaRPr>
-                    </a:p>
-                  </a:txBody>
-                  <a:tcPr marL="63500" marR="63500" marT="63500" marB="63500"/>
-                </a:tc>
-                <a:tc>
-                  <a:txBody>
-                    <a:bodyPr/>
-                    <a:lstStyle/>
-                    <a:p>
-                      <a:pPr>
-                        <a:lnSpc>
-                          <a:spcPct val="100000"/>
-                        </a:lnSpc>
-                      </a:pPr>
-                      <a:endParaRPr lang="en-US" sz="1800" i="1" dirty="0">
-                        <a:solidFill>
-                          <a:schemeClr val="tx2"/>
-                        </a:solidFill>
-                        <a:latin typeface="+mn-lt"/>
-                      </a:endParaRPr>
-                    </a:p>
-                  </a:txBody>
-                  <a:tcPr/>
-                </a:tc>
-                <a:tc>
-                  <a:txBody>
-                    <a:bodyPr/>
-                    <a:lstStyle/>
-                    <a:p>
-                      <a:pPr>
-                        <a:lnSpc>
-                          <a:spcPct val="100000"/>
-                        </a:lnSpc>
-                      </a:pPr>
-                      <a:r>
-                        <a:rPr lang="en-US" sz="1800" i="1" dirty="0">
-                          <a:solidFill>
-                            <a:schemeClr val="tx2"/>
-                          </a:solidFill>
-                          <a:latin typeface="+mn-lt"/>
-                        </a:rPr>
-                        <a:t>Break (optional Q&amp;A)</a:t>
-                      </a:r>
-                    </a:p>
-                  </a:txBody>
-                  <a:tcPr/>
-                </a:tc>
-                <a:tc>
-                  <a:txBody>
-                    <a:bodyPr/>
-                    <a:lstStyle/>
-                    <a:p>
-                      <a:pPr>
-                        <a:lnSpc>
-                          <a:spcPct val="100000"/>
-                        </a:lnSpc>
-                      </a:pPr>
-                      <a:r>
-                        <a:rPr lang="en-US" sz="1800" i="1" dirty="0">
-                          <a:solidFill>
-                            <a:schemeClr val="tx2"/>
-                          </a:solidFill>
-                          <a:latin typeface="+mn-lt"/>
-                        </a:rPr>
-                        <a:t>All</a:t>
-                      </a:r>
-                    </a:p>
-                  </a:txBody>
-                  <a:tcPr/>
-                </a:tc>
-                <a:extLst>
-                  <a:ext uri="{0D108BD9-81ED-4DB2-BD59-A6C34878D82A}">
-                    <a16:rowId xmlns:a16="http://schemas.microsoft.com/office/drawing/2014/main" val="4193880066"/>
-                  </a:ext>
-                </a:extLst>
-              </a:tr>
-              <a:tr h="370840">
-                <a:tc>
-                  <a:txBody>
-                    <a:bodyPr/>
-                    <a:lstStyle/>
-                    <a:p>
-                      <a:pPr rtl="0" fontAlgn="t">
-                        <a:spcBef>
-                          <a:spcPts val="0"/>
-                        </a:spcBef>
-                        <a:spcAft>
-                          <a:spcPts val="0"/>
-                        </a:spcAft>
-                      </a:pPr>
-                      <a:r>
-                        <a:rPr lang="en-US" sz="1800" b="0" i="0" u="none" strike="noStrike" dirty="0">
-                          <a:solidFill>
-                            <a:srgbClr val="000000"/>
-                          </a:solidFill>
-                          <a:effectLst/>
-                          <a:latin typeface="+mn-lt"/>
-                        </a:rPr>
-                        <a:t>2:40pm-3:00pm</a:t>
-                      </a:r>
-                      <a:endParaRPr lang="en-US" sz="1800" dirty="0">
-                        <a:effectLst/>
-                        <a:latin typeface="+mn-lt"/>
-                      </a:endParaRPr>
-                    </a:p>
-                  </a:txBody>
-                  <a:tcPr marL="63500" marR="63500" marT="63500" marB="63500"/>
-                </a:tc>
-                <a:tc>
-                  <a:txBody>
-                    <a:bodyPr/>
-                    <a:lstStyle/>
-                    <a:p>
-                      <a:pPr>
-                        <a:lnSpc>
-                          <a:spcPct val="100000"/>
-                        </a:lnSpc>
-                      </a:pPr>
-                      <a:r>
-                        <a:rPr lang="en-US" sz="1800" i="0" dirty="0">
-                          <a:latin typeface="+mn-lt"/>
-                        </a:rPr>
-                        <a:t>05</a:t>
-                      </a:r>
-                    </a:p>
-                  </a:txBody>
-                  <a:tcPr/>
-                </a:tc>
-                <a:tc>
-                  <a:txBody>
-                    <a:bodyPr/>
-                    <a:lstStyle/>
-                    <a:p>
-                      <a:pPr marL="0" marR="0" lvl="0" indent="0" algn="l" defTabSz="914400" rtl="0" eaLnBrk="1" fontAlgn="auto" latinLnBrk="0" hangingPunct="1">
-                        <a:lnSpc>
-                          <a:spcPct val="100000"/>
-                        </a:lnSpc>
-                        <a:spcBef>
-                          <a:spcPts val="0"/>
-                        </a:spcBef>
-                        <a:spcAft>
-                          <a:spcPts val="0"/>
-                        </a:spcAft>
-                        <a:buClrTx/>
-                        <a:buSzTx/>
-                        <a:buFontTx/>
-                        <a:buNone/>
-                        <a:tabLst/>
-                        <a:defRPr/>
-                      </a:pPr>
-                      <a:r>
-                        <a:rPr lang="en-US" sz="1800" b="0" i="0" u="none" strike="noStrike" kern="1200" dirty="0">
-                          <a:solidFill>
-                            <a:schemeClr val="tx1"/>
-                          </a:solidFill>
-                          <a:effectLst/>
-                          <a:latin typeface="+mn-lt"/>
-                          <a:ea typeface="+mn-ea"/>
-                          <a:cs typeface="+mn-cs"/>
-                        </a:rPr>
-                        <a:t>Software Design</a:t>
-                      </a:r>
-                    </a:p>
-                  </a:txBody>
-                  <a:tcPr/>
-                </a:tc>
-                <a:tc>
-                  <a:txBody>
-                    <a:bodyPr/>
-                    <a:lstStyle/>
-                    <a:p>
-                      <a:pPr>
-                        <a:lnSpc>
-                          <a:spcPct val="100000"/>
-                        </a:lnSpc>
-                      </a:pPr>
-                      <a:r>
-                        <a:rPr lang="en-US" sz="1800" dirty="0">
-                          <a:latin typeface="+mn-lt"/>
-                        </a:rPr>
-                        <a:t>Anshu Dubey, ANL</a:t>
-                      </a:r>
-                    </a:p>
-                  </a:txBody>
-                  <a:tcPr/>
-                </a:tc>
-                <a:extLst>
-                  <a:ext uri="{0D108BD9-81ED-4DB2-BD59-A6C34878D82A}">
-                    <a16:rowId xmlns:a16="http://schemas.microsoft.com/office/drawing/2014/main" val="2444169840"/>
-                  </a:ext>
-                </a:extLst>
-              </a:tr>
-              <a:tr h="370840">
-                <a:tc>
-                  <a:txBody>
-                    <a:bodyPr/>
-                    <a:lstStyle/>
-                    <a:p>
-                      <a:pPr rtl="0" fontAlgn="t">
-                        <a:spcBef>
-                          <a:spcPts val="0"/>
-                        </a:spcBef>
-                        <a:spcAft>
-                          <a:spcPts val="0"/>
-                        </a:spcAft>
-                      </a:pPr>
-                      <a:r>
                         <a:rPr lang="en-US" sz="1800" dirty="0">
                           <a:effectLst/>
                           <a:latin typeface="+mn-lt"/>
                         </a:rPr>
-                        <a:t>3:00pm-3:15pm</a:t>
+                        <a:t>3:00pm-3:25pm</a:t>
                       </a:r>
                     </a:p>
                   </a:txBody>
@@ -14076,7 +13607,7 @@
                         <a:rPr lang="en-US" sz="1800" i="0" dirty="0">
                           <a:latin typeface="+mn-lt"/>
                         </a:rPr>
-                        <a:t>06</a:t>
+                        <a:t>03</a:t>
                       </a:r>
                     </a:p>
                   </a:txBody>
@@ -14125,13 +13656,10 @@
                         <a:defRPr/>
                       </a:pPr>
                       <a:r>
-                        <a:rPr lang="en-US" sz="1800" i="0" dirty="0">
-                          <a:solidFill>
-                            <a:schemeClr val="tx1"/>
-                          </a:solidFill>
+                        <a:rPr lang="en-US" sz="1800" dirty="0">
                           <a:latin typeface="+mn-lt"/>
                         </a:rPr>
-                        <a:t>David M. Rogers</a:t>
+                        <a:t>David E. Bernholdt, ORNL</a:t>
                       </a:r>
                     </a:p>
                   </a:txBody>
@@ -14162,7 +13690,7 @@
                           <a:effectLst/>
                           <a:latin typeface="+mn-lt"/>
                         </a:rPr>
-                        <a:t>3:15pm-3:40pm</a:t>
+                        <a:t>3:25pm-3:55pm</a:t>
                       </a:r>
                     </a:p>
                   </a:txBody>
@@ -14182,7 +13710,7 @@
                         <a:rPr lang="en-US" sz="1800" i="0" dirty="0">
                           <a:latin typeface="+mn-lt"/>
                         </a:rPr>
-                        <a:t>07</a:t>
+                        <a:t>04</a:t>
                       </a:r>
                     </a:p>
                   </a:txBody>
@@ -14202,7 +13730,7 @@
                         <a:rPr lang="en-US" sz="1800" i="0" dirty="0">
                           <a:latin typeface="+mn-lt"/>
                         </a:rPr>
-                        <a:t>Refactoring</a:t>
+                        <a:t>Continuous Integration</a:t>
                       </a:r>
                     </a:p>
                   </a:txBody>
@@ -14222,98 +13750,19 @@
                         <a:rPr lang="en-US" sz="1800" dirty="0">
                           <a:latin typeface="+mn-lt"/>
                         </a:rPr>
-                        <a:t>Anshu Dubey, ANL</a:t>
+                        <a:t>James M. </a:t>
                       </a:r>
-                    </a:p>
-                  </a:txBody>
-                  <a:tcPr/>
-                </a:tc>
-                <a:extLst>
-                  <a:ext uri="{0D108BD9-81ED-4DB2-BD59-A6C34878D82A}">
-                    <a16:rowId xmlns:a16="http://schemas.microsoft.com/office/drawing/2014/main" val="2446830301"/>
-                  </a:ext>
-                </a:extLst>
-              </a:tr>
-              <a:tr h="370840">
-                <a:tc>
-                  <a:txBody>
-                    <a:bodyPr/>
-                    <a:lstStyle/>
-                    <a:p>
-                      <a:pPr rtl="0" fontAlgn="t">
-                        <a:spcBef>
-                          <a:spcPts val="0"/>
-                        </a:spcBef>
-                        <a:spcAft>
-                          <a:spcPts val="0"/>
-                        </a:spcAft>
-                      </a:pPr>
                       <a:r>
-                        <a:rPr lang="en-US" sz="1800" dirty="0">
-                          <a:effectLst/>
+                        <a:rPr lang="en-US" sz="1800" dirty="0" err="1">
                           <a:latin typeface="+mn-lt"/>
                         </a:rPr>
-                        <a:t>3:40pm-3:55pm</a:t>
+                        <a:t>Willenbring</a:t>
                       </a:r>
-                    </a:p>
-                  </a:txBody>
-                  <a:tcPr marL="63500" marR="63500" marT="63500" marB="63500"/>
-                </a:tc>
-                <a:tc>
-                  <a:txBody>
-                    <a:bodyPr/>
-                    <a:lstStyle/>
-                    <a:p>
-                      <a:pPr>
-                        <a:lnSpc>
-                          <a:spcPct val="100000"/>
-                        </a:lnSpc>
-                      </a:pPr>
-                      <a:r>
-                        <a:rPr lang="en-US" sz="1800" i="0" dirty="0">
-                          <a:latin typeface="+mn-lt"/>
-                        </a:rPr>
-                        <a:t>08</a:t>
-                      </a:r>
-                    </a:p>
-                  </a:txBody>
-                  <a:tcPr/>
-                </a:tc>
-                <a:tc>
-                  <a:txBody>
-                    <a:bodyPr/>
-                    <a:lstStyle/>
-                    <a:p>
-                      <a:pPr>
-                        <a:lnSpc>
-                          <a:spcPct val="100000"/>
-                        </a:lnSpc>
-                      </a:pPr>
-                      <a:r>
-                        <a:rPr lang="en-US" sz="1800" i="0" dirty="0">
-                          <a:latin typeface="+mn-lt"/>
-                        </a:rPr>
-                        <a:t>Reproducibility</a:t>
-                      </a:r>
-                    </a:p>
-                  </a:txBody>
-                  <a:tcPr/>
-                </a:tc>
-                <a:tc>
-                  <a:txBody>
-                    <a:bodyPr/>
-                    <a:lstStyle/>
-                    <a:p>
-                      <a:pPr>
-                        <a:lnSpc>
-                          <a:spcPct val="100000"/>
-                        </a:lnSpc>
-                      </a:pPr>
                       <a:r>
                         <a:rPr lang="en-US" sz="1800" dirty="0">
                           <a:latin typeface="+mn-lt"/>
                         </a:rPr>
-                        <a:t>David E. Bernholdt, ORNL</a:t>
+                        <a:t>, SNL</a:t>
                       </a:r>
                     </a:p>
                   </a:txBody>
@@ -14364,7 +13813,7 @@
                         <a:rPr lang="en-US" sz="1800" i="0" dirty="0">
                           <a:latin typeface="+mn-lt"/>
                         </a:rPr>
-                        <a:t>09</a:t>
+                        <a:t>05</a:t>
                       </a:r>
                     </a:p>
                   </a:txBody>
@@ -14404,7 +13853,19 @@
                         <a:rPr lang="en-US" sz="1800" dirty="0">
                           <a:latin typeface="+mn-lt"/>
                         </a:rPr>
-                        <a:t>David E. Bernholdt, ORNL</a:t>
+                        <a:t>James M. </a:t>
+                      </a:r>
+                      <a:r>
+                        <a:rPr lang="en-US" sz="1800" dirty="0" err="1">
+                          <a:latin typeface="+mn-lt"/>
+                        </a:rPr>
+                        <a:t>Willenbring</a:t>
+                      </a:r>
+                      <a:r>
+                        <a:rPr lang="en-US" sz="1800" dirty="0">
+                          <a:latin typeface="+mn-lt"/>
+                        </a:rPr>
+                        <a:t>, SNL</a:t>
                       </a:r>
                     </a:p>
                   </a:txBody>
@@ -14425,7 +13886,7 @@
           <p:cNvPr id="5" name="Group 4">
             <a:extLst>
               <a:ext uri="{FF2B5EF4-FFF2-40B4-BE49-F238E27FC236}">
-                <a16:creationId xmlns:a16="http://schemas.microsoft.com/office/drawing/2014/main" id="{E481C384-B67A-4E1A-9712-8751F487059D}"/>
+                <a16:creationId xmlns:a16="http://schemas.microsoft.com/office/drawing/2014/main" id="{298E65E2-8CFD-4F26-8DA3-3F5A419B1CCC}"/>
               </a:ext>
             </a:extLst>
           </p:cNvPr>
@@ -14434,7 +13895,7 @@
         </p:nvGrpSpPr>
         <p:grpSpPr>
           <a:xfrm>
-            <a:off x="649538" y="4506322"/>
+            <a:off x="649538" y="2683826"/>
             <a:ext cx="10909739" cy="390939"/>
             <a:chOff x="79513" y="1653208"/>
             <a:chExt cx="12029799" cy="390939"/>
@@ -14445,7 +13906,7 @@
             <p:cNvPr id="6" name="Straight Connector 5">
               <a:extLst>
                 <a:ext uri="{FF2B5EF4-FFF2-40B4-BE49-F238E27FC236}">
-                  <a16:creationId xmlns:a16="http://schemas.microsoft.com/office/drawing/2014/main" id="{81FDDF4F-CEBB-4DB2-B54C-DBAC5A6EF985}"/>
+                  <a16:creationId xmlns:a16="http://schemas.microsoft.com/office/drawing/2014/main" id="{58A6CA20-B55D-4C81-8847-C4C8F5411BA7}"/>
                 </a:ext>
               </a:extLst>
             </p:cNvPr>
@@ -14488,7 +13949,7 @@
             <p:cNvPr id="7" name="Arrow: Right 7">
               <a:extLst>
                 <a:ext uri="{FF2B5EF4-FFF2-40B4-BE49-F238E27FC236}">
-                  <a16:creationId xmlns:a16="http://schemas.microsoft.com/office/drawing/2014/main" id="{7844F343-E894-4FE0-A6FA-018D93AF813D}"/>
+                  <a16:creationId xmlns:a16="http://schemas.microsoft.com/office/drawing/2014/main" id="{15647A8B-7F43-4B40-AF9A-5C49F504C09F}"/>
                 </a:ext>
               </a:extLst>
             </p:cNvPr>
@@ -14563,7 +14024,7 @@
             <p:cNvPr id="8" name="Arrow: Right 8">
               <a:extLst>
                 <a:ext uri="{FF2B5EF4-FFF2-40B4-BE49-F238E27FC236}">
-                  <a16:creationId xmlns:a16="http://schemas.microsoft.com/office/drawing/2014/main" id="{BBFB6C66-6CBA-4D40-8622-561E8F751365}"/>
+                  <a16:creationId xmlns:a16="http://schemas.microsoft.com/office/drawing/2014/main" id="{117F0AD7-F782-4B43-B9F0-67851652A380}"/>
                 </a:ext>
               </a:extLst>
             </p:cNvPr>
@@ -14637,7 +14098,7 @@
     </p:spTree>
     <p:extLst>
       <p:ext uri="{BB962C8B-B14F-4D97-AF65-F5344CB8AC3E}">
-        <p14:creationId xmlns:p14="http://schemas.microsoft.com/office/powerpoint/2010/main" val="1354062058"/>
+        <p14:creationId xmlns:p14="http://schemas.microsoft.com/office/powerpoint/2010/main" val="1214366608"/>
       </p:ext>
     </p:extLst>
   </p:cSld>
@@ -14766,13 +14227,29 @@
             </a:pPr>
             <a:r>
               <a:rPr lang="en-US" sz="1600" b="1" dirty="0"/>
-              <a:t>The requested citation the overall tutorial is: David E. Bernholdt, Anshu Dubey, Rinku K. Gupta, and David M. Rogers, Better Scientific Software tutorial, in Improving Scientific Software conference, online, 2021. DOI: </a:t>
+              <a:t>The requested citation the overall tutorial is: David E. Bernholdt, Patricia A. Grubel, and James M. </a:t>
+            </a:r>
+            <a:r>
+              <a:rPr lang="en-US" sz="1600" b="1" dirty="0" err="1"/>
+              <a:t>Willenbring</a:t>
+            </a:r>
+            <a:r>
+              <a:rPr lang="en-US" sz="1600" b="1" dirty="0"/>
+              <a:t>, Developing a Testing and Continuous Integration Strategy for your Team tutorial, in </a:t>
+            </a:r>
+            <a:r>
+              <a:rPr lang="en-US" sz="1600" b="1" dirty="0" err="1"/>
+              <a:t>Exascale</a:t>
+            </a:r>
+            <a:r>
+              <a:rPr lang="en-US" sz="1600" b="1" dirty="0"/>
+              <a:t> Computing Project Annual Meeting, online, 2021. DOI: </a:t>
             </a:r>
             <a:r>
               <a:rPr lang="en-US" sz="1600" b="1" dirty="0">
                 <a:hlinkClick r:id="rId4"/>
               </a:rPr>
-              <a:t>10.6084/m9.figshare.14256257</a:t>
+              <a:t>10.6084/m9.figshare.14376956</a:t>
             </a:r>
             <a:endParaRPr lang="en-US" sz="1600" b="1" dirty="0"/>
           </a:p>
@@ -14815,15 +14292,7 @@
             </a:pPr>
             <a:r>
               <a:rPr lang="en-US" sz="1400" dirty="0"/>
-              <a:t>Additional contributors include: Mike </a:t>
-            </a:r>
-            <a:r>
-              <a:rPr lang="en-US" sz="1400" dirty="0" err="1"/>
-              <a:t>Heroux</a:t>
-            </a:r>
-            <a:r>
-              <a:rPr lang="en-US" sz="1400" dirty="0"/>
-              <a:t>, Alicia </a:t>
+              <a:t>Additional contributors include: David E. Bernholdt, Anshu Dubey, Rinku K. Gupta, Mike Heroux, Alicia </a:t>
             </a:r>
             <a:r>
               <a:rPr lang="en-US" sz="1400" dirty="0" err="1"/>
@@ -14978,7 +14447,7 @@
     </p:spTree>
     <p:extLst>
       <p:ext uri="{BB962C8B-B14F-4D97-AF65-F5344CB8AC3E}">
-        <p14:creationId xmlns:p14="http://schemas.microsoft.com/office/powerpoint/2010/main" val="978726433"/>
+        <p14:creationId xmlns:p14="http://schemas.microsoft.com/office/powerpoint/2010/main" val="4277464683"/>
       </p:ext>
     </p:extLst>
   </p:cSld>
@@ -15671,11 +15140,11 @@
   <p:clrMapOvr>
     <a:masterClrMapping/>
   </p:clrMapOvr>
-  <mc:AlternateContent xmlns:mc="http://schemas.openxmlformats.org/markup-compatibility/2006">
-    <mc:Choice xmlns:p14="http://schemas.microsoft.com/office/powerpoint/2010/main" Requires="p14">
+  <mc:AlternateContent xmlns:mc="http://schemas.openxmlformats.org/markup-compatibility/2006" xmlns:p14="http://schemas.microsoft.com/office/powerpoint/2010/main">
+    <mc:Choice Requires="p14">
       <p:transition spd="slow" p14:dur="2000" advTm="120709"/>
     </mc:Choice>
-    <mc:Fallback>
+    <mc:Fallback xmlns="">
       <p:transition spd="slow" advTm="120709"/>
     </mc:Fallback>
   </mc:AlternateContent>
@@ -17374,7 +16843,7 @@
           <a:noFill/>
           <a:extLst>
             <a:ext uri="{909E8E84-426E-40dd-AFC4-6F175D3DCCD1}">
-              <a14:hiddenFill xmlns="" xmlns:a14="http://schemas.microsoft.com/office/drawing/2010/main">
+              <a14:hiddenFill xmlns:a14="http://schemas.microsoft.com/office/drawing/2010/main" xmlns="">
                 <a:solidFill>
                   <a:srgbClr val="FFFFFF"/>
                 </a:solidFill>
@@ -18967,18 +18436,18 @@
 </file>
 
 <file path=customXml/item1.xml><?xml version="1.0" encoding="utf-8"?>
-<p:properties xmlns:p="http://schemas.microsoft.com/office/2006/metadata/properties" xmlns:xsi="http://www.w3.org/2001/XMLSchema-instance" xmlns:pc="http://schemas.microsoft.com/office/infopath/2007/PartnerControls">
-  <documentManagement/>
-</p:properties>
-</file>
-
-<file path=customXml/item2.xml><?xml version="1.0" encoding="utf-8"?>
 <?mso-contentType ?>
 <FormTemplates xmlns="http://schemas.microsoft.com/sharepoint/v3/contenttype/forms">
   <Display>DocumentLibraryForm</Display>
   <Edit>DocumentLibraryForm</Edit>
   <New>DocumentLibraryForm</New>
 </FormTemplates>
+</file>
+
+<file path=customXml/item2.xml><?xml version="1.0" encoding="utf-8"?>
+<p:properties xmlns:p="http://schemas.microsoft.com/office/2006/metadata/properties" xmlns:xsi="http://www.w3.org/2001/XMLSchema-instance" xmlns:pc="http://schemas.microsoft.com/office/infopath/2007/PartnerControls">
+  <documentManagement/>
+</p:properties>
 </file>
 
 <file path=customXml/item3.xml><?xml version="1.0" encoding="utf-8"?>
@@ -19031,6 +18500,14 @@
 </file>
 
 <file path=customXml/itemProps1.xml><?xml version="1.0" encoding="utf-8"?>
+<ds:datastoreItem xmlns:ds="http://schemas.openxmlformats.org/officeDocument/2006/customXml" ds:itemID="{19E20559-B232-4371-8690-E3D8007EDB82}">
+  <ds:schemaRefs>
+    <ds:schemaRef ds:uri="http://schemas.microsoft.com/sharepoint/v3/contenttype/forms"/>
+  </ds:schemaRefs>
+</ds:datastoreItem>
+</file>
+
+<file path=customXml/itemProps2.xml><?xml version="1.0" encoding="utf-8"?>
 <ds:datastoreItem xmlns:ds="http://schemas.openxmlformats.org/officeDocument/2006/customXml" ds:itemID="{A50EC660-24D0-43A0-AE5E-E274115E726B}">
   <ds:schemaRefs>
     <ds:schemaRef ds:uri="http://purl.org/dc/terms/"/>
@@ -19041,14 +18518,6 @@
     <ds:schemaRef ds:uri="http://www.w3.org/XML/1998/namespace"/>
     <ds:schemaRef ds:uri="http://purl.org/dc/dcmitype/"/>
     <ds:schemaRef ds:uri="http://schemas.microsoft.com/office/infopath/2007/PartnerControls"/>
-  </ds:schemaRefs>
-</ds:datastoreItem>
-</file>
-
-<file path=customXml/itemProps2.xml><?xml version="1.0" encoding="utf-8"?>
-<ds:datastoreItem xmlns:ds="http://schemas.openxmlformats.org/officeDocument/2006/customXml" ds:itemID="{19E20559-B232-4371-8690-E3D8007EDB82}">
-  <ds:schemaRefs>
-    <ds:schemaRef ds:uri="http://schemas.microsoft.com/sharepoint/v3/contenttype/forms"/>
   </ds:schemaRefs>
 </ds:datastoreItem>
 </file>

--- a/final-presentations/2021-04-12-ecpam/03-testing2.pptx
+++ b/final-presentations/2021-04-12-ecpam/03-testing2.pptx
@@ -5,27 +5,26 @@
     <p:sldMasterId id="2147483935" r:id="rId4"/>
   </p:sldMasterIdLst>
   <p:notesMasterIdLst>
-    <p:notesMasterId r:id="rId20"/>
+    <p:notesMasterId r:id="rId19"/>
   </p:notesMasterIdLst>
   <p:handoutMasterIdLst>
-    <p:handoutMasterId r:id="rId21"/>
+    <p:handoutMasterId r:id="rId20"/>
   </p:handoutMasterIdLst>
   <p:sldIdLst>
     <p:sldId id="631" r:id="rId5"/>
     <p:sldId id="633" r:id="rId6"/>
     <p:sldId id="487" r:id="rId7"/>
-    <p:sldId id="632" r:id="rId8"/>
-    <p:sldId id="579" r:id="rId9"/>
-    <p:sldId id="580" r:id="rId10"/>
-    <p:sldId id="581" r:id="rId11"/>
-    <p:sldId id="469" r:id="rId12"/>
-    <p:sldId id="472" r:id="rId13"/>
-    <p:sldId id="486" r:id="rId14"/>
-    <p:sldId id="299" r:id="rId15"/>
-    <p:sldId id="586" r:id="rId16"/>
-    <p:sldId id="465" r:id="rId17"/>
-    <p:sldId id="571" r:id="rId18"/>
-    <p:sldId id="262" r:id="rId19"/>
+    <p:sldId id="579" r:id="rId8"/>
+    <p:sldId id="580" r:id="rId9"/>
+    <p:sldId id="581" r:id="rId10"/>
+    <p:sldId id="469" r:id="rId11"/>
+    <p:sldId id="472" r:id="rId12"/>
+    <p:sldId id="486" r:id="rId13"/>
+    <p:sldId id="299" r:id="rId14"/>
+    <p:sldId id="586" r:id="rId15"/>
+    <p:sldId id="465" r:id="rId16"/>
+    <p:sldId id="571" r:id="rId17"/>
+    <p:sldId id="262" r:id="rId18"/>
   </p:sldIdLst>
   <p:sldSz cx="12188825" cy="6858000"/>
   <p:notesSz cx="7010400" cy="9296400"/>
@@ -867,372 +866,6 @@
                 <a:ea typeface="+mn-ea"/>
                 <a:cs typeface="+mn-cs"/>
               </a:rPr>
-              <a:t>Here's an example from the E3SM code, the </a:t>
-            </a:r>
-            <a:r>
-              <a:rPr lang="en-US" sz="1200" kern="1200" dirty="0" err="1">
-                <a:solidFill>
-                  <a:schemeClr val="tx1"/>
-                </a:solidFill>
-                <a:effectLst/>
-                <a:latin typeface="+mn-lt"/>
-                <a:ea typeface="+mn-ea"/>
-                <a:cs typeface="+mn-cs"/>
-              </a:rPr>
-              <a:t>Exascale</a:t>
-            </a:r>
-            <a:r>
-              <a:rPr lang="en-US" sz="1200" kern="1200" dirty="0">
-                <a:solidFill>
-                  <a:schemeClr val="tx1"/>
-                </a:solidFill>
-                <a:effectLst/>
-                <a:latin typeface="+mn-lt"/>
-                <a:ea typeface="+mn-ea"/>
-                <a:cs typeface="+mn-cs"/>
-              </a:rPr>
-              <a:t> Earth System Model.  Although advanced now, it originated in a combination of Fortran codes dealing with various aspects of climate modeling.  As a combination of many modules, it was difficult to create an overall testing strategy.</a:t>
-            </a:r>
-          </a:p>
-          <a:p>
-            <a:endParaRPr lang="en-US" sz="1200" kern="1200" dirty="0">
-              <a:solidFill>
-                <a:schemeClr val="tx1"/>
-              </a:solidFill>
-              <a:effectLst/>
-              <a:latin typeface="+mn-lt"/>
-              <a:ea typeface="+mn-ea"/>
-              <a:cs typeface="+mn-cs"/>
-            </a:endParaRPr>
-          </a:p>
-          <a:p>
-            <a:r>
-              <a:rPr lang="en-US" sz="1200" kern="1200" dirty="0">
-                <a:solidFill>
-                  <a:schemeClr val="tx1"/>
-                </a:solidFill>
-                <a:effectLst/>
-                <a:latin typeface="+mn-lt"/>
-                <a:ea typeface="+mn-ea"/>
-                <a:cs typeface="+mn-cs"/>
-              </a:rPr>
-              <a:t>This tree represents the directory tree of the source code.  Adding new functionality used to require running the whole model every time – which took a lot of time.</a:t>
-            </a:r>
-          </a:p>
-          <a:p>
-            <a:endParaRPr lang="en-US" sz="1200" kern="1200" dirty="0">
-              <a:solidFill>
-                <a:schemeClr val="tx1"/>
-              </a:solidFill>
-              <a:effectLst/>
-              <a:latin typeface="+mn-lt"/>
-              <a:ea typeface="+mn-ea"/>
-              <a:cs typeface="+mn-cs"/>
-            </a:endParaRPr>
-          </a:p>
-          <a:p>
-            <a:r>
-              <a:rPr lang="en-US" sz="1200" kern="1200" dirty="0">
-                <a:solidFill>
-                  <a:schemeClr val="tx1"/>
-                </a:solidFill>
-                <a:effectLst/>
-                <a:latin typeface="+mn-lt"/>
-                <a:ea typeface="+mn-ea"/>
-                <a:cs typeface="+mn-cs"/>
-              </a:rPr>
-              <a:t>We focused on the question “which part of the code do you actually want to test?”</a:t>
-            </a:r>
-          </a:p>
-          <a:p>
-            <a:r>
-              <a:rPr lang="en-US" sz="1200" kern="1200" dirty="0">
-                <a:solidFill>
-                  <a:schemeClr val="tx1"/>
-                </a:solidFill>
-                <a:effectLst/>
-                <a:latin typeface="+mn-lt"/>
-                <a:ea typeface="+mn-ea"/>
-                <a:cs typeface="+mn-cs"/>
-              </a:rPr>
-              <a:t>I ran the whole model, then dumped the program state just before the element that was to be tested.</a:t>
-            </a:r>
-          </a:p>
-          <a:p>
-            <a:r>
-              <a:rPr lang="en-US" sz="1200" kern="1200" dirty="0">
-                <a:solidFill>
-                  <a:schemeClr val="tx1"/>
-                </a:solidFill>
-                <a:effectLst/>
-                <a:latin typeface="+mn-lt"/>
-                <a:ea typeface="+mn-ea"/>
-                <a:cs typeface="+mn-cs"/>
-              </a:rPr>
-              <a:t>The state became an input to the test.</a:t>
-            </a:r>
-          </a:p>
-          <a:p>
-            <a:endParaRPr lang="en-US" sz="1200" kern="1200" dirty="0">
-              <a:solidFill>
-                <a:schemeClr val="tx1"/>
-              </a:solidFill>
-              <a:effectLst/>
-              <a:latin typeface="+mn-lt"/>
-              <a:ea typeface="+mn-ea"/>
-              <a:cs typeface="+mn-cs"/>
-            </a:endParaRPr>
-          </a:p>
-          <a:p>
-            <a:r>
-              <a:rPr lang="en-US" sz="1200" kern="1200" dirty="0">
-                <a:solidFill>
-                  <a:schemeClr val="tx1"/>
-                </a:solidFill>
-                <a:effectLst/>
-                <a:latin typeface="+mn-lt"/>
-                <a:ea typeface="+mn-ea"/>
-                <a:cs typeface="+mn-cs"/>
-              </a:rPr>
-              <a:t>E3SM has so many “use module” calls, the whole source tree got imported into every module.  We separated dependencies into actual needs and non-used imports.  The unused imports were replaced with non-functioning stubs.  Symbolic links were added to imports whenever possible.  The test driver had a nice isolated structure.</a:t>
-            </a:r>
-          </a:p>
-          <a:p>
-            <a:endParaRPr lang="en-US" sz="1200" kern="1200" dirty="0">
-              <a:solidFill>
-                <a:schemeClr val="tx1"/>
-              </a:solidFill>
-              <a:effectLst/>
-              <a:latin typeface="+mn-lt"/>
-              <a:ea typeface="+mn-ea"/>
-              <a:cs typeface="+mn-cs"/>
-            </a:endParaRPr>
-          </a:p>
-          <a:p>
-            <a:r>
-              <a:rPr lang="en-US" sz="1200" kern="1200" dirty="0">
-                <a:solidFill>
-                  <a:schemeClr val="tx1"/>
-                </a:solidFill>
-                <a:effectLst/>
-                <a:latin typeface="+mn-lt"/>
-                <a:ea typeface="+mn-ea"/>
-                <a:cs typeface="+mn-cs"/>
-              </a:rPr>
-              <a:t>If done properly (good code structure, most functionality exists), it can be done on a 2-day visit. Many codes have similar opportunities.</a:t>
-            </a:r>
-          </a:p>
-          <a:p>
-            <a:endParaRPr lang="en-US" sz="1200" kern="1200" dirty="0">
-              <a:solidFill>
-                <a:schemeClr val="tx1"/>
-              </a:solidFill>
-              <a:effectLst/>
-              <a:latin typeface="+mn-lt"/>
-              <a:ea typeface="+mn-ea"/>
-              <a:cs typeface="+mn-cs"/>
-            </a:endParaRPr>
-          </a:p>
-          <a:p>
-            <a:r>
-              <a:rPr lang="en-US" sz="1200" kern="1200" dirty="0">
-                <a:solidFill>
-                  <a:schemeClr val="tx1"/>
-                </a:solidFill>
-                <a:effectLst/>
-                <a:latin typeface="+mn-lt"/>
-                <a:ea typeface="+mn-ea"/>
-                <a:cs typeface="+mn-cs"/>
-              </a:rPr>
-              <a:t>a) Separate a unit.</a:t>
-            </a:r>
-          </a:p>
-          <a:p>
-            <a:r>
-              <a:rPr lang="en-US" sz="1200" kern="1200" dirty="0">
-                <a:solidFill>
-                  <a:schemeClr val="tx1"/>
-                </a:solidFill>
-                <a:effectLst/>
-                <a:latin typeface="+mn-lt"/>
-                <a:ea typeface="+mn-ea"/>
-                <a:cs typeface="+mn-cs"/>
-              </a:rPr>
-              <a:t>b) Capture the state of the program inputting to that unit.</a:t>
-            </a:r>
-          </a:p>
-          <a:p>
-            <a:r>
-              <a:rPr lang="en-US" sz="1200" kern="1200" dirty="0">
-                <a:solidFill>
-                  <a:schemeClr val="tx1"/>
-                </a:solidFill>
-                <a:effectLst/>
-                <a:latin typeface="+mn-lt"/>
-                <a:ea typeface="+mn-ea"/>
-                <a:cs typeface="+mn-cs"/>
-              </a:rPr>
-              <a:t>c) Create a test driver to load the state and exercise the unit.</a:t>
-            </a:r>
-          </a:p>
-          <a:p>
-            <a:r>
-              <a:rPr lang="en-US" sz="1200" kern="1200" dirty="0">
-                <a:solidFill>
-                  <a:schemeClr val="tx1"/>
-                </a:solidFill>
-                <a:effectLst/>
-                <a:latin typeface="+mn-lt"/>
-                <a:ea typeface="+mn-ea"/>
-                <a:cs typeface="+mn-cs"/>
-              </a:rPr>
-              <a:t>d) If extra functions from the code were accessed, these were </a:t>
-            </a:r>
-            <a:r>
-              <a:rPr lang="en-US" sz="1200" kern="1200" dirty="0" err="1">
-                <a:solidFill>
-                  <a:schemeClr val="tx1"/>
-                </a:solidFill>
-                <a:effectLst/>
-                <a:latin typeface="+mn-lt"/>
-                <a:ea typeface="+mn-ea"/>
-                <a:cs typeface="+mn-cs"/>
-              </a:rPr>
-              <a:t>sym</a:t>
-            </a:r>
-            <a:r>
-              <a:rPr lang="en-US" sz="1200" kern="1200" dirty="0">
-                <a:solidFill>
-                  <a:schemeClr val="tx1"/>
-                </a:solidFill>
-                <a:effectLst/>
-                <a:latin typeface="+mn-lt"/>
-                <a:ea typeface="+mn-ea"/>
-                <a:cs typeface="+mn-cs"/>
-              </a:rPr>
-              <a:t>-linked into the test directory.  Here, the branch at the right represents some helper functions that can be imported easily.</a:t>
-            </a:r>
-          </a:p>
-          <a:p>
-            <a:r>
-              <a:rPr lang="en-US" sz="1200" kern="1200" dirty="0">
-                <a:solidFill>
-                  <a:schemeClr val="tx1"/>
-                </a:solidFill>
-                <a:effectLst/>
-                <a:latin typeface="+mn-lt"/>
-                <a:ea typeface="+mn-ea"/>
-                <a:cs typeface="+mn-cs"/>
-              </a:rPr>
-              <a:t>e) That doesn't always work.  The red dot represents a module with lots of dependencies - not needed for this test.  In these cases, the module was modified to remove unnecessary dependencies.</a:t>
-            </a:r>
-          </a:p>
-          <a:p>
-            <a:r>
-              <a:rPr lang="en-US" sz="1200" kern="1200" dirty="0">
-                <a:solidFill>
-                  <a:schemeClr val="tx1"/>
-                </a:solidFill>
-                <a:effectLst/>
-                <a:latin typeface="+mn-lt"/>
-                <a:ea typeface="+mn-ea"/>
-                <a:cs typeface="+mn-cs"/>
-              </a:rPr>
-              <a:t>f) With all the code dependencies sorted out, the test driver itself becomes an isolated unit.  For this example, the original test took hours to run through the batch queue of a cluster.  The new unit test ran in 20 seconds on a developer's laptop.</a:t>
-            </a:r>
-          </a:p>
-        </p:txBody>
-      </p:sp>
-      <p:sp>
-        <p:nvSpPr>
-          <p:cNvPr id="4" name="Slide Number Placeholder 3"/>
-          <p:cNvSpPr>
-            <a:spLocks noGrp="1"/>
-          </p:cNvSpPr>
-          <p:nvPr>
-            <p:ph type="sldNum" sz="quarter" idx="5"/>
-          </p:nvPr>
-        </p:nvSpPr>
-        <p:spPr/>
-        <p:txBody>
-          <a:bodyPr/>
-          <a:lstStyle/>
-          <a:p>
-            <a:fld id="{54E672D7-8E2D-4611-973D-F4591A707C34}" type="slidenum">
-              <a:rPr lang="en-US" smtClean="0"/>
-              <a:t>11</a:t>
-            </a:fld>
-            <a:endParaRPr lang="en-US"/>
-          </a:p>
-        </p:txBody>
-      </p:sp>
-    </p:spTree>
-    <p:extLst>
-      <p:ext uri="{BB962C8B-B14F-4D97-AF65-F5344CB8AC3E}">
-        <p14:creationId xmlns:p14="http://schemas.microsoft.com/office/powerpoint/2010/main" val="4128517335"/>
-      </p:ext>
-    </p:extLst>
-  </p:cSld>
-  <p:clrMapOvr>
-    <a:masterClrMapping/>
-  </p:clrMapOvr>
-</p:notes>
-</file>
-
-<file path=ppt/notesSlides/notesSlide11.xml><?xml version="1.0" encoding="utf-8"?>
-<p:notes xmlns:a="http://schemas.openxmlformats.org/drawingml/2006/main" xmlns:r="http://schemas.openxmlformats.org/officeDocument/2006/relationships" xmlns:p="http://schemas.openxmlformats.org/presentationml/2006/main">
-  <p:cSld>
-    <p:spTree>
-      <p:nvGrpSpPr>
-        <p:cNvPr id="1" name=""/>
-        <p:cNvGrpSpPr/>
-        <p:nvPr/>
-      </p:nvGrpSpPr>
-      <p:grpSpPr>
-        <a:xfrm>
-          <a:off x="0" y="0"/>
-          <a:ext cx="0" cy="0"/>
-          <a:chOff x="0" y="0"/>
-          <a:chExt cx="0" cy="0"/>
-        </a:xfrm>
-      </p:grpSpPr>
-      <p:sp>
-        <p:nvSpPr>
-          <p:cNvPr id="2" name="Slide Image Placeholder 1"/>
-          <p:cNvSpPr>
-            <a:spLocks noGrp="1" noRot="1" noChangeAspect="1"/>
-          </p:cNvSpPr>
-          <p:nvPr>
-            <p:ph type="sldImg"/>
-          </p:nvPr>
-        </p:nvSpPr>
-        <p:spPr/>
-      </p:sp>
-      <p:sp>
-        <p:nvSpPr>
-          <p:cNvPr id="3" name="Notes Placeholder 2"/>
-          <p:cNvSpPr>
-            <a:spLocks noGrp="1"/>
-          </p:cNvSpPr>
-          <p:nvPr>
-            <p:ph type="body" idx="1"/>
-          </p:nvPr>
-        </p:nvSpPr>
-        <p:spPr/>
-        <p:txBody>
-          <a:bodyPr/>
-          <a:lstStyle/>
-          <a:p>
-            <a:r>
-              <a:rPr lang="en-US" sz="1200" kern="1200" dirty="0">
-                <a:solidFill>
-                  <a:schemeClr val="tx1"/>
-                </a:solidFill>
-                <a:effectLst/>
-                <a:latin typeface="+mn-lt"/>
-                <a:ea typeface="+mn-ea"/>
-                <a:cs typeface="+mn-cs"/>
-              </a:rPr>
               <a:t>This final example shows a graphical way to "map" areas of your code for testing.  The x-axis shows different kinds of physical models implemented in FLASH.  The y-axis shows functionalities of the code.  List out all your unit tests and example applications, and put each one in one or more squares.</a:t>
             </a:r>
           </a:p>
@@ -1477,7 +1110,7 @@
           <a:p>
             <a:fld id="{54E672D7-8E2D-4611-973D-F4591A707C34}" type="slidenum">
               <a:rPr lang="en-US" smtClean="0"/>
-              <a:t>12</a:t>
+              <a:t>11</a:t>
             </a:fld>
             <a:endParaRPr lang="en-US"/>
           </a:p>
@@ -1496,7 +1129,7 @@
 </p:notes>
 </file>
 
-<file path=ppt/notesSlides/notesSlide12.xml><?xml version="1.0" encoding="utf-8"?>
+<file path=ppt/notesSlides/notesSlide11.xml><?xml version="1.0" encoding="utf-8"?>
 <p:notes xmlns:a="http://schemas.openxmlformats.org/drawingml/2006/main" xmlns:r="http://schemas.openxmlformats.org/officeDocument/2006/relationships" xmlns:p="http://schemas.openxmlformats.org/presentationml/2006/main">
   <p:cSld>
     <p:spTree>
@@ -1605,7 +1238,7 @@
           <a:p>
             <a:fld id="{A546EF7F-2180-5947-8246-D3E867E2B048}" type="slidenum">
               <a:rPr lang="en-US" smtClean="0"/>
-              <a:t>13</a:t>
+              <a:t>12</a:t>
             </a:fld>
             <a:endParaRPr lang="en-US"/>
           </a:p>
@@ -1624,7 +1257,7 @@
 </p:notes>
 </file>
 
-<file path=ppt/notesSlides/notesSlide13.xml><?xml version="1.0" encoding="utf-8"?>
+<file path=ppt/notesSlides/notesSlide12.xml><?xml version="1.0" encoding="utf-8"?>
 <p:notes xmlns:a="http://schemas.openxmlformats.org/drawingml/2006/main" xmlns:r="http://schemas.openxmlformats.org/officeDocument/2006/relationships" xmlns:p="http://schemas.openxmlformats.org/presentationml/2006/main">
   <p:cSld>
     <p:spTree>
@@ -1800,7 +1433,7 @@
           <a:p>
             <a:fld id="{54E672D7-8E2D-4611-973D-F4591A707C34}" type="slidenum">
               <a:rPr lang="en-US" smtClean="0"/>
-              <a:t>14</a:t>
+              <a:t>13</a:t>
             </a:fld>
             <a:endParaRPr lang="en-US"/>
           </a:p>
@@ -1873,7 +1506,7 @@
                 <a:ea typeface="+mn-ea"/>
                 <a:cs typeface="+mn-cs"/>
               </a:rPr>
-              <a:t>Let's think about this problem as "selecting the right tests."  Taking a step back, there are two 'levels' of tests (regression testing and CI-type tests), and there are multiple 'granularities' of tests (from unit to integration).  Computer scientists tend to gravitate towards tests that run quickly and check data structures, types, definitions, syntax, and error reporting.  These quick tests are great for a continuous integration suite.</a:t>
+              <a:t>Let's think about this problem as "selecting the right tests."  Taking a step back, there are two 'levels' of tests (development testing and CI-type tests), and there are multiple 'granularities' of tests (from unit to integration).  Computer scientists tend to gravitate towards tests that run quickly and check data structures, types, definitions, syntax, and error reporting.  These quick tests are great for a continuous integration suite.</a:t>
             </a:r>
           </a:p>
           <a:p>
@@ -1965,7 +1598,7 @@
                 <a:ea typeface="+mn-ea"/>
                 <a:cs typeface="+mn-cs"/>
               </a:rPr>
-              <a:t>Small codes can get away with mostly CI, larger codes need more regression.</a:t>
+              <a:t>Small codes may be able to get away with mostly CI, larger codes need more substantial testing.</a:t>
             </a:r>
           </a:p>
           <a:p>
@@ -1990,7 +1623,7 @@
                 <a:ea typeface="+mn-ea"/>
                 <a:cs typeface="+mn-cs"/>
               </a:rPr>
-              <a:t>reason for 2 “levels” – objective of regression testing is to quickly pinpoint errors (test selection methodology later)</a:t>
+              <a:t>reason for 2 “levels” – objective of development testing is to quickly pinpoint errors (test selection methodology later)</a:t>
             </a:r>
           </a:p>
           <a:p>
@@ -2004,31 +1637,7 @@
                 <a:ea typeface="+mn-ea"/>
                 <a:cs typeface="+mn-cs"/>
               </a:rPr>
-              <a:t>CI is just a sanity check to find obvious </a:t>
-            </a:r>
-            <a:r>
-              <a:rPr lang="en-US" sz="1200" kern="1200" dirty="0" err="1">
-                <a:solidFill>
-                  <a:schemeClr val="tx1"/>
-                </a:solidFill>
-                <a:effectLst/>
-                <a:latin typeface="+mn-lt"/>
-                <a:ea typeface="+mn-ea"/>
-                <a:cs typeface="+mn-cs"/>
-              </a:rPr>
-              <a:t>errors,,does</a:t>
-            </a:r>
-            <a:r>
-              <a:rPr lang="en-US" sz="1200" kern="1200" dirty="0">
-                <a:solidFill>
-                  <a:schemeClr val="tx1"/>
-                </a:solidFill>
-                <a:effectLst/>
-                <a:latin typeface="+mn-lt"/>
-                <a:ea typeface="+mn-ea"/>
-                <a:cs typeface="+mn-cs"/>
-              </a:rPr>
-              <a:t> not</a:t>
+              <a:t>CI is just a sanity check to find obvious errors, does not</a:t>
             </a:r>
           </a:p>
         </p:txBody>
@@ -2096,12 +1705,7 @@
             <p:ph type="sldImg"/>
           </p:nvPr>
         </p:nvSpPr>
-        <p:spPr>
-          <a:xfrm>
-            <a:off x="407988" y="696913"/>
-            <a:ext cx="6194425" cy="3486150"/>
-          </a:xfrm>
-        </p:spPr>
+        <p:spPr/>
       </p:sp>
       <p:sp>
         <p:nvSpPr>
@@ -2118,6 +1722,23 @@
           <a:bodyPr/>
           <a:lstStyle/>
           <a:p>
+            <a:pPr marL="0" marR="0" lvl="0" indent="0" algn="l" defTabSz="914400" rtl="0" eaLnBrk="1" fontAlgn="auto" latinLnBrk="0" hangingPunct="1">
+              <a:lnSpc>
+                <a:spcPct val="100000"/>
+              </a:lnSpc>
+              <a:spcBef>
+                <a:spcPts val="0"/>
+              </a:spcBef>
+              <a:spcAft>
+                <a:spcPts val="0"/>
+              </a:spcAft>
+              <a:buClrTx/>
+              <a:buSzTx/>
+              <a:buFontTx/>
+              <a:buNone/>
+              <a:tabLst/>
+              <a:defRPr/>
+            </a:pPr>
             <a:r>
               <a:rPr lang="en-US" sz="1200" kern="1200" dirty="0">
                 <a:solidFill>
@@ -2128,12 +1749,10 @@
                 <a:ea typeface="+mn-ea"/>
                 <a:cs typeface="+mn-cs"/>
               </a:rPr>
-              <a:t>You might be tempted to get overly creative with test cases, or turn every possible scenario into a test.  This can be counterproductive.  Time spent on creating, maintaining, and interpreting tests takes team resources.  Ideally, tests are closely aligned with the science objectives.  Then the tests themselves provide baselines, and are motivating to create and maintain.  If testing goes too far away from that, it can distract the project away from achieving its next great features.</a:t>
-            </a:r>
-          </a:p>
-          <a:p>
-            <a:r>
-              <a:rPr lang="en-US" sz="1200" kern="1200" dirty="0">
+              <a:t>OK - now everyone is onboard with your testing plan, and your code is in a good place.  What happens next?  You can double-check your work using a code coverage tool.  You can create a policy on what to do with failed tests and issues marked as "bugs."  It helps to assign responsibility for the test suite - both so that things happen, and also so that you can recognize the hard work put in by that team member.  You should consider your test suite during </a:t>
+            </a:r>
+            <a:r>
+              <a:rPr lang="en-US" sz="1200" kern="1200" dirty="0" err="1">
                 <a:solidFill>
                   <a:schemeClr val="tx1"/>
                 </a:solidFill>
@@ -2142,10 +1761,8 @@
                 <a:ea typeface="+mn-ea"/>
                 <a:cs typeface="+mn-cs"/>
               </a:rPr>
-              <a:t>On the other hand, if there is not enough testing, then defects in the code can slip through.  For example, users might assume the overlap region between processors is communicated correctly during a halo exchange.  If there's no test that tries this out with varying halo size, there's no way to know when that assumption breaks down.</a:t>
-            </a:r>
-          </a:p>
-          <a:p>
+              <a:t>refactorings</a:t>
+            </a:r>
             <a:r>
               <a:rPr lang="en-US" sz="1200" kern="1200" dirty="0">
                 <a:solidFill>
@@ -2156,7 +1773,7 @@
                 <a:ea typeface="+mn-ea"/>
                 <a:cs typeface="+mn-cs"/>
               </a:rPr>
-              <a:t>This line of thought leads to the idea of a team meeting focused specifically on creating a "testing plan".  The goal of such a meeting is to clearly map out the expected use of the code.  What parts of the code are critical to long-term stability?  Who on your team should be responsible for ensuring each piece works?  Are there additional difficulties coming from interacting modules?  How can these be reasonably addressed with example use cases?</a:t>
+              <a:t>, and use it for the code release process.  Cost-effectiveness comes in here because, if you already have defined functionalities and tests, then it's much less likely that your team will get side-tracked by maintaining fixes and patches for past releases.  That is a rabbit-hole nobody wants to go down.</a:t>
             </a:r>
           </a:p>
         </p:txBody>
@@ -2168,7 +1785,7 @@
             <a:spLocks noGrp="1"/>
           </p:cNvSpPr>
           <p:nvPr>
-            <p:ph type="sldNum" sz="quarter" idx="10"/>
+            <p:ph type="sldNum" sz="quarter" idx="5"/>
           </p:nvPr>
         </p:nvSpPr>
         <p:spPr/>
@@ -2176,7 +1793,7 @@
           <a:bodyPr/>
           <a:lstStyle/>
           <a:p>
-            <a:fld id="{A546EF7F-2180-5947-8246-D3E867E2B048}" type="slidenum">
+            <a:fld id="{54E672D7-8E2D-4611-973D-F4591A707C34}" type="slidenum">
               <a:rPr lang="en-US" smtClean="0"/>
               <a:t>4</a:t>
             </a:fld>
@@ -2187,7 +1804,7 @@
     </p:spTree>
     <p:extLst>
       <p:ext uri="{BB962C8B-B14F-4D97-AF65-F5344CB8AC3E}">
-        <p14:creationId xmlns:p14="http://schemas.microsoft.com/office/powerpoint/2010/main" val="1577339354"/>
+        <p14:creationId xmlns:p14="http://schemas.microsoft.com/office/powerpoint/2010/main" val="4240883905"/>
       </p:ext>
     </p:extLst>
   </p:cSld>
@@ -2268,7 +1885,7 @@
                 <a:ea typeface="+mn-ea"/>
                 <a:cs typeface="+mn-cs"/>
               </a:rPr>
-              <a:t>OK - now everyone is onboard with your testing plan, and your code is in a good place.  What happens next?  You can double-check your work using a code coverage tool.  You can create a policy on what to do with failed tests and issues marked as "bugs."  It helps to assign responsibility for the test suite - both so that things happen, and also so that you can recognize the hard work put in by that team member.  You should consider your test suite during </a:t>
+              <a:t>With those general guidelines in mind, let's get down to some specific examples from the collected experiences of our team members.  Many of these come from </a:t>
             </a:r>
             <a:r>
               <a:rPr lang="en-US" sz="1200" kern="1200" dirty="0" err="1">
@@ -2280,7 +1897,7 @@
                 <a:ea typeface="+mn-ea"/>
                 <a:cs typeface="+mn-cs"/>
               </a:rPr>
-              <a:t>refactorings</a:t>
+              <a:t>Anshu</a:t>
             </a:r>
             <a:r>
               <a:rPr lang="en-US" sz="1200" kern="1200" dirty="0">
@@ -2292,7 +1909,121 @@
                 <a:ea typeface="+mn-ea"/>
                 <a:cs typeface="+mn-cs"/>
               </a:rPr>
-              <a:t>, and use it for the code release process.  Cost-effectiveness comes in here because, if you already have defined functionalities and tests, then it's much less likely that your team will get side-tracked by maintaining fixes and patches for past releases.  That is a rabbit-hole nobody wants to go down.</a:t>
+              <a:t> Dubey's work with the E3SM and Flash codes.  Example 1 is an ideal case.  You're developing a new code, and develop your diagnostics as your developing the code itself.  Taking the extra time to harden those diagnostics into a test suite will save you headaches later.  You'll likely have a lot of comparisons against known, expected solutions.  You should try and make things as granular as possible, though.  The scaffolding idea, discussed later, finds a way to "build up" a program, testing each new piece.  Remember to inject errors, so that you know your code will discover </a:t>
+            </a:r>
+            <a:r>
+              <a:rPr lang="en-US" sz="1200" kern="1200" dirty="0" err="1">
+                <a:solidFill>
+                  <a:schemeClr val="tx1"/>
+                </a:solidFill>
+                <a:effectLst/>
+                <a:latin typeface="+mn-lt"/>
+                <a:ea typeface="+mn-ea"/>
+                <a:cs typeface="+mn-cs"/>
+              </a:rPr>
+              <a:t>erroroneous</a:t>
+            </a:r>
+            <a:r>
+              <a:rPr lang="en-US" sz="1200" kern="1200" dirty="0">
+                <a:solidFill>
+                  <a:schemeClr val="tx1"/>
+                </a:solidFill>
+                <a:effectLst/>
+                <a:latin typeface="+mn-lt"/>
+                <a:ea typeface="+mn-ea"/>
+                <a:cs typeface="+mn-cs"/>
+              </a:rPr>
+              <a:t> input correctly.  As the package gets more complex, it's non-trivial to devise good tests.  Nevertheless, good tests are extremely important.</a:t>
+            </a:r>
+          </a:p>
+          <a:p>
+            <a:pPr marL="0" marR="0" lvl="0" indent="0" algn="l" defTabSz="914400" rtl="0" eaLnBrk="1" fontAlgn="auto" latinLnBrk="0" hangingPunct="1">
+              <a:lnSpc>
+                <a:spcPct val="100000"/>
+              </a:lnSpc>
+              <a:spcBef>
+                <a:spcPts val="0"/>
+              </a:spcBef>
+              <a:spcAft>
+                <a:spcPts val="0"/>
+              </a:spcAft>
+              <a:buClrTx/>
+              <a:buSzTx/>
+              <a:buFontTx/>
+              <a:buNone/>
+              <a:tabLst/>
+              <a:defRPr/>
+            </a:pPr>
+            <a:endParaRPr lang="en-US" sz="1200" kern="1200" dirty="0">
+              <a:solidFill>
+                <a:schemeClr val="tx1"/>
+              </a:solidFill>
+              <a:effectLst/>
+              <a:latin typeface="+mn-lt"/>
+              <a:ea typeface="+mn-ea"/>
+              <a:cs typeface="+mn-cs"/>
+            </a:endParaRPr>
+          </a:p>
+          <a:p>
+            <a:pPr marL="0" marR="0" lvl="0" indent="0" algn="l" defTabSz="914400" rtl="0" eaLnBrk="1" fontAlgn="auto" latinLnBrk="0" hangingPunct="1">
+              <a:lnSpc>
+                <a:spcPct val="100000"/>
+              </a:lnSpc>
+              <a:spcBef>
+                <a:spcPts val="0"/>
+              </a:spcBef>
+              <a:spcAft>
+                <a:spcPts val="0"/>
+              </a:spcAft>
+              <a:buClrTx/>
+              <a:buSzTx/>
+              <a:buFontTx/>
+              <a:buNone/>
+              <a:tabLst/>
+              <a:defRPr/>
+            </a:pPr>
+            <a:r>
+              <a:rPr lang="en-US" sz="1200" kern="1200" dirty="0">
+                <a:solidFill>
+                  <a:schemeClr val="tx1"/>
+                </a:solidFill>
+                <a:effectLst/>
+                <a:latin typeface="+mn-lt"/>
+                <a:ea typeface="+mn-ea"/>
+                <a:cs typeface="+mn-cs"/>
+              </a:rPr>
+              <a:t>takeaways: tests are made to convince yourself it’s right – all diagnostics get turned into tests right away, and test creation proceeds with development!</a:t>
+            </a:r>
+          </a:p>
+          <a:p>
+            <a:pPr marL="0" marR="0" lvl="0" indent="0" algn="l" defTabSz="914400" rtl="0" eaLnBrk="1" fontAlgn="auto" latinLnBrk="0" hangingPunct="1">
+              <a:lnSpc>
+                <a:spcPct val="100000"/>
+              </a:lnSpc>
+              <a:spcBef>
+                <a:spcPts val="0"/>
+              </a:spcBef>
+              <a:spcAft>
+                <a:spcPts val="0"/>
+              </a:spcAft>
+              <a:buClrTx/>
+              <a:buSzTx/>
+              <a:buFontTx/>
+              <a:buNone/>
+              <a:tabLst/>
+              <a:defRPr/>
+            </a:pPr>
+            <a:r>
+              <a:rPr lang="en-US" sz="1200" kern="1200" dirty="0">
+                <a:solidFill>
+                  <a:schemeClr val="tx1"/>
+                </a:solidFill>
+                <a:effectLst/>
+                <a:latin typeface="+mn-lt"/>
+                <a:ea typeface="+mn-ea"/>
+                <a:cs typeface="+mn-cs"/>
+              </a:rPr>
+              <a:t>many times: mocked up unit tests are onerous. How do I pinpoint errors quickly? </a:t>
             </a:r>
           </a:p>
         </p:txBody>
@@ -2323,7 +2054,7 @@
     </p:spTree>
     <p:extLst>
       <p:ext uri="{BB962C8B-B14F-4D97-AF65-F5344CB8AC3E}">
-        <p14:creationId xmlns:p14="http://schemas.microsoft.com/office/powerpoint/2010/main" val="4240883905"/>
+        <p14:creationId xmlns:p14="http://schemas.microsoft.com/office/powerpoint/2010/main" val="1900866051"/>
       </p:ext>
     </p:extLst>
   </p:cSld>
@@ -2404,55 +2135,7 @@
                 <a:ea typeface="+mn-ea"/>
                 <a:cs typeface="+mn-cs"/>
               </a:rPr>
-              <a:t>With those general guidelines in mind, let's get down to some specific examples from the collected experiences of our team members.  Many of these come from </a:t>
-            </a:r>
-            <a:r>
-              <a:rPr lang="en-US" sz="1200" kern="1200" dirty="0" err="1">
-                <a:solidFill>
-                  <a:schemeClr val="tx1"/>
-                </a:solidFill>
-                <a:effectLst/>
-                <a:latin typeface="+mn-lt"/>
-                <a:ea typeface="+mn-ea"/>
-                <a:cs typeface="+mn-cs"/>
-              </a:rPr>
-              <a:t>Anshu</a:t>
-            </a:r>
-            <a:r>
-              <a:rPr lang="en-US" sz="1200" kern="1200" dirty="0">
-                <a:solidFill>
-                  <a:schemeClr val="tx1"/>
-                </a:solidFill>
-                <a:effectLst/>
-                <a:latin typeface="+mn-lt"/>
-                <a:ea typeface="+mn-ea"/>
-                <a:cs typeface="+mn-cs"/>
-              </a:rPr>
-              <a:t> Dubey's work with the E3SM and Flash codes.  Example 1 is an ideal case.  You're developing a new code, and develop your diagnostics as your developing the code itself.  Taking the extra time to harden those diagnostics into a test suite will save you headaches later.  You'll likely have a lot of comparisons against known, expected solutions.  You should try and make things as granular as possible, though.  The scaffolding idea, discussed later, finds a way to "build up" a program, testing each new piece.  Remember to inject errors, so that you know your code will discover </a:t>
-            </a:r>
-            <a:r>
-              <a:rPr lang="en-US" sz="1200" kern="1200" dirty="0" err="1">
-                <a:solidFill>
-                  <a:schemeClr val="tx1"/>
-                </a:solidFill>
-                <a:effectLst/>
-                <a:latin typeface="+mn-lt"/>
-                <a:ea typeface="+mn-ea"/>
-                <a:cs typeface="+mn-cs"/>
-              </a:rPr>
-              <a:t>erroroneous</a:t>
-            </a:r>
-            <a:r>
-              <a:rPr lang="en-US" sz="1200" kern="1200" dirty="0">
-                <a:solidFill>
-                  <a:schemeClr val="tx1"/>
-                </a:solidFill>
-                <a:effectLst/>
-                <a:latin typeface="+mn-lt"/>
-                <a:ea typeface="+mn-ea"/>
-                <a:cs typeface="+mn-cs"/>
-              </a:rPr>
-              <a:t> input correctly.  As the package gets more complex, it's non-trivial to devise good tests.  Nevertheless, good tests are extremely important.</a:t>
+              <a:t>This third example comes from the FLASH code, which simulates particles and fields in astrophysics, like exploding stars.  Here, the unit-testing framework was developed as a series of layers that build up from basic to advanced functionality.  For example, the cell grid can be tested by creating "fake" functions to put onto the grid, and verifying their behavior.  This mocked dependency means that the test looks directly at the cell grid implementation.  After checking the cell grid works, we are free to use it as a real dependency in subsequent tests of more complicated objects.</a:t>
             </a:r>
           </a:p>
           <a:p>
@@ -2511,7 +2194,7 @@
                 <a:ea typeface="+mn-ea"/>
                 <a:cs typeface="+mn-cs"/>
               </a:rPr>
-              <a:t>takeaways: tests are made to convince yourself it’s right – all diagnostics get turned into tests right away, and test creation proceeds with development!</a:t>
+              <a:t>gray tests = stand-alone (note key when talking about slide)</a:t>
             </a:r>
           </a:p>
           <a:p>
@@ -2542,7 +2225,97 @@
                 <a:ea typeface="+mn-ea"/>
                 <a:cs typeface="+mn-cs"/>
               </a:rPr>
-              <a:t>many times: mocked up unit tests are onerous. How do I pinpoint errors quickly? </a:t>
+              <a:t>partial blue/gray = partially “real” dependencies reduce need for extra work developing tests</a:t>
+            </a:r>
+          </a:p>
+          <a:p>
+            <a:pPr marL="0" marR="0" lvl="0" indent="0" algn="l" defTabSz="914400" rtl="0" eaLnBrk="1" fontAlgn="auto" latinLnBrk="0" hangingPunct="1">
+              <a:lnSpc>
+                <a:spcPct val="100000"/>
+              </a:lnSpc>
+              <a:spcBef>
+                <a:spcPts val="0"/>
+              </a:spcBef>
+              <a:spcAft>
+                <a:spcPts val="0"/>
+              </a:spcAft>
+              <a:buClrTx/>
+              <a:buSzTx/>
+              <a:buFontTx/>
+              <a:buNone/>
+              <a:tabLst/>
+              <a:defRPr/>
+            </a:pPr>
+            <a:r>
+              <a:rPr lang="en-US" sz="1200" kern="1200" dirty="0">
+                <a:solidFill>
+                  <a:schemeClr val="tx1"/>
+                </a:solidFill>
+                <a:effectLst/>
+                <a:latin typeface="+mn-lt"/>
+                <a:ea typeface="+mn-ea"/>
+                <a:cs typeface="+mn-cs"/>
+              </a:rPr>
+              <a:t>blue test = test “as-is”, no mocked dependencies</a:t>
+            </a:r>
+          </a:p>
+          <a:p>
+            <a:pPr marL="0" marR="0" lvl="0" indent="0" algn="l" defTabSz="914400" rtl="0" eaLnBrk="1" fontAlgn="auto" latinLnBrk="0" hangingPunct="1">
+              <a:lnSpc>
+                <a:spcPct val="100000"/>
+              </a:lnSpc>
+              <a:spcBef>
+                <a:spcPts val="0"/>
+              </a:spcBef>
+              <a:spcAft>
+                <a:spcPts val="0"/>
+              </a:spcAft>
+              <a:buClrTx/>
+              <a:buSzTx/>
+              <a:buFontTx/>
+              <a:buNone/>
+              <a:tabLst/>
+              <a:defRPr/>
+            </a:pPr>
+            <a:endParaRPr lang="en-US" sz="1200" kern="1200" dirty="0">
+              <a:solidFill>
+                <a:schemeClr val="tx1"/>
+              </a:solidFill>
+              <a:effectLst/>
+              <a:latin typeface="+mn-lt"/>
+              <a:ea typeface="+mn-ea"/>
+              <a:cs typeface="+mn-cs"/>
+            </a:endParaRPr>
+          </a:p>
+          <a:p>
+            <a:pPr marL="0" marR="0" lvl="0" indent="0" algn="l" defTabSz="914400" rtl="0" eaLnBrk="1" fontAlgn="auto" latinLnBrk="0" hangingPunct="1">
+              <a:lnSpc>
+                <a:spcPct val="100000"/>
+              </a:lnSpc>
+              <a:spcBef>
+                <a:spcPts val="0"/>
+              </a:spcBef>
+              <a:spcAft>
+                <a:spcPts val="0"/>
+              </a:spcAft>
+              <a:buClrTx/>
+              <a:buSzTx/>
+              <a:buFontTx/>
+              <a:buNone/>
+              <a:tabLst/>
+              <a:defRPr/>
+            </a:pPr>
+            <a:r>
+              <a:rPr lang="en-US" sz="1200" kern="1200" dirty="0">
+                <a:solidFill>
+                  <a:schemeClr val="tx1"/>
+                </a:solidFill>
+                <a:effectLst/>
+                <a:latin typeface="+mn-lt"/>
+                <a:ea typeface="+mn-ea"/>
+                <a:cs typeface="+mn-cs"/>
+              </a:rPr>
+              <a:t>potential? move after first example?</a:t>
             </a:r>
           </a:p>
         </p:txBody>
@@ -2573,7 +2346,7 @@
     </p:spTree>
     <p:extLst>
       <p:ext uri="{BB962C8B-B14F-4D97-AF65-F5344CB8AC3E}">
-        <p14:creationId xmlns:p14="http://schemas.microsoft.com/office/powerpoint/2010/main" val="1900866051"/>
+        <p14:creationId xmlns:p14="http://schemas.microsoft.com/office/powerpoint/2010/main" val="2943802418"/>
       </p:ext>
     </p:extLst>
   </p:cSld>
@@ -2654,7 +2427,7 @@
                 <a:ea typeface="+mn-ea"/>
                 <a:cs typeface="+mn-cs"/>
               </a:rPr>
-              <a:t>This third example comes from the FLASH code, which simulates particles and fields in astrophysics, like exploding stars.  Here, the unit-testing framework was developed as a series of layers that build up from basic to advanced functionality.  For example, the cell grid can be tested by creating "fake" functions to put onto the grid, and verifying their behavior.  This mocked dependency means that the test looks directly at the cell grid implementation.  After checking the cell grid works, we are free to use it as a real dependency in subsequent tests of more complicated objects.</a:t>
+              <a:t>Here's another example of verifying the halo exchange on a cell grid.  The test initializes interior cells with a known function, does the halo exchange, and checks whether the guard cell has been properly copied over.  Similarly, a unit test can be written to verify parts of the computations - like computing energy from pressure and temperature.</a:t>
             </a:r>
           </a:p>
           <a:p>
@@ -2713,7 +2486,7 @@
                 <a:ea typeface="+mn-ea"/>
                 <a:cs typeface="+mn-cs"/>
               </a:rPr>
-              <a:t>gray tests = stand-alone (note key when talking about slide)</a:t>
+              <a:t>emphasis = stand-alone unit test</a:t>
             </a:r>
           </a:p>
           <a:p>
@@ -2744,38 +2517,7 @@
                 <a:ea typeface="+mn-ea"/>
                 <a:cs typeface="+mn-cs"/>
               </a:rPr>
-              <a:t>partial blue/gray = partially “real” dependencies reduce need for extra work developing tests</a:t>
-            </a:r>
-          </a:p>
-          <a:p>
-            <a:pPr marL="0" marR="0" lvl="0" indent="0" algn="l" defTabSz="914400" rtl="0" eaLnBrk="1" fontAlgn="auto" latinLnBrk="0" hangingPunct="1">
-              <a:lnSpc>
-                <a:spcPct val="100000"/>
-              </a:lnSpc>
-              <a:spcBef>
-                <a:spcPts val="0"/>
-              </a:spcBef>
-              <a:spcAft>
-                <a:spcPts val="0"/>
-              </a:spcAft>
-              <a:buClrTx/>
-              <a:buSzTx/>
-              <a:buFontTx/>
-              <a:buNone/>
-              <a:tabLst/>
-              <a:defRPr/>
-            </a:pPr>
-            <a:r>
-              <a:rPr lang="en-US" sz="1200" kern="1200" dirty="0">
-                <a:solidFill>
-                  <a:schemeClr val="tx1"/>
-                </a:solidFill>
-                <a:effectLst/>
-                <a:latin typeface="+mn-lt"/>
-                <a:ea typeface="+mn-ea"/>
-                <a:cs typeface="+mn-cs"/>
-              </a:rPr>
-              <a:t>blue test = test “as-is”, no mocked dependencies</a:t>
+              <a:t>  - can replace this figure with earlier image</a:t>
             </a:r>
           </a:p>
           <a:p>
@@ -2834,7 +2576,207 @@
                 <a:ea typeface="+mn-ea"/>
                 <a:cs typeface="+mn-cs"/>
               </a:rPr>
-              <a:t>potential? move after first example?</a:t>
+              <a:t>key point: both GC= guard cell and EOS = eq’n of state are stand-alone.</a:t>
+            </a:r>
+          </a:p>
+          <a:p>
+            <a:pPr marL="0" marR="0" lvl="0" indent="0" algn="l" defTabSz="914400" rtl="0" eaLnBrk="1" fontAlgn="auto" latinLnBrk="0" hangingPunct="1">
+              <a:lnSpc>
+                <a:spcPct val="100000"/>
+              </a:lnSpc>
+              <a:spcBef>
+                <a:spcPts val="0"/>
+              </a:spcBef>
+              <a:spcAft>
+                <a:spcPts val="0"/>
+              </a:spcAft>
+              <a:buClrTx/>
+              <a:buSzTx/>
+              <a:buFontTx/>
+              <a:buNone/>
+              <a:tabLst/>
+              <a:defRPr/>
+            </a:pPr>
+            <a:endParaRPr lang="en-US" sz="1200" kern="1200" dirty="0">
+              <a:solidFill>
+                <a:schemeClr val="tx1"/>
+              </a:solidFill>
+              <a:effectLst/>
+              <a:latin typeface="+mn-lt"/>
+              <a:ea typeface="+mn-ea"/>
+              <a:cs typeface="+mn-cs"/>
+            </a:endParaRPr>
+          </a:p>
+          <a:p>
+            <a:pPr marL="0" marR="0" lvl="0" indent="0" algn="l" defTabSz="914400" rtl="0" eaLnBrk="1" fontAlgn="auto" latinLnBrk="0" hangingPunct="1">
+              <a:lnSpc>
+                <a:spcPct val="100000"/>
+              </a:lnSpc>
+              <a:spcBef>
+                <a:spcPts val="0"/>
+              </a:spcBef>
+              <a:spcAft>
+                <a:spcPts val="0"/>
+              </a:spcAft>
+              <a:buClrTx/>
+              <a:buSzTx/>
+              <a:buFontTx/>
+              <a:buNone/>
+              <a:tabLst/>
+              <a:defRPr/>
+            </a:pPr>
+            <a:r>
+              <a:rPr lang="en-US" sz="1200" kern="1200" dirty="0">
+                <a:solidFill>
+                  <a:schemeClr val="tx1"/>
+                </a:solidFill>
+                <a:effectLst/>
+                <a:latin typeface="+mn-lt"/>
+                <a:ea typeface="+mn-ea"/>
+                <a:cs typeface="+mn-cs"/>
+              </a:rPr>
+              <a:t>A: interior </a:t>
+            </a:r>
+            <a:r>
+              <a:rPr lang="en-US" sz="1200" kern="1200" dirty="0" err="1">
+                <a:solidFill>
+                  <a:schemeClr val="tx1"/>
+                </a:solidFill>
+                <a:effectLst/>
+                <a:latin typeface="+mn-lt"/>
+                <a:ea typeface="+mn-ea"/>
+                <a:cs typeface="+mn-cs"/>
+              </a:rPr>
+              <a:t>init.</a:t>
+            </a:r>
+            <a:r>
+              <a:rPr lang="en-US" sz="1200" kern="1200" dirty="0">
+                <a:solidFill>
+                  <a:schemeClr val="tx1"/>
+                </a:solidFill>
+                <a:effectLst/>
+                <a:latin typeface="+mn-lt"/>
+                <a:ea typeface="+mn-ea"/>
+                <a:cs typeface="+mn-cs"/>
+              </a:rPr>
+              <a:t> only</a:t>
+            </a:r>
+          </a:p>
+          <a:p>
+            <a:pPr marL="0" marR="0" lvl="0" indent="0" algn="l" defTabSz="914400" rtl="0" eaLnBrk="1" fontAlgn="auto" latinLnBrk="0" hangingPunct="1">
+              <a:lnSpc>
+                <a:spcPct val="100000"/>
+              </a:lnSpc>
+              <a:spcBef>
+                <a:spcPts val="0"/>
+              </a:spcBef>
+              <a:spcAft>
+                <a:spcPts val="0"/>
+              </a:spcAft>
+              <a:buClrTx/>
+              <a:buSzTx/>
+              <a:buFontTx/>
+              <a:buNone/>
+              <a:tabLst/>
+              <a:defRPr/>
+            </a:pPr>
+            <a:r>
+              <a:rPr lang="en-US" sz="1200" kern="1200" dirty="0">
+                <a:solidFill>
+                  <a:schemeClr val="tx1"/>
+                </a:solidFill>
+                <a:effectLst/>
+                <a:latin typeface="+mn-lt"/>
+                <a:ea typeface="+mn-ea"/>
+                <a:cs typeface="+mn-cs"/>
+              </a:rPr>
+              <a:t>B: interior and halo</a:t>
+            </a:r>
+          </a:p>
+          <a:p>
+            <a:pPr marL="0" marR="0" lvl="0" indent="0" algn="l" defTabSz="914400" rtl="0" eaLnBrk="1" fontAlgn="auto" latinLnBrk="0" hangingPunct="1">
+              <a:lnSpc>
+                <a:spcPct val="100000"/>
+              </a:lnSpc>
+              <a:spcBef>
+                <a:spcPts val="0"/>
+              </a:spcBef>
+              <a:spcAft>
+                <a:spcPts val="0"/>
+              </a:spcAft>
+              <a:buClrTx/>
+              <a:buSzTx/>
+              <a:buFontTx/>
+              <a:buNone/>
+              <a:tabLst/>
+              <a:defRPr/>
+            </a:pPr>
+            <a:r>
+              <a:rPr lang="en-US" sz="1200" kern="1200" dirty="0">
+                <a:solidFill>
+                  <a:schemeClr val="tx1"/>
+                </a:solidFill>
+                <a:effectLst/>
+                <a:latin typeface="+mn-lt"/>
+                <a:ea typeface="+mn-ea"/>
+                <a:cs typeface="+mn-cs"/>
+              </a:rPr>
+              <a:t>** ghost cell exchange fills A’s halo</a:t>
+            </a:r>
+          </a:p>
+          <a:p>
+            <a:pPr marL="0" marR="0" lvl="0" indent="0" algn="l" defTabSz="914400" rtl="0" eaLnBrk="1" fontAlgn="auto" latinLnBrk="0" hangingPunct="1">
+              <a:lnSpc>
+                <a:spcPct val="100000"/>
+              </a:lnSpc>
+              <a:spcBef>
+                <a:spcPts val="0"/>
+              </a:spcBef>
+              <a:spcAft>
+                <a:spcPts val="0"/>
+              </a:spcAft>
+              <a:buClrTx/>
+              <a:buSzTx/>
+              <a:buFontTx/>
+              <a:buNone/>
+              <a:tabLst/>
+              <a:defRPr/>
+            </a:pPr>
+            <a:r>
+              <a:rPr lang="en-US" sz="1200" kern="1200" dirty="0">
+                <a:solidFill>
+                  <a:schemeClr val="tx1"/>
+                </a:solidFill>
+                <a:effectLst/>
+                <a:latin typeface="+mn-lt"/>
+                <a:ea typeface="+mn-ea"/>
+                <a:cs typeface="+mn-cs"/>
+              </a:rPr>
+              <a:t>** </a:t>
+            </a:r>
+            <a:r>
+              <a:rPr lang="en-US" sz="1200" kern="1200" dirty="0" err="1">
+                <a:solidFill>
+                  <a:schemeClr val="tx1"/>
+                </a:solidFill>
+                <a:effectLst/>
+                <a:latin typeface="+mn-lt"/>
+                <a:ea typeface="+mn-ea"/>
+                <a:cs typeface="+mn-cs"/>
+              </a:rPr>
+              <a:t>memcmp</a:t>
+            </a:r>
+            <a:r>
+              <a:rPr lang="en-US" sz="1200" kern="1200" dirty="0">
+                <a:solidFill>
+                  <a:schemeClr val="tx1"/>
+                </a:solidFill>
+                <a:effectLst/>
+                <a:latin typeface="+mn-lt"/>
+                <a:ea typeface="+mn-ea"/>
+                <a:cs typeface="+mn-cs"/>
+              </a:rPr>
+              <a:t> B</a:t>
             </a:r>
           </a:p>
         </p:txBody>
@@ -2865,7 +2807,7 @@
     </p:spTree>
     <p:extLst>
       <p:ext uri="{BB962C8B-B14F-4D97-AF65-F5344CB8AC3E}">
-        <p14:creationId xmlns:p14="http://schemas.microsoft.com/office/powerpoint/2010/main" val="2943802418"/>
+        <p14:creationId xmlns:p14="http://schemas.microsoft.com/office/powerpoint/2010/main" val="2514086208"/>
       </p:ext>
     </p:extLst>
   </p:cSld>
@@ -2946,7 +2888,55 @@
                 <a:ea typeface="+mn-ea"/>
                 <a:cs typeface="+mn-cs"/>
               </a:rPr>
-              <a:t>Here's another example of verifying the halo exchange on a cell grid.  The test initializes interior cells with a known function, does the halo exchange, and checks whether the guard cell has been properly copied over.  Similarly, a unit test can be written to verify parts of the computations - like computing energy from pressure and temperature.</a:t>
+              <a:t>Once those basic unit tests are done, we can create a unit test at the next level.  Here, the </a:t>
+            </a:r>
+            <a:r>
+              <a:rPr lang="en-US" sz="1200" kern="1200" dirty="0" err="1">
+                <a:solidFill>
+                  <a:schemeClr val="tx1"/>
+                </a:solidFill>
+                <a:effectLst/>
+                <a:latin typeface="+mn-lt"/>
+                <a:ea typeface="+mn-ea"/>
+                <a:cs typeface="+mn-cs"/>
+              </a:rPr>
+              <a:t>Sedov</a:t>
+            </a:r>
+            <a:r>
+              <a:rPr lang="en-US" sz="1200" kern="1200" dirty="0">
+                <a:solidFill>
+                  <a:schemeClr val="tx1"/>
+                </a:solidFill>
+                <a:effectLst/>
+                <a:latin typeface="+mn-lt"/>
+                <a:ea typeface="+mn-ea"/>
+                <a:cs typeface="+mn-cs"/>
+              </a:rPr>
+              <a:t> blast wave is simulated using the cell grid and equation of state previously tested.  The </a:t>
+            </a:r>
+            <a:r>
+              <a:rPr lang="en-US" sz="1200" kern="1200" dirty="0" err="1">
+                <a:solidFill>
+                  <a:schemeClr val="tx1"/>
+                </a:solidFill>
+                <a:effectLst/>
+                <a:latin typeface="+mn-lt"/>
+                <a:ea typeface="+mn-ea"/>
+                <a:cs typeface="+mn-cs"/>
+              </a:rPr>
+              <a:t>Sedov</a:t>
+            </a:r>
+            <a:r>
+              <a:rPr lang="en-US" sz="1200" kern="1200" dirty="0">
+                <a:solidFill>
+                  <a:schemeClr val="tx1"/>
+                </a:solidFill>
+                <a:effectLst/>
+                <a:latin typeface="+mn-lt"/>
+                <a:ea typeface="+mn-ea"/>
+                <a:cs typeface="+mn-cs"/>
+              </a:rPr>
+              <a:t> wave has a known analytical solution, which provides an error estimate for the implementation.  Out-of-tolerance errors at this stage indicate a problem specific to hydrodynamics, since the cells and equation of state are already tested.  In addition, plotting errors vs. space and time helps to train graduate students.</a:t>
             </a:r>
           </a:p>
           <a:p>
@@ -3005,7 +2995,7 @@
                 <a:ea typeface="+mn-ea"/>
                 <a:cs typeface="+mn-cs"/>
               </a:rPr>
-              <a:t>emphasis = stand-alone unit test</a:t>
+              <a:t>want a unit test for hydrodynamics – but we need a grid and equation of state</a:t>
             </a:r>
           </a:p>
           <a:p>
@@ -3036,7 +3026,7 @@
                 <a:ea typeface="+mn-ea"/>
                 <a:cs typeface="+mn-cs"/>
               </a:rPr>
-              <a:t>  - can replace this figure with earlier image</a:t>
+              <a:t>guard cell fill and equation of state both need to be working first</a:t>
             </a:r>
           </a:p>
           <a:p>
@@ -3057,15 +3047,42 @@
               <a:tabLst/>
               <a:defRPr/>
             </a:pPr>
-            <a:endParaRPr lang="en-US" sz="1200" kern="1200" dirty="0">
-              <a:solidFill>
-                <a:schemeClr val="tx1"/>
-              </a:solidFill>
-              <a:effectLst/>
-              <a:latin typeface="+mn-lt"/>
-              <a:ea typeface="+mn-ea"/>
-              <a:cs typeface="+mn-cs"/>
-            </a:endParaRPr>
+            <a:r>
+              <a:rPr lang="en-US" sz="1200" kern="1200" dirty="0">
+                <a:solidFill>
+                  <a:schemeClr val="tx1"/>
+                </a:solidFill>
+                <a:effectLst/>
+                <a:latin typeface="+mn-lt"/>
+                <a:ea typeface="+mn-ea"/>
+                <a:cs typeface="+mn-cs"/>
+              </a:rPr>
+              <a:t>** if both are working, this “</a:t>
+            </a:r>
+            <a:r>
+              <a:rPr lang="en-US" sz="1200" kern="1200" dirty="0" err="1">
+                <a:solidFill>
+                  <a:schemeClr val="tx1"/>
+                </a:solidFill>
+                <a:effectLst/>
+                <a:latin typeface="+mn-lt"/>
+                <a:ea typeface="+mn-ea"/>
+                <a:cs typeface="+mn-cs"/>
+              </a:rPr>
+              <a:t>sedov</a:t>
+            </a:r>
+            <a:r>
+              <a:rPr lang="en-US" sz="1200" kern="1200" dirty="0">
+                <a:solidFill>
+                  <a:schemeClr val="tx1"/>
+                </a:solidFill>
+                <a:effectLst/>
+                <a:latin typeface="+mn-lt"/>
+                <a:ea typeface="+mn-ea"/>
+                <a:cs typeface="+mn-cs"/>
+              </a:rPr>
+              <a:t> blast wave” test becomes a unit test for hydro.</a:t>
+            </a:r>
           </a:p>
           <a:p>
             <a:pPr marL="0" marR="0" lvl="0" indent="0" algn="l" defTabSz="914400" rtl="0" eaLnBrk="1" fontAlgn="auto" latinLnBrk="0" hangingPunct="1">
@@ -3095,207 +3112,7 @@
                 <a:ea typeface="+mn-ea"/>
                 <a:cs typeface="+mn-cs"/>
               </a:rPr>
-              <a:t>key point: both GC= guard cell and EOS = eq’n of state are stand-alone.</a:t>
-            </a:r>
-          </a:p>
-          <a:p>
-            <a:pPr marL="0" marR="0" lvl="0" indent="0" algn="l" defTabSz="914400" rtl="0" eaLnBrk="1" fontAlgn="auto" latinLnBrk="0" hangingPunct="1">
-              <a:lnSpc>
-                <a:spcPct val="100000"/>
-              </a:lnSpc>
-              <a:spcBef>
-                <a:spcPts val="0"/>
-              </a:spcBef>
-              <a:spcAft>
-                <a:spcPts val="0"/>
-              </a:spcAft>
-              <a:buClrTx/>
-              <a:buSzTx/>
-              <a:buFontTx/>
-              <a:buNone/>
-              <a:tabLst/>
-              <a:defRPr/>
-            </a:pPr>
-            <a:endParaRPr lang="en-US" sz="1200" kern="1200" dirty="0">
-              <a:solidFill>
-                <a:schemeClr val="tx1"/>
-              </a:solidFill>
-              <a:effectLst/>
-              <a:latin typeface="+mn-lt"/>
-              <a:ea typeface="+mn-ea"/>
-              <a:cs typeface="+mn-cs"/>
-            </a:endParaRPr>
-          </a:p>
-          <a:p>
-            <a:pPr marL="0" marR="0" lvl="0" indent="0" algn="l" defTabSz="914400" rtl="0" eaLnBrk="1" fontAlgn="auto" latinLnBrk="0" hangingPunct="1">
-              <a:lnSpc>
-                <a:spcPct val="100000"/>
-              </a:lnSpc>
-              <a:spcBef>
-                <a:spcPts val="0"/>
-              </a:spcBef>
-              <a:spcAft>
-                <a:spcPts val="0"/>
-              </a:spcAft>
-              <a:buClrTx/>
-              <a:buSzTx/>
-              <a:buFontTx/>
-              <a:buNone/>
-              <a:tabLst/>
-              <a:defRPr/>
-            </a:pPr>
-            <a:r>
-              <a:rPr lang="en-US" sz="1200" kern="1200" dirty="0">
-                <a:solidFill>
-                  <a:schemeClr val="tx1"/>
-                </a:solidFill>
-                <a:effectLst/>
-                <a:latin typeface="+mn-lt"/>
-                <a:ea typeface="+mn-ea"/>
-                <a:cs typeface="+mn-cs"/>
-              </a:rPr>
-              <a:t>A: interior </a:t>
-            </a:r>
-            <a:r>
-              <a:rPr lang="en-US" sz="1200" kern="1200" dirty="0" err="1">
-                <a:solidFill>
-                  <a:schemeClr val="tx1"/>
-                </a:solidFill>
-                <a:effectLst/>
-                <a:latin typeface="+mn-lt"/>
-                <a:ea typeface="+mn-ea"/>
-                <a:cs typeface="+mn-cs"/>
-              </a:rPr>
-              <a:t>init.</a:t>
-            </a:r>
-            <a:r>
-              <a:rPr lang="en-US" sz="1200" kern="1200" dirty="0">
-                <a:solidFill>
-                  <a:schemeClr val="tx1"/>
-                </a:solidFill>
-                <a:effectLst/>
-                <a:latin typeface="+mn-lt"/>
-                <a:ea typeface="+mn-ea"/>
-                <a:cs typeface="+mn-cs"/>
-              </a:rPr>
-              <a:t> only</a:t>
-            </a:r>
-          </a:p>
-          <a:p>
-            <a:pPr marL="0" marR="0" lvl="0" indent="0" algn="l" defTabSz="914400" rtl="0" eaLnBrk="1" fontAlgn="auto" latinLnBrk="0" hangingPunct="1">
-              <a:lnSpc>
-                <a:spcPct val="100000"/>
-              </a:lnSpc>
-              <a:spcBef>
-                <a:spcPts val="0"/>
-              </a:spcBef>
-              <a:spcAft>
-                <a:spcPts val="0"/>
-              </a:spcAft>
-              <a:buClrTx/>
-              <a:buSzTx/>
-              <a:buFontTx/>
-              <a:buNone/>
-              <a:tabLst/>
-              <a:defRPr/>
-            </a:pPr>
-            <a:r>
-              <a:rPr lang="en-US" sz="1200" kern="1200" dirty="0">
-                <a:solidFill>
-                  <a:schemeClr val="tx1"/>
-                </a:solidFill>
-                <a:effectLst/>
-                <a:latin typeface="+mn-lt"/>
-                <a:ea typeface="+mn-ea"/>
-                <a:cs typeface="+mn-cs"/>
-              </a:rPr>
-              <a:t>B: interior and halo</a:t>
-            </a:r>
-          </a:p>
-          <a:p>
-            <a:pPr marL="0" marR="0" lvl="0" indent="0" algn="l" defTabSz="914400" rtl="0" eaLnBrk="1" fontAlgn="auto" latinLnBrk="0" hangingPunct="1">
-              <a:lnSpc>
-                <a:spcPct val="100000"/>
-              </a:lnSpc>
-              <a:spcBef>
-                <a:spcPts val="0"/>
-              </a:spcBef>
-              <a:spcAft>
-                <a:spcPts val="0"/>
-              </a:spcAft>
-              <a:buClrTx/>
-              <a:buSzTx/>
-              <a:buFontTx/>
-              <a:buNone/>
-              <a:tabLst/>
-              <a:defRPr/>
-            </a:pPr>
-            <a:r>
-              <a:rPr lang="en-US" sz="1200" kern="1200" dirty="0">
-                <a:solidFill>
-                  <a:schemeClr val="tx1"/>
-                </a:solidFill>
-                <a:effectLst/>
-                <a:latin typeface="+mn-lt"/>
-                <a:ea typeface="+mn-ea"/>
-                <a:cs typeface="+mn-cs"/>
-              </a:rPr>
-              <a:t>** ghost cell exchange fills A’s halo</a:t>
-            </a:r>
-          </a:p>
-          <a:p>
-            <a:pPr marL="0" marR="0" lvl="0" indent="0" algn="l" defTabSz="914400" rtl="0" eaLnBrk="1" fontAlgn="auto" latinLnBrk="0" hangingPunct="1">
-              <a:lnSpc>
-                <a:spcPct val="100000"/>
-              </a:lnSpc>
-              <a:spcBef>
-                <a:spcPts val="0"/>
-              </a:spcBef>
-              <a:spcAft>
-                <a:spcPts val="0"/>
-              </a:spcAft>
-              <a:buClrTx/>
-              <a:buSzTx/>
-              <a:buFontTx/>
-              <a:buNone/>
-              <a:tabLst/>
-              <a:defRPr/>
-            </a:pPr>
-            <a:r>
-              <a:rPr lang="en-US" sz="1200" kern="1200" dirty="0">
-                <a:solidFill>
-                  <a:schemeClr val="tx1"/>
-                </a:solidFill>
-                <a:effectLst/>
-                <a:latin typeface="+mn-lt"/>
-                <a:ea typeface="+mn-ea"/>
-                <a:cs typeface="+mn-cs"/>
-              </a:rPr>
-              <a:t>** </a:t>
-            </a:r>
-            <a:r>
-              <a:rPr lang="en-US" sz="1200" kern="1200" dirty="0" err="1">
-                <a:solidFill>
-                  <a:schemeClr val="tx1"/>
-                </a:solidFill>
-                <a:effectLst/>
-                <a:latin typeface="+mn-lt"/>
-                <a:ea typeface="+mn-ea"/>
-                <a:cs typeface="+mn-cs"/>
-              </a:rPr>
-              <a:t>memcmp</a:t>
-            </a:r>
-            <a:r>
-              <a:rPr lang="en-US" sz="1200" kern="1200" dirty="0">
-                <a:solidFill>
-                  <a:schemeClr val="tx1"/>
-                </a:solidFill>
-                <a:effectLst/>
-                <a:latin typeface="+mn-lt"/>
-                <a:ea typeface="+mn-ea"/>
-                <a:cs typeface="+mn-cs"/>
-              </a:rPr>
-              <a:t> B</a:t>
+              <a:t>** [green box] even though this test is exercising all these parts, it’s a test for hydro.</a:t>
             </a:r>
           </a:p>
         </p:txBody>
@@ -3326,7 +3143,7 @@
     </p:spTree>
     <p:extLst>
       <p:ext uri="{BB962C8B-B14F-4D97-AF65-F5344CB8AC3E}">
-        <p14:creationId xmlns:p14="http://schemas.microsoft.com/office/powerpoint/2010/main" val="2514086208"/>
+        <p14:creationId xmlns:p14="http://schemas.microsoft.com/office/powerpoint/2010/main" val="1935325995"/>
       </p:ext>
     </p:extLst>
   </p:cSld>
@@ -3407,55 +3224,7 @@
                 <a:ea typeface="+mn-ea"/>
                 <a:cs typeface="+mn-cs"/>
               </a:rPr>
-              <a:t>Once those basic unit tests are done, we can create a unit test at the next level.  Here, the </a:t>
-            </a:r>
-            <a:r>
-              <a:rPr lang="en-US" sz="1200" kern="1200" dirty="0" err="1">
-                <a:solidFill>
-                  <a:schemeClr val="tx1"/>
-                </a:solidFill>
-                <a:effectLst/>
-                <a:latin typeface="+mn-lt"/>
-                <a:ea typeface="+mn-ea"/>
-                <a:cs typeface="+mn-cs"/>
-              </a:rPr>
-              <a:t>Sedov</a:t>
-            </a:r>
-            <a:r>
-              <a:rPr lang="en-US" sz="1200" kern="1200" dirty="0">
-                <a:solidFill>
-                  <a:schemeClr val="tx1"/>
-                </a:solidFill>
-                <a:effectLst/>
-                <a:latin typeface="+mn-lt"/>
-                <a:ea typeface="+mn-ea"/>
-                <a:cs typeface="+mn-cs"/>
-              </a:rPr>
-              <a:t> blast wave is simulated using the cell grid and equation of state previously tested.  The </a:t>
-            </a:r>
-            <a:r>
-              <a:rPr lang="en-US" sz="1200" kern="1200" dirty="0" err="1">
-                <a:solidFill>
-                  <a:schemeClr val="tx1"/>
-                </a:solidFill>
-                <a:effectLst/>
-                <a:latin typeface="+mn-lt"/>
-                <a:ea typeface="+mn-ea"/>
-                <a:cs typeface="+mn-cs"/>
-              </a:rPr>
-              <a:t>Sedov</a:t>
-            </a:r>
-            <a:r>
-              <a:rPr lang="en-US" sz="1200" kern="1200" dirty="0">
-                <a:solidFill>
-                  <a:schemeClr val="tx1"/>
-                </a:solidFill>
-                <a:effectLst/>
-                <a:latin typeface="+mn-lt"/>
-                <a:ea typeface="+mn-ea"/>
-                <a:cs typeface="+mn-cs"/>
-              </a:rPr>
-              <a:t> wave has a known analytical solution, which provides an error estimate for the implementation.  Out-of-tolerance errors at this stage indicate a problem specific to hydrodynamics, since the cells and equation of state are already tested.  In addition, plotting errors vs. space and time helps to train graduate students.</a:t>
+              <a:t>This test can be developed further too.  Changing out the uniform grid for an adaptive mesh, or turning on options for re-gridding should reduce the errors.  If this is not the case, there is a way to quickly pinpoint the underlying cause. The thought-process for analyzing test results can work as follows...</a:t>
             </a:r>
           </a:p>
           <a:p>
@@ -3487,7 +3256,7 @@
             </a:endParaRPr>
           </a:p>
           <a:p>
-            <a:pPr marL="0" marR="0" lvl="0" indent="0" algn="l" defTabSz="914400" rtl="0" eaLnBrk="1" fontAlgn="auto" latinLnBrk="0" hangingPunct="1">
+            <a:pPr marL="171450" marR="0" lvl="0" indent="-171450" algn="l" defTabSz="914400" rtl="0" eaLnBrk="1" fontAlgn="auto" latinLnBrk="0" hangingPunct="1">
               <a:lnSpc>
                 <a:spcPct val="100000"/>
               </a:lnSpc>
@@ -3499,8 +3268,8 @@
               </a:spcAft>
               <a:buClrTx/>
               <a:buSzTx/>
-              <a:buFontTx/>
-              <a:buNone/>
+              <a:buFont typeface="Arial" panose="020B0604020202020204" pitchFamily="34" charset="0"/>
+              <a:buChar char="•"/>
               <a:tabLst/>
               <a:defRPr/>
             </a:pPr>
@@ -3514,11 +3283,11 @@
                 <a:ea typeface="+mn-ea"/>
                 <a:cs typeface="+mn-cs"/>
               </a:rPr>
-              <a:t>want a unit test for hydrodynamics – but we need a grid and equation of state</a:t>
-            </a:r>
-          </a:p>
-          <a:p>
-            <a:pPr marL="0" marR="0" lvl="0" indent="0" algn="l" defTabSz="914400" rtl="0" eaLnBrk="1" fontAlgn="auto" latinLnBrk="0" hangingPunct="1">
+              <a:t>construct your test such that each unit test builds upward</a:t>
+            </a:r>
+          </a:p>
+          <a:p>
+            <a:pPr marL="171450" marR="0" lvl="0" indent="-171450" algn="l" defTabSz="914400" rtl="0" eaLnBrk="1" fontAlgn="auto" latinLnBrk="0" hangingPunct="1">
               <a:lnSpc>
                 <a:spcPct val="100000"/>
               </a:lnSpc>
@@ -3530,8 +3299,8 @@
               </a:spcAft>
               <a:buClrTx/>
               <a:buSzTx/>
-              <a:buFontTx/>
-              <a:buNone/>
+              <a:buFont typeface="Arial" panose="020B0604020202020204" pitchFamily="34" charset="0"/>
+              <a:buChar char="•"/>
               <a:tabLst/>
               <a:defRPr/>
             </a:pPr>
@@ -3545,11 +3314,11 @@
                 <a:ea typeface="+mn-ea"/>
                 <a:cs typeface="+mn-cs"/>
               </a:rPr>
-              <a:t>guard cell fill and equation of state both need to be working first</a:t>
-            </a:r>
-          </a:p>
-          <a:p>
-            <a:pPr marL="0" marR="0" lvl="0" indent="0" algn="l" defTabSz="914400" rtl="0" eaLnBrk="1" fontAlgn="auto" latinLnBrk="0" hangingPunct="1">
+              <a:t>here, the logic is...</a:t>
+            </a:r>
+          </a:p>
+          <a:p>
+            <a:pPr marL="171450" marR="0" lvl="0" indent="-171450" algn="l" defTabSz="914400" rtl="0" eaLnBrk="1" fontAlgn="auto" latinLnBrk="0" hangingPunct="1">
               <a:lnSpc>
                 <a:spcPct val="100000"/>
               </a:lnSpc>
@@ -3561,8 +3330,8 @@
               </a:spcAft>
               <a:buClrTx/>
               <a:buSzTx/>
-              <a:buFontTx/>
-              <a:buNone/>
+              <a:buFont typeface="Arial" panose="020B0604020202020204" pitchFamily="34" charset="0"/>
+              <a:buChar char="•"/>
               <a:tabLst/>
               <a:defRPr/>
             </a:pPr>
@@ -3576,35 +3345,11 @@
                 <a:ea typeface="+mn-ea"/>
                 <a:cs typeface="+mn-cs"/>
               </a:rPr>
-              <a:t>** if both are working, this “</a:t>
-            </a:r>
-            <a:r>
-              <a:rPr lang="en-US" sz="1200" kern="1200" dirty="0" err="1">
-                <a:solidFill>
-                  <a:schemeClr val="tx1"/>
-                </a:solidFill>
-                <a:effectLst/>
-                <a:latin typeface="+mn-lt"/>
-                <a:ea typeface="+mn-ea"/>
-                <a:cs typeface="+mn-cs"/>
-              </a:rPr>
-              <a:t>sedov</a:t>
-            </a:r>
-            <a:r>
-              <a:rPr lang="en-US" sz="1200" kern="1200" dirty="0">
-                <a:solidFill>
-                  <a:schemeClr val="tx1"/>
-                </a:solidFill>
-                <a:effectLst/>
-                <a:latin typeface="+mn-lt"/>
-                <a:ea typeface="+mn-ea"/>
-                <a:cs typeface="+mn-cs"/>
-              </a:rPr>
-              <a:t> blast wave” test becomes a unit test for hydro.</a:t>
-            </a:r>
-          </a:p>
-          <a:p>
-            <a:pPr marL="0" marR="0" lvl="0" indent="0" algn="l" defTabSz="914400" rtl="0" eaLnBrk="1" fontAlgn="auto" latinLnBrk="0" hangingPunct="1">
+              <a:t>first run hydro without AMR</a:t>
+            </a:r>
+          </a:p>
+          <a:p>
+            <a:pPr marL="171450" marR="0" lvl="0" indent="-171450" algn="l" defTabSz="914400" rtl="0" eaLnBrk="1" fontAlgn="auto" latinLnBrk="0" hangingPunct="1">
               <a:lnSpc>
                 <a:spcPct val="100000"/>
               </a:lnSpc>
@@ -3616,8 +3361,8 @@
               </a:spcAft>
               <a:buClrTx/>
               <a:buSzTx/>
-              <a:buFontTx/>
-              <a:buNone/>
+              <a:buFont typeface="Arial" panose="020B0604020202020204" pitchFamily="34" charset="0"/>
+              <a:buChar char="•"/>
               <a:tabLst/>
               <a:defRPr/>
             </a:pPr>
@@ -3631,7 +3376,187 @@
                 <a:ea typeface="+mn-ea"/>
                 <a:cs typeface="+mn-cs"/>
               </a:rPr>
-              <a:t>** [green box] even though this test is exercising all these parts, it’s a test for hydro.</a:t>
+              <a:t>then hydro with AMR, no refinement</a:t>
+            </a:r>
+          </a:p>
+          <a:p>
+            <a:pPr marL="171450" marR="0" lvl="0" indent="-171450" algn="l" defTabSz="914400" rtl="0" eaLnBrk="1" fontAlgn="auto" latinLnBrk="0" hangingPunct="1">
+              <a:lnSpc>
+                <a:spcPct val="100000"/>
+              </a:lnSpc>
+              <a:spcBef>
+                <a:spcPts val="0"/>
+              </a:spcBef>
+              <a:spcAft>
+                <a:spcPts val="0"/>
+              </a:spcAft>
+              <a:buClrTx/>
+              <a:buSzTx/>
+              <a:buFont typeface="Arial" panose="020B0604020202020204" pitchFamily="34" charset="0"/>
+              <a:buChar char="•"/>
+              <a:tabLst/>
+              <a:defRPr/>
+            </a:pPr>
+            <a:r>
+              <a:rPr lang="en-US" sz="1200" kern="1200" dirty="0">
+                <a:solidFill>
+                  <a:schemeClr val="tx1"/>
+                </a:solidFill>
+                <a:effectLst/>
+                <a:latin typeface="+mn-lt"/>
+                <a:ea typeface="+mn-ea"/>
+                <a:cs typeface="+mn-cs"/>
+              </a:rPr>
+              <a:t>then hydro with AMR and refinement</a:t>
+            </a:r>
+          </a:p>
+          <a:p>
+            <a:pPr marL="171450" marR="0" lvl="0" indent="-171450" algn="l" defTabSz="914400" rtl="0" eaLnBrk="1" fontAlgn="auto" latinLnBrk="0" hangingPunct="1">
+              <a:lnSpc>
+                <a:spcPct val="100000"/>
+              </a:lnSpc>
+              <a:spcBef>
+                <a:spcPts val="0"/>
+              </a:spcBef>
+              <a:spcAft>
+                <a:spcPts val="0"/>
+              </a:spcAft>
+              <a:buClrTx/>
+              <a:buSzTx/>
+              <a:buFont typeface="Arial" panose="020B0604020202020204" pitchFamily="34" charset="0"/>
+              <a:buChar char="•"/>
+              <a:tabLst/>
+              <a:defRPr/>
+            </a:pPr>
+            <a:r>
+              <a:rPr lang="en-US" sz="1200" kern="1200" dirty="0">
+                <a:solidFill>
+                  <a:schemeClr val="tx1"/>
+                </a:solidFill>
+                <a:effectLst/>
+                <a:latin typeface="+mn-lt"/>
+                <a:ea typeface="+mn-ea"/>
+                <a:cs typeface="+mn-cs"/>
+              </a:rPr>
+              <a:t>i.e. hydro -&gt; AMR -&gt; refinement</a:t>
+            </a:r>
+          </a:p>
+          <a:p>
+            <a:pPr marL="171450" marR="0" lvl="0" indent="-171450" algn="l" defTabSz="914400" rtl="0" eaLnBrk="1" fontAlgn="auto" latinLnBrk="0" hangingPunct="1">
+              <a:lnSpc>
+                <a:spcPct val="100000"/>
+              </a:lnSpc>
+              <a:spcBef>
+                <a:spcPts val="0"/>
+              </a:spcBef>
+              <a:spcAft>
+                <a:spcPts val="0"/>
+              </a:spcAft>
+              <a:buClrTx/>
+              <a:buSzTx/>
+              <a:buFont typeface="Arial" panose="020B0604020202020204" pitchFamily="34" charset="0"/>
+              <a:buChar char="•"/>
+              <a:tabLst/>
+              <a:defRPr/>
+            </a:pPr>
+            <a:endParaRPr lang="en-US" sz="1200" kern="1200" dirty="0">
+              <a:solidFill>
+                <a:schemeClr val="tx1"/>
+              </a:solidFill>
+              <a:effectLst/>
+              <a:latin typeface="+mn-lt"/>
+              <a:ea typeface="+mn-ea"/>
+              <a:cs typeface="+mn-cs"/>
+            </a:endParaRPr>
+          </a:p>
+          <a:p>
+            <a:pPr marL="171450" marR="0" lvl="0" indent="-171450" algn="l" defTabSz="914400" rtl="0" eaLnBrk="1" fontAlgn="auto" latinLnBrk="0" hangingPunct="1">
+              <a:lnSpc>
+                <a:spcPct val="100000"/>
+              </a:lnSpc>
+              <a:spcBef>
+                <a:spcPts val="0"/>
+              </a:spcBef>
+              <a:spcAft>
+                <a:spcPts val="0"/>
+              </a:spcAft>
+              <a:buClrTx/>
+              <a:buSzTx/>
+              <a:buFont typeface="Arial" panose="020B0604020202020204" pitchFamily="34" charset="0"/>
+              <a:buChar char="•"/>
+              <a:tabLst/>
+              <a:defRPr/>
+            </a:pPr>
+            <a:r>
+              <a:rPr lang="en-US" sz="1200" kern="1200" dirty="0">
+                <a:solidFill>
+                  <a:schemeClr val="tx1"/>
+                </a:solidFill>
+                <a:effectLst/>
+                <a:latin typeface="+mn-lt"/>
+                <a:ea typeface="+mn-ea"/>
+                <a:cs typeface="+mn-cs"/>
+              </a:rPr>
+              <a:t>gradually add features, with the same application &amp; checks</a:t>
+            </a:r>
+          </a:p>
+          <a:p>
+            <a:pPr marL="171450" marR="0" lvl="0" indent="-171450" algn="l" defTabSz="914400" rtl="0" eaLnBrk="1" fontAlgn="auto" latinLnBrk="0" hangingPunct="1">
+              <a:lnSpc>
+                <a:spcPct val="100000"/>
+              </a:lnSpc>
+              <a:spcBef>
+                <a:spcPts val="0"/>
+              </a:spcBef>
+              <a:spcAft>
+                <a:spcPts val="0"/>
+              </a:spcAft>
+              <a:buClrTx/>
+              <a:buSzTx/>
+              <a:buFont typeface="Arial" panose="020B0604020202020204" pitchFamily="34" charset="0"/>
+              <a:buChar char="•"/>
+              <a:tabLst/>
+              <a:defRPr/>
+            </a:pPr>
+            <a:endParaRPr lang="en-US" sz="1200" kern="1200" dirty="0">
+              <a:solidFill>
+                <a:schemeClr val="tx1"/>
+              </a:solidFill>
+              <a:effectLst/>
+              <a:latin typeface="+mn-lt"/>
+              <a:ea typeface="+mn-ea"/>
+              <a:cs typeface="+mn-cs"/>
+            </a:endParaRPr>
+          </a:p>
+          <a:p>
+            <a:pPr marL="171450" marR="0" lvl="0" indent="-171450" algn="l" defTabSz="914400" rtl="0" eaLnBrk="1" fontAlgn="auto" latinLnBrk="0" hangingPunct="1">
+              <a:lnSpc>
+                <a:spcPct val="100000"/>
+              </a:lnSpc>
+              <a:spcBef>
+                <a:spcPts val="0"/>
+              </a:spcBef>
+              <a:spcAft>
+                <a:spcPts val="0"/>
+              </a:spcAft>
+              <a:buClrTx/>
+              <a:buSzTx/>
+              <a:buFont typeface="Arial" panose="020B0604020202020204" pitchFamily="34" charset="0"/>
+              <a:buChar char="•"/>
+              <a:tabLst/>
+              <a:defRPr/>
+            </a:pPr>
+            <a:r>
+              <a:rPr lang="en-US" sz="1200" kern="1200" dirty="0">
+                <a:solidFill>
+                  <a:schemeClr val="tx1"/>
+                </a:solidFill>
+                <a:effectLst/>
+                <a:latin typeface="+mn-lt"/>
+                <a:ea typeface="+mn-ea"/>
+                <a:cs typeface="+mn-cs"/>
+              </a:rPr>
+              <a:t>more examples or slower progression of ideas on this slide</a:t>
             </a:r>
           </a:p>
         </p:txBody>
@@ -3662,7 +3587,7 @@
     </p:spTree>
     <p:extLst>
       <p:ext uri="{BB962C8B-B14F-4D97-AF65-F5344CB8AC3E}">
-        <p14:creationId xmlns:p14="http://schemas.microsoft.com/office/powerpoint/2010/main" val="1935325995"/>
+        <p14:creationId xmlns:p14="http://schemas.microsoft.com/office/powerpoint/2010/main" val="2492424174"/>
       </p:ext>
     </p:extLst>
   </p:cSld>
@@ -3716,23 +3641,6 @@
           <a:bodyPr/>
           <a:lstStyle/>
           <a:p>
-            <a:pPr marL="0" marR="0" lvl="0" indent="0" algn="l" defTabSz="914400" rtl="0" eaLnBrk="1" fontAlgn="auto" latinLnBrk="0" hangingPunct="1">
-              <a:lnSpc>
-                <a:spcPct val="100000"/>
-              </a:lnSpc>
-              <a:spcBef>
-                <a:spcPts val="0"/>
-              </a:spcBef>
-              <a:spcAft>
-                <a:spcPts val="0"/>
-              </a:spcAft>
-              <a:buClrTx/>
-              <a:buSzTx/>
-              <a:buFontTx/>
-              <a:buNone/>
-              <a:tabLst/>
-              <a:defRPr/>
-            </a:pPr>
             <a:r>
               <a:rPr lang="en-US" sz="1200" kern="1200" dirty="0">
                 <a:solidFill>
@@ -3743,27 +3651,34 @@
                 <a:ea typeface="+mn-ea"/>
                 <a:cs typeface="+mn-cs"/>
               </a:rPr>
-              <a:t>This test can be developed further too.  Changing out the uniform grid for an adaptive mesh, or turning on options for re-gridding should reduce the errors.  If this is not the case, there is a way to quickly pinpoint the underlying cause. The thought-process for analyzing test results can work as follows...</a:t>
-            </a:r>
-          </a:p>
-          <a:p>
-            <a:pPr marL="0" marR="0" lvl="0" indent="0" algn="l" defTabSz="914400" rtl="0" eaLnBrk="1" fontAlgn="auto" latinLnBrk="0" hangingPunct="1">
-              <a:lnSpc>
-                <a:spcPct val="100000"/>
-              </a:lnSpc>
-              <a:spcBef>
-                <a:spcPts val="0"/>
-              </a:spcBef>
-              <a:spcAft>
-                <a:spcPts val="0"/>
-              </a:spcAft>
-              <a:buClrTx/>
-              <a:buSzTx/>
-              <a:buFontTx/>
-              <a:buNone/>
-              <a:tabLst/>
-              <a:defRPr/>
-            </a:pPr>
+              <a:t>Here's an example from the E3SM code, the </a:t>
+            </a:r>
+            <a:r>
+              <a:rPr lang="en-US" sz="1200" kern="1200" dirty="0" err="1">
+                <a:solidFill>
+                  <a:schemeClr val="tx1"/>
+                </a:solidFill>
+                <a:effectLst/>
+                <a:latin typeface="+mn-lt"/>
+                <a:ea typeface="+mn-ea"/>
+                <a:cs typeface="+mn-cs"/>
+              </a:rPr>
+              <a:t>Exascale</a:t>
+            </a:r>
+            <a:r>
+              <a:rPr lang="en-US" sz="1200" kern="1200" dirty="0">
+                <a:solidFill>
+                  <a:schemeClr val="tx1"/>
+                </a:solidFill>
+                <a:effectLst/>
+                <a:latin typeface="+mn-lt"/>
+                <a:ea typeface="+mn-ea"/>
+                <a:cs typeface="+mn-cs"/>
+              </a:rPr>
+              <a:t> Earth System Model.  Although advanced now, it originated in a combination of Fortran codes dealing with various aspects of climate modeling.  As a combination of many modules, it was difficult to create an overall testing strategy.</a:t>
+            </a:r>
+          </a:p>
+          <a:p>
             <a:endParaRPr lang="en-US" sz="1200" kern="1200" dirty="0">
               <a:solidFill>
                 <a:schemeClr val="tx1"/>
@@ -3775,23 +3690,6 @@
             </a:endParaRPr>
           </a:p>
           <a:p>
-            <a:pPr marL="171450" marR="0" lvl="0" indent="-171450" algn="l" defTabSz="914400" rtl="0" eaLnBrk="1" fontAlgn="auto" latinLnBrk="0" hangingPunct="1">
-              <a:lnSpc>
-                <a:spcPct val="100000"/>
-              </a:lnSpc>
-              <a:spcBef>
-                <a:spcPts val="0"/>
-              </a:spcBef>
-              <a:spcAft>
-                <a:spcPts val="0"/>
-              </a:spcAft>
-              <a:buClrTx/>
-              <a:buSzTx/>
-              <a:buFont typeface="Arial" panose="020B0604020202020204" pitchFamily="34" charset="0"/>
-              <a:buChar char="•"/>
-              <a:tabLst/>
-              <a:defRPr/>
-            </a:pPr>
             <a:r>
               <a:rPr lang="en-US" sz="1200" kern="1200" dirty="0">
                 <a:solidFill>
@@ -3802,182 +3700,10 @@
                 <a:ea typeface="+mn-ea"/>
                 <a:cs typeface="+mn-cs"/>
               </a:rPr>
-              <a:t>construct your test such that each unit test builds upward</a:t>
-            </a:r>
-          </a:p>
-          <a:p>
-            <a:pPr marL="171450" marR="0" lvl="0" indent="-171450" algn="l" defTabSz="914400" rtl="0" eaLnBrk="1" fontAlgn="auto" latinLnBrk="0" hangingPunct="1">
-              <a:lnSpc>
-                <a:spcPct val="100000"/>
-              </a:lnSpc>
-              <a:spcBef>
-                <a:spcPts val="0"/>
-              </a:spcBef>
-              <a:spcAft>
-                <a:spcPts val="0"/>
-              </a:spcAft>
-              <a:buClrTx/>
-              <a:buSzTx/>
-              <a:buFont typeface="Arial" panose="020B0604020202020204" pitchFamily="34" charset="0"/>
-              <a:buChar char="•"/>
-              <a:tabLst/>
-              <a:defRPr/>
-            </a:pPr>
-            <a:r>
-              <a:rPr lang="en-US" sz="1200" kern="1200" dirty="0">
-                <a:solidFill>
-                  <a:schemeClr val="tx1"/>
-                </a:solidFill>
-                <a:effectLst/>
-                <a:latin typeface="+mn-lt"/>
-                <a:ea typeface="+mn-ea"/>
-                <a:cs typeface="+mn-cs"/>
-              </a:rPr>
-              <a:t>here, the logic is...</a:t>
-            </a:r>
-          </a:p>
-          <a:p>
-            <a:pPr marL="171450" marR="0" lvl="0" indent="-171450" algn="l" defTabSz="914400" rtl="0" eaLnBrk="1" fontAlgn="auto" latinLnBrk="0" hangingPunct="1">
-              <a:lnSpc>
-                <a:spcPct val="100000"/>
-              </a:lnSpc>
-              <a:spcBef>
-                <a:spcPts val="0"/>
-              </a:spcBef>
-              <a:spcAft>
-                <a:spcPts val="0"/>
-              </a:spcAft>
-              <a:buClrTx/>
-              <a:buSzTx/>
-              <a:buFont typeface="Arial" panose="020B0604020202020204" pitchFamily="34" charset="0"/>
-              <a:buChar char="•"/>
-              <a:tabLst/>
-              <a:defRPr/>
-            </a:pPr>
-            <a:r>
-              <a:rPr lang="en-US" sz="1200" kern="1200" dirty="0">
-                <a:solidFill>
-                  <a:schemeClr val="tx1"/>
-                </a:solidFill>
-                <a:effectLst/>
-                <a:latin typeface="+mn-lt"/>
-                <a:ea typeface="+mn-ea"/>
-                <a:cs typeface="+mn-cs"/>
-              </a:rPr>
-              <a:t>first run hydro without AMR</a:t>
-            </a:r>
-          </a:p>
-          <a:p>
-            <a:pPr marL="171450" marR="0" lvl="0" indent="-171450" algn="l" defTabSz="914400" rtl="0" eaLnBrk="1" fontAlgn="auto" latinLnBrk="0" hangingPunct="1">
-              <a:lnSpc>
-                <a:spcPct val="100000"/>
-              </a:lnSpc>
-              <a:spcBef>
-                <a:spcPts val="0"/>
-              </a:spcBef>
-              <a:spcAft>
-                <a:spcPts val="0"/>
-              </a:spcAft>
-              <a:buClrTx/>
-              <a:buSzTx/>
-              <a:buFont typeface="Arial" panose="020B0604020202020204" pitchFamily="34" charset="0"/>
-              <a:buChar char="•"/>
-              <a:tabLst/>
-              <a:defRPr/>
-            </a:pPr>
-            <a:r>
-              <a:rPr lang="en-US" sz="1200" kern="1200" dirty="0">
-                <a:solidFill>
-                  <a:schemeClr val="tx1"/>
-                </a:solidFill>
-                <a:effectLst/>
-                <a:latin typeface="+mn-lt"/>
-                <a:ea typeface="+mn-ea"/>
-                <a:cs typeface="+mn-cs"/>
-              </a:rPr>
-              <a:t>then hydro with AMR, no refinement</a:t>
-            </a:r>
-          </a:p>
-          <a:p>
-            <a:pPr marL="171450" marR="0" lvl="0" indent="-171450" algn="l" defTabSz="914400" rtl="0" eaLnBrk="1" fontAlgn="auto" latinLnBrk="0" hangingPunct="1">
-              <a:lnSpc>
-                <a:spcPct val="100000"/>
-              </a:lnSpc>
-              <a:spcBef>
-                <a:spcPts val="0"/>
-              </a:spcBef>
-              <a:spcAft>
-                <a:spcPts val="0"/>
-              </a:spcAft>
-              <a:buClrTx/>
-              <a:buSzTx/>
-              <a:buFont typeface="Arial" panose="020B0604020202020204" pitchFamily="34" charset="0"/>
-              <a:buChar char="•"/>
-              <a:tabLst/>
-              <a:defRPr/>
-            </a:pPr>
-            <a:r>
-              <a:rPr lang="en-US" sz="1200" kern="1200" dirty="0">
-                <a:solidFill>
-                  <a:schemeClr val="tx1"/>
-                </a:solidFill>
-                <a:effectLst/>
-                <a:latin typeface="+mn-lt"/>
-                <a:ea typeface="+mn-ea"/>
-                <a:cs typeface="+mn-cs"/>
-              </a:rPr>
-              <a:t>then hydro with AMR and refinement</a:t>
-            </a:r>
-          </a:p>
-          <a:p>
-            <a:pPr marL="171450" marR="0" lvl="0" indent="-171450" algn="l" defTabSz="914400" rtl="0" eaLnBrk="1" fontAlgn="auto" latinLnBrk="0" hangingPunct="1">
-              <a:lnSpc>
-                <a:spcPct val="100000"/>
-              </a:lnSpc>
-              <a:spcBef>
-                <a:spcPts val="0"/>
-              </a:spcBef>
-              <a:spcAft>
-                <a:spcPts val="0"/>
-              </a:spcAft>
-              <a:buClrTx/>
-              <a:buSzTx/>
-              <a:buFont typeface="Arial" panose="020B0604020202020204" pitchFamily="34" charset="0"/>
-              <a:buChar char="•"/>
-              <a:tabLst/>
-              <a:defRPr/>
-            </a:pPr>
-            <a:r>
-              <a:rPr lang="en-US" sz="1200" kern="1200" dirty="0">
-                <a:solidFill>
-                  <a:schemeClr val="tx1"/>
-                </a:solidFill>
-                <a:effectLst/>
-                <a:latin typeface="+mn-lt"/>
-                <a:ea typeface="+mn-ea"/>
-                <a:cs typeface="+mn-cs"/>
-              </a:rPr>
-              <a:t>i.e. hydro -&gt; AMR -&gt; refinement</a:t>
-            </a:r>
-          </a:p>
-          <a:p>
-            <a:pPr marL="171450" marR="0" lvl="0" indent="-171450" algn="l" defTabSz="914400" rtl="0" eaLnBrk="1" fontAlgn="auto" latinLnBrk="0" hangingPunct="1">
-              <a:lnSpc>
-                <a:spcPct val="100000"/>
-              </a:lnSpc>
-              <a:spcBef>
-                <a:spcPts val="0"/>
-              </a:spcBef>
-              <a:spcAft>
-                <a:spcPts val="0"/>
-              </a:spcAft>
-              <a:buClrTx/>
-              <a:buSzTx/>
-              <a:buFont typeface="Arial" panose="020B0604020202020204" pitchFamily="34" charset="0"/>
-              <a:buChar char="•"/>
-              <a:tabLst/>
-              <a:defRPr/>
-            </a:pPr>
+              <a:t>This tree represents the directory tree of the source code.  Adding new functionality used to require running the whole model every time – which took a lot of time.</a:t>
+            </a:r>
+          </a:p>
+          <a:p>
             <a:endParaRPr lang="en-US" sz="1200" kern="1200" dirty="0">
               <a:solidFill>
                 <a:schemeClr val="tx1"/>
@@ -3989,23 +3715,6 @@
             </a:endParaRPr>
           </a:p>
           <a:p>
-            <a:pPr marL="171450" marR="0" lvl="0" indent="-171450" algn="l" defTabSz="914400" rtl="0" eaLnBrk="1" fontAlgn="auto" latinLnBrk="0" hangingPunct="1">
-              <a:lnSpc>
-                <a:spcPct val="100000"/>
-              </a:lnSpc>
-              <a:spcBef>
-                <a:spcPts val="0"/>
-              </a:spcBef>
-              <a:spcAft>
-                <a:spcPts val="0"/>
-              </a:spcAft>
-              <a:buClrTx/>
-              <a:buSzTx/>
-              <a:buFont typeface="Arial" panose="020B0604020202020204" pitchFamily="34" charset="0"/>
-              <a:buChar char="•"/>
-              <a:tabLst/>
-              <a:defRPr/>
-            </a:pPr>
             <a:r>
               <a:rPr lang="en-US" sz="1200" kern="1200" dirty="0">
                 <a:solidFill>
@@ -4016,27 +3725,38 @@
                 <a:ea typeface="+mn-ea"/>
                 <a:cs typeface="+mn-cs"/>
               </a:rPr>
-              <a:t>gradually add features, with the same application &amp; checks</a:t>
-            </a:r>
-          </a:p>
-          <a:p>
-            <a:pPr marL="171450" marR="0" lvl="0" indent="-171450" algn="l" defTabSz="914400" rtl="0" eaLnBrk="1" fontAlgn="auto" latinLnBrk="0" hangingPunct="1">
-              <a:lnSpc>
-                <a:spcPct val="100000"/>
-              </a:lnSpc>
-              <a:spcBef>
-                <a:spcPts val="0"/>
-              </a:spcBef>
-              <a:spcAft>
-                <a:spcPts val="0"/>
-              </a:spcAft>
-              <a:buClrTx/>
-              <a:buSzTx/>
-              <a:buFont typeface="Arial" panose="020B0604020202020204" pitchFamily="34" charset="0"/>
-              <a:buChar char="•"/>
-              <a:tabLst/>
-              <a:defRPr/>
-            </a:pPr>
+              <a:t>We focused on the question “which part of the code do you actually want to test?”</a:t>
+            </a:r>
+          </a:p>
+          <a:p>
+            <a:r>
+              <a:rPr lang="en-US" sz="1200" kern="1200" dirty="0">
+                <a:solidFill>
+                  <a:schemeClr val="tx1"/>
+                </a:solidFill>
+                <a:effectLst/>
+                <a:latin typeface="+mn-lt"/>
+                <a:ea typeface="+mn-ea"/>
+                <a:cs typeface="+mn-cs"/>
+              </a:rPr>
+              <a:t>I ran the whole model, then dumped the program state just before the element that was to be tested.</a:t>
+            </a:r>
+          </a:p>
+          <a:p>
+            <a:r>
+              <a:rPr lang="en-US" sz="1200" kern="1200" dirty="0">
+                <a:solidFill>
+                  <a:schemeClr val="tx1"/>
+                </a:solidFill>
+                <a:effectLst/>
+                <a:latin typeface="+mn-lt"/>
+                <a:ea typeface="+mn-ea"/>
+                <a:cs typeface="+mn-cs"/>
+              </a:rPr>
+              <a:t>The state became an input to the test.</a:t>
+            </a:r>
+          </a:p>
+          <a:p>
             <a:endParaRPr lang="en-US" sz="1200" kern="1200" dirty="0">
               <a:solidFill>
                 <a:schemeClr val="tx1"/>
@@ -4048,23 +3768,6 @@
             </a:endParaRPr>
           </a:p>
           <a:p>
-            <a:pPr marL="171450" marR="0" lvl="0" indent="-171450" algn="l" defTabSz="914400" rtl="0" eaLnBrk="1" fontAlgn="auto" latinLnBrk="0" hangingPunct="1">
-              <a:lnSpc>
-                <a:spcPct val="100000"/>
-              </a:lnSpc>
-              <a:spcBef>
-                <a:spcPts val="0"/>
-              </a:spcBef>
-              <a:spcAft>
-                <a:spcPts val="0"/>
-              </a:spcAft>
-              <a:buClrTx/>
-              <a:buSzTx/>
-              <a:buFont typeface="Arial" panose="020B0604020202020204" pitchFamily="34" charset="0"/>
-              <a:buChar char="•"/>
-              <a:tabLst/>
-              <a:defRPr/>
-            </a:pPr>
             <a:r>
               <a:rPr lang="en-US" sz="1200" kern="1200" dirty="0">
                 <a:solidFill>
@@ -4075,7 +3778,151 @@
                 <a:ea typeface="+mn-ea"/>
                 <a:cs typeface="+mn-cs"/>
               </a:rPr>
-              <a:t>more examples or slower progression of ideas on this slide</a:t>
+              <a:t>E3SM has so many “use module” calls, the whole source tree got imported into every module.  We separated dependencies into actual needs and non-used imports.  The unused imports were replaced with non-functioning stubs.  Symbolic links were added to imports whenever possible.  The test driver had a nice isolated structure.</a:t>
+            </a:r>
+          </a:p>
+          <a:p>
+            <a:endParaRPr lang="en-US" sz="1200" kern="1200" dirty="0">
+              <a:solidFill>
+                <a:schemeClr val="tx1"/>
+              </a:solidFill>
+              <a:effectLst/>
+              <a:latin typeface="+mn-lt"/>
+              <a:ea typeface="+mn-ea"/>
+              <a:cs typeface="+mn-cs"/>
+            </a:endParaRPr>
+          </a:p>
+          <a:p>
+            <a:r>
+              <a:rPr lang="en-US" sz="1200" kern="1200" dirty="0">
+                <a:solidFill>
+                  <a:schemeClr val="tx1"/>
+                </a:solidFill>
+                <a:effectLst/>
+                <a:latin typeface="+mn-lt"/>
+                <a:ea typeface="+mn-ea"/>
+                <a:cs typeface="+mn-cs"/>
+              </a:rPr>
+              <a:t>If done properly (good code structure, most functionality exists), it can be done on a 2-day visit. Many codes have similar opportunities.</a:t>
+            </a:r>
+          </a:p>
+          <a:p>
+            <a:endParaRPr lang="en-US" sz="1200" kern="1200" dirty="0">
+              <a:solidFill>
+                <a:schemeClr val="tx1"/>
+              </a:solidFill>
+              <a:effectLst/>
+              <a:latin typeface="+mn-lt"/>
+              <a:ea typeface="+mn-ea"/>
+              <a:cs typeface="+mn-cs"/>
+            </a:endParaRPr>
+          </a:p>
+          <a:p>
+            <a:r>
+              <a:rPr lang="en-US" sz="1200" kern="1200" dirty="0">
+                <a:solidFill>
+                  <a:schemeClr val="tx1"/>
+                </a:solidFill>
+                <a:effectLst/>
+                <a:latin typeface="+mn-lt"/>
+                <a:ea typeface="+mn-ea"/>
+                <a:cs typeface="+mn-cs"/>
+              </a:rPr>
+              <a:t>a) Separate a unit.</a:t>
+            </a:r>
+          </a:p>
+          <a:p>
+            <a:r>
+              <a:rPr lang="en-US" sz="1200" kern="1200" dirty="0">
+                <a:solidFill>
+                  <a:schemeClr val="tx1"/>
+                </a:solidFill>
+                <a:effectLst/>
+                <a:latin typeface="+mn-lt"/>
+                <a:ea typeface="+mn-ea"/>
+                <a:cs typeface="+mn-cs"/>
+              </a:rPr>
+              <a:t>b) Capture the state of the program inputting to that unit.</a:t>
+            </a:r>
+          </a:p>
+          <a:p>
+            <a:r>
+              <a:rPr lang="en-US" sz="1200" kern="1200" dirty="0">
+                <a:solidFill>
+                  <a:schemeClr val="tx1"/>
+                </a:solidFill>
+                <a:effectLst/>
+                <a:latin typeface="+mn-lt"/>
+                <a:ea typeface="+mn-ea"/>
+                <a:cs typeface="+mn-cs"/>
+              </a:rPr>
+              <a:t>c) Create a test driver to load the state and exercise the unit.</a:t>
+            </a:r>
+          </a:p>
+          <a:p>
+            <a:r>
+              <a:rPr lang="en-US" sz="1200" kern="1200" dirty="0">
+                <a:solidFill>
+                  <a:schemeClr val="tx1"/>
+                </a:solidFill>
+                <a:effectLst/>
+                <a:latin typeface="+mn-lt"/>
+                <a:ea typeface="+mn-ea"/>
+                <a:cs typeface="+mn-cs"/>
+              </a:rPr>
+              <a:t>d) If extra functions from the code were accessed, these were </a:t>
+            </a:r>
+            <a:r>
+              <a:rPr lang="en-US" sz="1200" kern="1200" dirty="0" err="1">
+                <a:solidFill>
+                  <a:schemeClr val="tx1"/>
+                </a:solidFill>
+                <a:effectLst/>
+                <a:latin typeface="+mn-lt"/>
+                <a:ea typeface="+mn-ea"/>
+                <a:cs typeface="+mn-cs"/>
+              </a:rPr>
+              <a:t>sym</a:t>
+            </a:r>
+            <a:r>
+              <a:rPr lang="en-US" sz="1200" kern="1200" dirty="0">
+                <a:solidFill>
+                  <a:schemeClr val="tx1"/>
+                </a:solidFill>
+                <a:effectLst/>
+                <a:latin typeface="+mn-lt"/>
+                <a:ea typeface="+mn-ea"/>
+                <a:cs typeface="+mn-cs"/>
+              </a:rPr>
+              <a:t>-linked into the test directory.  Here, the branch at the right represents some helper functions that can be imported easily.</a:t>
+            </a:r>
+          </a:p>
+          <a:p>
+            <a:r>
+              <a:rPr lang="en-US" sz="1200" kern="1200" dirty="0">
+                <a:solidFill>
+                  <a:schemeClr val="tx1"/>
+                </a:solidFill>
+                <a:effectLst/>
+                <a:latin typeface="+mn-lt"/>
+                <a:ea typeface="+mn-ea"/>
+                <a:cs typeface="+mn-cs"/>
+              </a:rPr>
+              <a:t>e) That doesn't always work.  The red dot represents a module with lots of dependencies - not needed for this test.  In these cases, the module was modified to remove unnecessary dependencies.</a:t>
+            </a:r>
+          </a:p>
+          <a:p>
+            <a:r>
+              <a:rPr lang="en-US" sz="1200" kern="1200" dirty="0">
+                <a:solidFill>
+                  <a:schemeClr val="tx1"/>
+                </a:solidFill>
+                <a:effectLst/>
+                <a:latin typeface="+mn-lt"/>
+                <a:ea typeface="+mn-ea"/>
+                <a:cs typeface="+mn-cs"/>
+              </a:rPr>
+              <a:t>f) With all the code dependencies sorted out, the test driver itself becomes an isolated unit.  For this example, the original test took hours to run through the batch queue of a cluster.  The new unit test ran in 20 seconds on a developer's laptop.</a:t>
             </a:r>
           </a:p>
         </p:txBody>
@@ -4106,7 +3953,7 @@
     </p:spTree>
     <p:extLst>
       <p:ext uri="{BB962C8B-B14F-4D97-AF65-F5344CB8AC3E}">
-        <p14:creationId xmlns:p14="http://schemas.microsoft.com/office/powerpoint/2010/main" val="2492424174"/>
+        <p14:creationId xmlns:p14="http://schemas.microsoft.com/office/powerpoint/2010/main" val="4128517335"/>
       </p:ext>
     </p:extLst>
   </p:cSld>
@@ -4675,7 +4522,7 @@
           <a:noFill/>
           <a:extLst>
             <a:ext uri="{909E8E84-426E-40dd-AFC4-6F175D3DCCD1}">
-              <a14:hiddenFill xmlns:a14="http://schemas.microsoft.com/office/drawing/2010/main" xmlns="">
+              <a14:hiddenFill xmlns="" xmlns:a14="http://schemas.microsoft.com/office/drawing/2010/main">
                 <a:solidFill>
                   <a:srgbClr val="FFFFFF"/>
                 </a:solidFill>
@@ -4829,7 +4676,7 @@
           <a:noFill/>
           <a:extLst>
             <a:ext uri="{909E8E84-426E-40dd-AFC4-6F175D3DCCD1}">
-              <a14:hiddenFill xmlns:a14="http://schemas.microsoft.com/office/drawing/2010/main" xmlns="">
+              <a14:hiddenFill xmlns="" xmlns:a14="http://schemas.microsoft.com/office/drawing/2010/main">
                 <a:solidFill>
                   <a:srgbClr val="FFFFFF"/>
                 </a:solidFill>
@@ -8616,684 +8463,6 @@
 </file>
 
 <file path=ppt/slides/slide10.xml><?xml version="1.0" encoding="utf-8"?>
-<p:sld xmlns:a="http://schemas.openxmlformats.org/drawingml/2006/main" xmlns:r="http://schemas.openxmlformats.org/officeDocument/2006/relationships" xmlns:p="http://schemas.openxmlformats.org/presentationml/2006/main">
-  <p:cSld>
-    <p:spTree>
-      <p:nvGrpSpPr>
-        <p:cNvPr id="1" name=""/>
-        <p:cNvGrpSpPr/>
-        <p:nvPr/>
-      </p:nvGrpSpPr>
-      <p:grpSpPr>
-        <a:xfrm>
-          <a:off x="0" y="0"/>
-          <a:ext cx="0" cy="0"/>
-          <a:chOff x="0" y="0"/>
-          <a:chExt cx="0" cy="0"/>
-        </a:xfrm>
-      </p:grpSpPr>
-      <p:sp>
-        <p:nvSpPr>
-          <p:cNvPr id="4" name="Content Placeholder 2">
-            <a:extLst>
-              <a:ext uri="{FF2B5EF4-FFF2-40B4-BE49-F238E27FC236}">
-                <a16:creationId xmlns:a16="http://schemas.microsoft.com/office/drawing/2014/main" id="{F96DBD19-9A59-8442-A875-2C58BC3C471C}"/>
-              </a:ext>
-            </a:extLst>
-          </p:cNvPr>
-          <p:cNvSpPr txBox="1">
-            <a:spLocks/>
-          </p:cNvSpPr>
-          <p:nvPr/>
-        </p:nvSpPr>
-        <p:spPr bwMode="auto">
-          <a:xfrm>
-            <a:off x="365760" y="1066800"/>
-            <a:ext cx="11690773" cy="4978400"/>
-          </a:xfrm>
-          <a:prstGeom prst="rect">
-            <a:avLst/>
-          </a:prstGeom>
-          <a:noFill/>
-          <a:ln w="9525">
-            <a:noFill/>
-            <a:miter lim="800000"/>
-            <a:headEnd/>
-            <a:tailEnd/>
-          </a:ln>
-        </p:spPr>
-        <p:txBody>
-          <a:bodyPr vert="horz" wrap="square" lIns="91440" tIns="45720" rIns="91440" bIns="45720" numCol="1" anchor="t" anchorCtr="0" compatLnSpc="1">
-            <a:prstTxWarp prst="textNoShape">
-              <a:avLst/>
-            </a:prstTxWarp>
-            <a:noAutofit/>
-          </a:bodyPr>
-          <a:lstStyle>
-            <a:lvl1pPr marL="230188" indent="-230188" algn="l" rtl="0" eaLnBrk="1" fontAlgn="base" hangingPunct="1">
-              <a:lnSpc>
-                <a:spcPct val="90000"/>
-              </a:lnSpc>
-              <a:spcBef>
-                <a:spcPts val="1400"/>
-              </a:spcBef>
-              <a:spcAft>
-                <a:spcPct val="0"/>
-              </a:spcAft>
-              <a:buClr>
-                <a:schemeClr val="tx1"/>
-              </a:buClr>
-              <a:buFont typeface="Arial" charset="0"/>
-              <a:buChar char="•"/>
-              <a:defRPr sz="2800" kern="1200">
-                <a:solidFill>
-                  <a:schemeClr val="tx1"/>
-                </a:solidFill>
-                <a:latin typeface="Arial" panose="020B0604020202020204" pitchFamily="34" charset="0"/>
-                <a:ea typeface="+mn-ea"/>
-                <a:cs typeface="Arial" panose="020B0604020202020204" pitchFamily="34" charset="0"/>
-              </a:defRPr>
-            </a:lvl1pPr>
-            <a:lvl2pPr marL="625475" indent="-279400" algn="l" rtl="0" eaLnBrk="1" fontAlgn="base" hangingPunct="1">
-              <a:lnSpc>
-                <a:spcPct val="90000"/>
-              </a:lnSpc>
-              <a:spcBef>
-                <a:spcPts val="800"/>
-              </a:spcBef>
-              <a:spcAft>
-                <a:spcPct val="0"/>
-              </a:spcAft>
-              <a:buClr>
-                <a:schemeClr val="tx1"/>
-              </a:buClr>
-              <a:buFont typeface="Arial" charset="0"/>
-              <a:buChar char="–"/>
-              <a:defRPr sz="2400" kern="1200">
-                <a:solidFill>
-                  <a:schemeClr val="tx1"/>
-                </a:solidFill>
-                <a:latin typeface="Arial" panose="020B0604020202020204" pitchFamily="34" charset="0"/>
-                <a:ea typeface="+mn-ea"/>
-                <a:cs typeface="Arial" panose="020B0604020202020204" pitchFamily="34" charset="0"/>
-              </a:defRPr>
-            </a:lvl2pPr>
-            <a:lvl3pPr marL="914400" indent="-230188" algn="l" rtl="0" eaLnBrk="1" fontAlgn="base" hangingPunct="1">
-              <a:lnSpc>
-                <a:spcPct val="90000"/>
-              </a:lnSpc>
-              <a:spcBef>
-                <a:spcPts val="800"/>
-              </a:spcBef>
-              <a:spcAft>
-                <a:spcPct val="0"/>
-              </a:spcAft>
-              <a:buClr>
-                <a:schemeClr val="tx1"/>
-              </a:buClr>
-              <a:buFont typeface="Arial" charset="0"/>
-              <a:buChar char="•"/>
-              <a:defRPr sz="2000" kern="1200">
-                <a:solidFill>
-                  <a:schemeClr val="tx1"/>
-                </a:solidFill>
-                <a:latin typeface="Arial" panose="020B0604020202020204" pitchFamily="34" charset="0"/>
-                <a:ea typeface="+mn-ea"/>
-                <a:cs typeface="Arial" panose="020B0604020202020204" pitchFamily="34" charset="0"/>
-              </a:defRPr>
-            </a:lvl3pPr>
-            <a:lvl4pPr marL="1144588" indent="-173038" algn="l" rtl="0" eaLnBrk="1" fontAlgn="base" hangingPunct="1">
-              <a:lnSpc>
-                <a:spcPct val="90000"/>
-              </a:lnSpc>
-              <a:spcBef>
-                <a:spcPts val="800"/>
-              </a:spcBef>
-              <a:spcAft>
-                <a:spcPct val="0"/>
-              </a:spcAft>
-              <a:buClr>
-                <a:schemeClr val="tx1"/>
-              </a:buClr>
-              <a:buFont typeface="Arial" charset="0"/>
-              <a:buChar char="–"/>
-              <a:defRPr sz="1800" kern="1200">
-                <a:solidFill>
-                  <a:schemeClr val="tx1"/>
-                </a:solidFill>
-                <a:latin typeface="Arial" panose="020B0604020202020204" pitchFamily="34" charset="0"/>
-                <a:ea typeface="+mn-ea"/>
-                <a:cs typeface="Arial" panose="020B0604020202020204" pitchFamily="34" charset="0"/>
-              </a:defRPr>
-            </a:lvl4pPr>
-            <a:lvl5pPr marL="1482725" indent="-222250" algn="l" rtl="0" eaLnBrk="1" fontAlgn="base" hangingPunct="1">
-              <a:lnSpc>
-                <a:spcPct val="90000"/>
-              </a:lnSpc>
-              <a:spcBef>
-                <a:spcPts val="600"/>
-              </a:spcBef>
-              <a:spcAft>
-                <a:spcPct val="0"/>
-              </a:spcAft>
-              <a:buClr>
-                <a:schemeClr val="tx1"/>
-              </a:buClr>
-              <a:buFont typeface="Arial" panose="020B0604020202020204" pitchFamily="34" charset="0"/>
-              <a:buChar char="•"/>
-              <a:defRPr sz="1800" kern="1200">
-                <a:solidFill>
-                  <a:schemeClr val="tx1"/>
-                </a:solidFill>
-                <a:latin typeface="Arial" panose="020B0604020202020204" pitchFamily="34" charset="0"/>
-                <a:ea typeface="+mn-ea"/>
-                <a:cs typeface="Arial" panose="020B0604020202020204" pitchFamily="34" charset="0"/>
-              </a:defRPr>
-            </a:lvl5pPr>
-            <a:lvl6pPr marL="2514600" indent="-228600" algn="l" defTabSz="914400" rtl="0" eaLnBrk="1" latinLnBrk="0" hangingPunct="1">
-              <a:spcBef>
-                <a:spcPct val="20000"/>
-              </a:spcBef>
-              <a:buFont typeface="Arial" pitchFamily="34" charset="0"/>
-              <a:buChar char="•"/>
-              <a:defRPr sz="2000" kern="1200">
-                <a:solidFill>
-                  <a:schemeClr val="tx1"/>
-                </a:solidFill>
-                <a:latin typeface="+mn-lt"/>
-                <a:ea typeface="+mn-ea"/>
-                <a:cs typeface="+mn-cs"/>
-              </a:defRPr>
-            </a:lvl6pPr>
-            <a:lvl7pPr marL="2971800" indent="-228600" algn="l" defTabSz="914400" rtl="0" eaLnBrk="1" latinLnBrk="0" hangingPunct="1">
-              <a:spcBef>
-                <a:spcPct val="20000"/>
-              </a:spcBef>
-              <a:buFont typeface="Arial" pitchFamily="34" charset="0"/>
-              <a:buChar char="•"/>
-              <a:defRPr sz="2000" kern="1200">
-                <a:solidFill>
-                  <a:schemeClr val="tx1"/>
-                </a:solidFill>
-                <a:latin typeface="+mn-lt"/>
-                <a:ea typeface="+mn-ea"/>
-                <a:cs typeface="+mn-cs"/>
-              </a:defRPr>
-            </a:lvl7pPr>
-            <a:lvl8pPr marL="3429000" indent="-228600" algn="l" defTabSz="914400" rtl="0" eaLnBrk="1" latinLnBrk="0" hangingPunct="1">
-              <a:spcBef>
-                <a:spcPct val="20000"/>
-              </a:spcBef>
-              <a:buFont typeface="Arial" pitchFamily="34" charset="0"/>
-              <a:buChar char="•"/>
-              <a:defRPr sz="2000" kern="1200">
-                <a:solidFill>
-                  <a:schemeClr val="tx1"/>
-                </a:solidFill>
-                <a:latin typeface="+mn-lt"/>
-                <a:ea typeface="+mn-ea"/>
-                <a:cs typeface="+mn-cs"/>
-              </a:defRPr>
-            </a:lvl8pPr>
-            <a:lvl9pPr marL="3886200" indent="-228600" algn="l" defTabSz="914400" rtl="0" eaLnBrk="1" latinLnBrk="0" hangingPunct="1">
-              <a:spcBef>
-                <a:spcPct val="20000"/>
-              </a:spcBef>
-              <a:buFont typeface="Arial" pitchFamily="34" charset="0"/>
-              <a:buChar char="•"/>
-              <a:defRPr sz="2000" kern="1200">
-                <a:solidFill>
-                  <a:schemeClr val="tx1"/>
-                </a:solidFill>
-                <a:latin typeface="+mn-lt"/>
-                <a:ea typeface="+mn-ea"/>
-                <a:cs typeface="+mn-cs"/>
-              </a:defRPr>
-            </a:lvl9pPr>
-          </a:lstStyle>
-          <a:p>
-            <a:pPr marL="0" indent="0">
-              <a:buFont typeface="Arial" charset="0"/>
-              <a:buNone/>
-            </a:pPr>
-            <a:r>
-              <a:rPr lang="en-US" b="1" dirty="0"/>
-              <a:t>For AMR, correct behavior of flux conservation and </a:t>
-            </a:r>
-            <a:r>
-              <a:rPr lang="en-US" b="1" dirty="0" err="1"/>
-              <a:t>regridding</a:t>
-            </a:r>
-            <a:r>
-              <a:rPr lang="en-US" b="1" dirty="0"/>
-              <a:t> should also be verified.</a:t>
-            </a:r>
-          </a:p>
-          <a:p>
-            <a:pPr marL="395287" lvl="1" indent="0">
-              <a:buNone/>
-            </a:pPr>
-            <a:r>
-              <a:rPr lang="en-US" b="1" dirty="0"/>
-              <a:t>Reason about correctness for testing Flux correction and </a:t>
-            </a:r>
-            <a:r>
-              <a:rPr lang="en-US" b="1" dirty="0" err="1"/>
-              <a:t>regridding</a:t>
-            </a:r>
-            <a:endParaRPr lang="en-US" b="1" dirty="0"/>
-          </a:p>
-          <a:p>
-            <a:pPr marL="0" indent="0">
-              <a:buFont typeface="Arial" charset="0"/>
-              <a:buNone/>
-            </a:pPr>
-            <a:r>
-              <a:rPr lang="en-US" dirty="0"/>
-              <a:t>IF Guard Cell fill and EOS unit tests passed</a:t>
-            </a:r>
-          </a:p>
-          <a:p>
-            <a:r>
-              <a:rPr lang="en-US" dirty="0"/>
-              <a:t>Run Hydro without AMR</a:t>
-            </a:r>
-          </a:p>
-          <a:p>
-            <a:pPr lvl="1"/>
-            <a:r>
-              <a:rPr lang="en-US" dirty="0"/>
-              <a:t>If failed fault is in Hydro</a:t>
-            </a:r>
-          </a:p>
-          <a:p>
-            <a:r>
-              <a:rPr lang="en-US" dirty="0"/>
-              <a:t>Run Hydro with AMR, but no dynamic refinement</a:t>
-            </a:r>
-          </a:p>
-          <a:p>
-            <a:pPr lvl="1"/>
-            <a:r>
-              <a:rPr lang="en-US" dirty="0"/>
-              <a:t>If failed fault is in flux correction</a:t>
-            </a:r>
-          </a:p>
-          <a:p>
-            <a:r>
-              <a:rPr lang="en-US" dirty="0"/>
-              <a:t>Run Hydro with AMR and dynamic refinement</a:t>
-            </a:r>
-          </a:p>
-          <a:p>
-            <a:pPr lvl="1"/>
-            <a:r>
-              <a:rPr lang="en-US" dirty="0"/>
-              <a:t>If failed fault is in </a:t>
-            </a:r>
-            <a:r>
-              <a:rPr lang="en-US" dirty="0" err="1"/>
-              <a:t>regridding</a:t>
-            </a:r>
-            <a:endParaRPr lang="en-US" dirty="0"/>
-          </a:p>
-        </p:txBody>
-      </p:sp>
-      <p:sp>
-        <p:nvSpPr>
-          <p:cNvPr id="7" name="Title 1">
-            <a:extLst>
-              <a:ext uri="{FF2B5EF4-FFF2-40B4-BE49-F238E27FC236}">
-                <a16:creationId xmlns:a16="http://schemas.microsoft.com/office/drawing/2014/main" id="{71C1B735-296C-594B-9F1B-3061095DE275}"/>
-              </a:ext>
-            </a:extLst>
-          </p:cNvPr>
-          <p:cNvSpPr>
-            <a:spLocks noGrp="1"/>
-          </p:cNvSpPr>
-          <p:nvPr>
-            <p:ph type="title"/>
-          </p:nvPr>
-        </p:nvSpPr>
-        <p:spPr>
-          <a:xfrm>
-            <a:off x="365760" y="411480"/>
-            <a:ext cx="11372473" cy="914400"/>
-          </a:xfrm>
-        </p:spPr>
-        <p:txBody>
-          <a:bodyPr/>
-          <a:lstStyle/>
-          <a:p>
-            <a:r>
-              <a:rPr lang="en-US" dirty="0"/>
-              <a:t>Example 2: Structured Testing</a:t>
-            </a:r>
-          </a:p>
-        </p:txBody>
-      </p:sp>
-      <p:sp>
-        <p:nvSpPr>
-          <p:cNvPr id="2" name="TextBox 1">
-            <a:extLst>
-              <a:ext uri="{FF2B5EF4-FFF2-40B4-BE49-F238E27FC236}">
-                <a16:creationId xmlns:a16="http://schemas.microsoft.com/office/drawing/2014/main" id="{99D9045F-5CFC-D54E-ABF7-B08F049FE029}"/>
-              </a:ext>
-            </a:extLst>
-          </p:cNvPr>
-          <p:cNvSpPr txBox="1"/>
-          <p:nvPr/>
-        </p:nvSpPr>
-        <p:spPr>
-          <a:xfrm>
-            <a:off x="7669435" y="3539676"/>
-            <a:ext cx="817147" cy="433965"/>
-          </a:xfrm>
-          <a:prstGeom prst="rect">
-            <a:avLst/>
-          </a:prstGeom>
-          <a:noFill/>
-        </p:spPr>
-        <p:txBody>
-          <a:bodyPr wrap="none" lIns="118872" tIns="91440" rIns="118872" bIns="91440" rtlCol="0" anchor="ctr" anchorCtr="0">
-            <a:spAutoFit/>
-          </a:bodyPr>
-          <a:lstStyle/>
-          <a:p>
-            <a:pPr algn="l">
-              <a:lnSpc>
-                <a:spcPct val="90000"/>
-              </a:lnSpc>
-            </a:pPr>
-            <a:r>
-              <a:rPr lang="en-US" dirty="0"/>
-              <a:t>hydro</a:t>
-            </a:r>
-          </a:p>
-        </p:txBody>
-      </p:sp>
-      <p:sp>
-        <p:nvSpPr>
-          <p:cNvPr id="3" name="Oval 2">
-            <a:extLst>
-              <a:ext uri="{FF2B5EF4-FFF2-40B4-BE49-F238E27FC236}">
-                <a16:creationId xmlns:a16="http://schemas.microsoft.com/office/drawing/2014/main" id="{C9F948B8-E038-8943-8202-93E6DDAAE263}"/>
-              </a:ext>
-            </a:extLst>
-          </p:cNvPr>
-          <p:cNvSpPr/>
-          <p:nvPr/>
-        </p:nvSpPr>
-        <p:spPr>
-          <a:xfrm>
-            <a:off x="7453304" y="3216332"/>
-            <a:ext cx="1446415" cy="980902"/>
-          </a:xfrm>
-          <a:prstGeom prst="ellipse">
-            <a:avLst/>
-          </a:prstGeom>
-          <a:noFill/>
-          <a:ln>
-            <a:solidFill>
-              <a:schemeClr val="tx1"/>
-            </a:solidFill>
-          </a:ln>
-          <a:effectLst>
-            <a:outerShdw blurRad="44450" dist="27940" dir="5400000" algn="ctr">
-              <a:srgbClr val="000000">
-                <a:alpha val="32000"/>
-              </a:srgbClr>
-            </a:outerShdw>
-          </a:effectLst>
-        </p:spPr>
-        <p:txBody>
-          <a:bodyPr rot="0" spcFirstLastPara="0" vertOverflow="overflow" horzOverflow="overflow" vert="horz" wrap="square" lIns="121851" tIns="60925" rIns="121851" bIns="60925" numCol="1" spcCol="0" rtlCol="0" fromWordArt="0" anchor="ctr" anchorCtr="0" forceAA="0" compatLnSpc="1">
-            <a:prstTxWarp prst="textNoShape">
-              <a:avLst/>
-            </a:prstTxWarp>
-            <a:noAutofit/>
-          </a:bodyPr>
-          <a:lstStyle/>
-          <a:p>
-            <a:pPr algn="ctr">
-              <a:lnSpc>
-                <a:spcPct val="90000"/>
-              </a:lnSpc>
-            </a:pPr>
-            <a:endParaRPr lang="en-US" sz="2000" dirty="0">
-              <a:solidFill>
-                <a:schemeClr val="bg1"/>
-              </a:solidFill>
-            </a:endParaRPr>
-          </a:p>
-        </p:txBody>
-      </p:sp>
-      <p:sp>
-        <p:nvSpPr>
-          <p:cNvPr id="5" name="Oval 4">
-            <a:extLst>
-              <a:ext uri="{FF2B5EF4-FFF2-40B4-BE49-F238E27FC236}">
-                <a16:creationId xmlns:a16="http://schemas.microsoft.com/office/drawing/2014/main" id="{766D428C-3A8C-754A-81E8-3A89C5673A2D}"/>
-              </a:ext>
-            </a:extLst>
-          </p:cNvPr>
-          <p:cNvSpPr/>
-          <p:nvPr/>
-        </p:nvSpPr>
-        <p:spPr>
-          <a:xfrm>
-            <a:off x="7106959" y="3052423"/>
-            <a:ext cx="3906982" cy="1296785"/>
-          </a:xfrm>
-          <a:prstGeom prst="ellipse">
-            <a:avLst/>
-          </a:prstGeom>
-          <a:noFill/>
-          <a:ln>
-            <a:solidFill>
-              <a:schemeClr val="tx1"/>
-            </a:solidFill>
-          </a:ln>
-          <a:effectLst>
-            <a:outerShdw blurRad="44450" dist="27940" dir="5400000" algn="ctr">
-              <a:srgbClr val="000000">
-                <a:alpha val="32000"/>
-              </a:srgbClr>
-            </a:outerShdw>
-          </a:effectLst>
-        </p:spPr>
-        <p:txBody>
-          <a:bodyPr rot="0" spcFirstLastPara="0" vertOverflow="overflow" horzOverflow="overflow" vert="horz" wrap="square" lIns="121851" tIns="60925" rIns="121851" bIns="60925" numCol="1" spcCol="0" rtlCol="0" fromWordArt="0" anchor="ctr" anchorCtr="0" forceAA="0" compatLnSpc="1">
-            <a:prstTxWarp prst="textNoShape">
-              <a:avLst/>
-            </a:prstTxWarp>
-            <a:noAutofit/>
-          </a:bodyPr>
-          <a:lstStyle/>
-          <a:p>
-            <a:pPr algn="ctr">
-              <a:lnSpc>
-                <a:spcPct val="90000"/>
-              </a:lnSpc>
-            </a:pPr>
-            <a:endParaRPr lang="en-US" sz="2000" dirty="0">
-              <a:solidFill>
-                <a:schemeClr val="bg1"/>
-              </a:solidFill>
-            </a:endParaRPr>
-          </a:p>
-        </p:txBody>
-      </p:sp>
-      <p:sp>
-        <p:nvSpPr>
-          <p:cNvPr id="6" name="Oval 5">
-            <a:extLst>
-              <a:ext uri="{FF2B5EF4-FFF2-40B4-BE49-F238E27FC236}">
-                <a16:creationId xmlns:a16="http://schemas.microsoft.com/office/drawing/2014/main" id="{5DC63502-BB4D-4444-A832-F5206BAB780D}"/>
-              </a:ext>
-            </a:extLst>
-          </p:cNvPr>
-          <p:cNvSpPr/>
-          <p:nvPr/>
-        </p:nvSpPr>
-        <p:spPr>
-          <a:xfrm>
-            <a:off x="6866313" y="2781263"/>
-            <a:ext cx="5322512" cy="1808553"/>
-          </a:xfrm>
-          <a:prstGeom prst="ellipse">
-            <a:avLst/>
-          </a:prstGeom>
-          <a:noFill/>
-          <a:ln>
-            <a:solidFill>
-              <a:schemeClr val="tx1"/>
-            </a:solidFill>
-          </a:ln>
-          <a:effectLst>
-            <a:outerShdw blurRad="44450" dist="27940" dir="5400000" algn="ctr">
-              <a:srgbClr val="000000">
-                <a:alpha val="32000"/>
-              </a:srgbClr>
-            </a:outerShdw>
-          </a:effectLst>
-        </p:spPr>
-        <p:txBody>
-          <a:bodyPr rot="0" spcFirstLastPara="0" vertOverflow="overflow" horzOverflow="overflow" vert="horz" wrap="square" lIns="121851" tIns="60925" rIns="121851" bIns="60925" numCol="1" spcCol="0" rtlCol="0" fromWordArt="0" anchor="ctr" anchorCtr="0" forceAA="0" compatLnSpc="1">
-            <a:prstTxWarp prst="textNoShape">
-              <a:avLst/>
-            </a:prstTxWarp>
-            <a:noAutofit/>
-          </a:bodyPr>
-          <a:lstStyle/>
-          <a:p>
-            <a:pPr algn="ctr">
-              <a:lnSpc>
-                <a:spcPct val="90000"/>
-              </a:lnSpc>
-            </a:pPr>
-            <a:endParaRPr lang="en-US" sz="2000" dirty="0">
-              <a:solidFill>
-                <a:schemeClr val="bg1"/>
-              </a:solidFill>
-            </a:endParaRPr>
-          </a:p>
-        </p:txBody>
-      </p:sp>
-      <p:sp>
-        <p:nvSpPr>
-          <p:cNvPr id="8" name="TextBox 7">
-            <a:extLst>
-              <a:ext uri="{FF2B5EF4-FFF2-40B4-BE49-F238E27FC236}">
-                <a16:creationId xmlns:a16="http://schemas.microsoft.com/office/drawing/2014/main" id="{BCC340E3-A6A8-D946-A847-042306EBDCA0}"/>
-              </a:ext>
-            </a:extLst>
-          </p:cNvPr>
-          <p:cNvSpPr txBox="1"/>
-          <p:nvPr/>
-        </p:nvSpPr>
-        <p:spPr>
-          <a:xfrm>
-            <a:off x="8964387" y="3343906"/>
-            <a:ext cx="1766125" cy="683264"/>
-          </a:xfrm>
-          <a:prstGeom prst="rect">
-            <a:avLst/>
-          </a:prstGeom>
-          <a:noFill/>
-        </p:spPr>
-        <p:txBody>
-          <a:bodyPr wrap="none" lIns="118872" tIns="91440" rIns="118872" bIns="91440" rtlCol="0" anchor="ctr" anchorCtr="0">
-            <a:spAutoFit/>
-          </a:bodyPr>
-          <a:lstStyle/>
-          <a:p>
-            <a:pPr algn="l">
-              <a:lnSpc>
-                <a:spcPct val="90000"/>
-              </a:lnSpc>
-            </a:pPr>
-            <a:r>
-              <a:rPr lang="en-US" dirty="0"/>
-              <a:t>refined starting</a:t>
-            </a:r>
-          </a:p>
-          <a:p>
-            <a:pPr algn="l">
-              <a:lnSpc>
-                <a:spcPct val="90000"/>
-              </a:lnSpc>
-            </a:pPr>
-            <a:r>
-              <a:rPr lang="en-US" dirty="0"/>
-              <a:t>grid</a:t>
-            </a:r>
-          </a:p>
-        </p:txBody>
-      </p:sp>
-      <p:sp>
-        <p:nvSpPr>
-          <p:cNvPr id="9" name="TextBox 8">
-            <a:extLst>
-              <a:ext uri="{FF2B5EF4-FFF2-40B4-BE49-F238E27FC236}">
-                <a16:creationId xmlns:a16="http://schemas.microsoft.com/office/drawing/2014/main" id="{38A5630F-D799-2C48-B1A1-D3A8255B9073}"/>
-              </a:ext>
-            </a:extLst>
-          </p:cNvPr>
-          <p:cNvSpPr txBox="1"/>
-          <p:nvPr/>
-        </p:nvSpPr>
-        <p:spPr>
-          <a:xfrm>
-            <a:off x="10997114" y="3429000"/>
-            <a:ext cx="1265988" cy="433965"/>
-          </a:xfrm>
-          <a:prstGeom prst="rect">
-            <a:avLst/>
-          </a:prstGeom>
-          <a:noFill/>
-        </p:spPr>
-        <p:txBody>
-          <a:bodyPr wrap="none" lIns="118872" tIns="91440" rIns="118872" bIns="91440" rtlCol="0" anchor="ctr" anchorCtr="0">
-            <a:spAutoFit/>
-          </a:bodyPr>
-          <a:lstStyle/>
-          <a:p>
-            <a:pPr algn="l">
-              <a:lnSpc>
-                <a:spcPct val="90000"/>
-              </a:lnSpc>
-            </a:pPr>
-            <a:r>
-              <a:rPr lang="en-US" dirty="0" err="1"/>
-              <a:t>regridding</a:t>
-            </a:r>
-            <a:endParaRPr lang="en-US" dirty="0"/>
-          </a:p>
-        </p:txBody>
-      </p:sp>
-    </p:spTree>
-    <p:extLst>
-      <p:ext uri="{BB962C8B-B14F-4D97-AF65-F5344CB8AC3E}">
-        <p14:creationId xmlns:p14="http://schemas.microsoft.com/office/powerpoint/2010/main" val="2981466927"/>
-      </p:ext>
-    </p:extLst>
-  </p:cSld>
-  <p:clrMapOvr>
-    <a:masterClrMapping/>
-  </p:clrMapOvr>
-  <mc:AlternateContent xmlns:mc="http://schemas.openxmlformats.org/markup-compatibility/2006" xmlns:p14="http://schemas.microsoft.com/office/powerpoint/2010/main">
-    <mc:Choice Requires="p14">
-      <p:transition spd="slow" p14:dur="2000" advTm="117439"/>
-    </mc:Choice>
-    <mc:Fallback xmlns="">
-      <p:transition spd="slow" advTm="117439"/>
-    </mc:Fallback>
-  </mc:AlternateContent>
-</p:sld>
-</file>
-
-<file path=ppt/slides/slide11.xml><?xml version="1.0" encoding="utf-8"?>
 <p:sld xmlns:a="http://schemas.openxmlformats.org/drawingml/2006/main" xmlns:r="http://schemas.openxmlformats.org/officeDocument/2006/relationships" xmlns:p="http://schemas.openxmlformats.org/presentationml/2006/main">
   <p:cSld>
     <p:spTree>
@@ -11021,6 +10190,406 @@
           </a:p>
         </p:txBody>
       </p:sp>
+      <p:sp>
+        <p:nvSpPr>
+          <p:cNvPr id="2" name="TextBox 1">
+            <a:extLst>
+              <a:ext uri="{FF2B5EF4-FFF2-40B4-BE49-F238E27FC236}">
+                <a16:creationId xmlns:a16="http://schemas.microsoft.com/office/drawing/2014/main" id="{689E37B7-24B4-4C87-B75C-0EC39F296C1F}"/>
+              </a:ext>
+            </a:extLst>
+          </p:cNvPr>
+          <p:cNvSpPr txBox="1"/>
+          <p:nvPr/>
+        </p:nvSpPr>
+        <p:spPr>
+          <a:xfrm flipH="1">
+            <a:off x="10650909" y="-37796"/>
+            <a:ext cx="114300" cy="350865"/>
+          </a:xfrm>
+          <a:prstGeom prst="rect">
+            <a:avLst/>
+          </a:prstGeom>
+          <a:noFill/>
+        </p:spPr>
+        <p:txBody>
+          <a:bodyPr wrap="square" lIns="118872" tIns="91440" rIns="118872" bIns="91440" rtlCol="0" anchor="ctr" anchorCtr="0">
+            <a:spAutoFit/>
+          </a:bodyPr>
+          <a:lstStyle/>
+          <a:p>
+            <a:pPr algn="l">
+              <a:lnSpc>
+                <a:spcPct val="90000"/>
+              </a:lnSpc>
+            </a:pPr>
+            <a:r>
+              <a:rPr lang="en-US" sz="1200" dirty="0"/>
+              <a:t>●</a:t>
+            </a:r>
+          </a:p>
+        </p:txBody>
+      </p:sp>
+      <p:sp>
+        <p:nvSpPr>
+          <p:cNvPr id="70" name="TextBox 69">
+            <a:extLst>
+              <a:ext uri="{FF2B5EF4-FFF2-40B4-BE49-F238E27FC236}">
+                <a16:creationId xmlns:a16="http://schemas.microsoft.com/office/drawing/2014/main" id="{524AA55B-5BF1-4C19-AF7E-56463D54100E}"/>
+              </a:ext>
+            </a:extLst>
+          </p:cNvPr>
+          <p:cNvSpPr txBox="1"/>
+          <p:nvPr/>
+        </p:nvSpPr>
+        <p:spPr>
+          <a:xfrm flipH="1">
+            <a:off x="10803309" y="-37796"/>
+            <a:ext cx="114300" cy="350865"/>
+          </a:xfrm>
+          <a:prstGeom prst="rect">
+            <a:avLst/>
+          </a:prstGeom>
+          <a:noFill/>
+        </p:spPr>
+        <p:txBody>
+          <a:bodyPr wrap="square" lIns="118872" tIns="91440" rIns="118872" bIns="91440" rtlCol="0" anchor="ctr" anchorCtr="0">
+            <a:spAutoFit/>
+          </a:bodyPr>
+          <a:lstStyle/>
+          <a:p>
+            <a:pPr algn="l">
+              <a:lnSpc>
+                <a:spcPct val="90000"/>
+              </a:lnSpc>
+            </a:pPr>
+            <a:r>
+              <a:rPr lang="en-US" sz="1200" dirty="0"/>
+              <a:t>●</a:t>
+            </a:r>
+          </a:p>
+        </p:txBody>
+      </p:sp>
+      <p:sp>
+        <p:nvSpPr>
+          <p:cNvPr id="71" name="TextBox 70">
+            <a:extLst>
+              <a:ext uri="{FF2B5EF4-FFF2-40B4-BE49-F238E27FC236}">
+                <a16:creationId xmlns:a16="http://schemas.microsoft.com/office/drawing/2014/main" id="{8CAEE003-AEF3-492D-AA59-2B01E98EE6D3}"/>
+              </a:ext>
+            </a:extLst>
+          </p:cNvPr>
+          <p:cNvSpPr txBox="1"/>
+          <p:nvPr/>
+        </p:nvSpPr>
+        <p:spPr>
+          <a:xfrm flipH="1">
+            <a:off x="10955709" y="-37796"/>
+            <a:ext cx="114300" cy="350865"/>
+          </a:xfrm>
+          <a:prstGeom prst="rect">
+            <a:avLst/>
+          </a:prstGeom>
+          <a:noFill/>
+        </p:spPr>
+        <p:txBody>
+          <a:bodyPr wrap="square" lIns="118872" tIns="91440" rIns="118872" bIns="91440" rtlCol="0" anchor="ctr" anchorCtr="0">
+            <a:spAutoFit/>
+          </a:bodyPr>
+          <a:lstStyle/>
+          <a:p>
+            <a:pPr algn="l">
+              <a:lnSpc>
+                <a:spcPct val="90000"/>
+              </a:lnSpc>
+            </a:pPr>
+            <a:r>
+              <a:rPr lang="en-US" sz="1200" dirty="0"/>
+              <a:t>●</a:t>
+            </a:r>
+          </a:p>
+        </p:txBody>
+      </p:sp>
+      <p:sp>
+        <p:nvSpPr>
+          <p:cNvPr id="74" name="TextBox 73">
+            <a:extLst>
+              <a:ext uri="{FF2B5EF4-FFF2-40B4-BE49-F238E27FC236}">
+                <a16:creationId xmlns:a16="http://schemas.microsoft.com/office/drawing/2014/main" id="{9D3DAD4B-D569-4F71-878B-9889E62BCD07}"/>
+              </a:ext>
+            </a:extLst>
+          </p:cNvPr>
+          <p:cNvSpPr txBox="1"/>
+          <p:nvPr/>
+        </p:nvSpPr>
+        <p:spPr>
+          <a:xfrm flipH="1">
+            <a:off x="11108109" y="-37796"/>
+            <a:ext cx="114300" cy="350865"/>
+          </a:xfrm>
+          <a:prstGeom prst="rect">
+            <a:avLst/>
+          </a:prstGeom>
+          <a:noFill/>
+        </p:spPr>
+        <p:txBody>
+          <a:bodyPr wrap="square" lIns="118872" tIns="91440" rIns="118872" bIns="91440" rtlCol="0" anchor="ctr" anchorCtr="0">
+            <a:spAutoFit/>
+          </a:bodyPr>
+          <a:lstStyle/>
+          <a:p>
+            <a:pPr algn="l">
+              <a:lnSpc>
+                <a:spcPct val="90000"/>
+              </a:lnSpc>
+            </a:pPr>
+            <a:r>
+              <a:rPr lang="en-US" sz="1200" dirty="0"/>
+              <a:t>●</a:t>
+            </a:r>
+          </a:p>
+        </p:txBody>
+      </p:sp>
+      <p:sp>
+        <p:nvSpPr>
+          <p:cNvPr id="76" name="TextBox 75">
+            <a:extLst>
+              <a:ext uri="{FF2B5EF4-FFF2-40B4-BE49-F238E27FC236}">
+                <a16:creationId xmlns:a16="http://schemas.microsoft.com/office/drawing/2014/main" id="{529A69C0-9E76-4A30-A785-AC81D87AEA6D}"/>
+              </a:ext>
+            </a:extLst>
+          </p:cNvPr>
+          <p:cNvSpPr txBox="1"/>
+          <p:nvPr/>
+        </p:nvSpPr>
+        <p:spPr>
+          <a:xfrm flipH="1">
+            <a:off x="11260509" y="-37796"/>
+            <a:ext cx="114300" cy="350865"/>
+          </a:xfrm>
+          <a:prstGeom prst="rect">
+            <a:avLst/>
+          </a:prstGeom>
+          <a:noFill/>
+        </p:spPr>
+        <p:txBody>
+          <a:bodyPr wrap="square" lIns="118872" tIns="91440" rIns="118872" bIns="91440" rtlCol="0" anchor="ctr" anchorCtr="0">
+            <a:spAutoFit/>
+          </a:bodyPr>
+          <a:lstStyle/>
+          <a:p>
+            <a:pPr algn="l">
+              <a:lnSpc>
+                <a:spcPct val="90000"/>
+              </a:lnSpc>
+            </a:pPr>
+            <a:r>
+              <a:rPr lang="en-US" sz="1200" dirty="0"/>
+              <a:t>●</a:t>
+            </a:r>
+          </a:p>
+        </p:txBody>
+      </p:sp>
+      <p:sp>
+        <p:nvSpPr>
+          <p:cNvPr id="77" name="TextBox 76">
+            <a:extLst>
+              <a:ext uri="{FF2B5EF4-FFF2-40B4-BE49-F238E27FC236}">
+                <a16:creationId xmlns:a16="http://schemas.microsoft.com/office/drawing/2014/main" id="{7E47DBF6-68AE-4A5C-82CF-9B60398E5766}"/>
+              </a:ext>
+            </a:extLst>
+          </p:cNvPr>
+          <p:cNvSpPr txBox="1"/>
+          <p:nvPr/>
+        </p:nvSpPr>
+        <p:spPr>
+          <a:xfrm flipH="1">
+            <a:off x="11412909" y="-37796"/>
+            <a:ext cx="114300" cy="350865"/>
+          </a:xfrm>
+          <a:prstGeom prst="rect">
+            <a:avLst/>
+          </a:prstGeom>
+          <a:noFill/>
+        </p:spPr>
+        <p:txBody>
+          <a:bodyPr wrap="square" lIns="118872" tIns="91440" rIns="118872" bIns="91440" rtlCol="0" anchor="ctr" anchorCtr="0">
+            <a:spAutoFit/>
+          </a:bodyPr>
+          <a:lstStyle/>
+          <a:p>
+            <a:pPr algn="l">
+              <a:lnSpc>
+                <a:spcPct val="90000"/>
+              </a:lnSpc>
+            </a:pPr>
+            <a:r>
+              <a:rPr lang="en-US" sz="1200" dirty="0"/>
+              <a:t>●</a:t>
+            </a:r>
+          </a:p>
+        </p:txBody>
+      </p:sp>
+      <p:sp>
+        <p:nvSpPr>
+          <p:cNvPr id="78" name="TextBox 77">
+            <a:extLst>
+              <a:ext uri="{FF2B5EF4-FFF2-40B4-BE49-F238E27FC236}">
+                <a16:creationId xmlns:a16="http://schemas.microsoft.com/office/drawing/2014/main" id="{13B97E4B-B67F-4653-830D-A74034030E5E}"/>
+              </a:ext>
+            </a:extLst>
+          </p:cNvPr>
+          <p:cNvSpPr txBox="1"/>
+          <p:nvPr/>
+        </p:nvSpPr>
+        <p:spPr>
+          <a:xfrm flipH="1">
+            <a:off x="11565309" y="-37796"/>
+            <a:ext cx="114300" cy="350865"/>
+          </a:xfrm>
+          <a:prstGeom prst="rect">
+            <a:avLst/>
+          </a:prstGeom>
+          <a:noFill/>
+        </p:spPr>
+        <p:txBody>
+          <a:bodyPr wrap="square" lIns="118872" tIns="91440" rIns="118872" bIns="91440" rtlCol="0" anchor="ctr" anchorCtr="0">
+            <a:spAutoFit/>
+          </a:bodyPr>
+          <a:lstStyle/>
+          <a:p>
+            <a:pPr algn="l">
+              <a:lnSpc>
+                <a:spcPct val="90000"/>
+              </a:lnSpc>
+            </a:pPr>
+            <a:r>
+              <a:rPr lang="en-US" sz="1200" dirty="0"/>
+              <a:t>●</a:t>
+            </a:r>
+          </a:p>
+        </p:txBody>
+      </p:sp>
+      <p:sp>
+        <p:nvSpPr>
+          <p:cNvPr id="79" name="TextBox 78">
+            <a:extLst>
+              <a:ext uri="{FF2B5EF4-FFF2-40B4-BE49-F238E27FC236}">
+                <a16:creationId xmlns:a16="http://schemas.microsoft.com/office/drawing/2014/main" id="{E7EA1E93-D63C-46ED-8D58-D3EEFECC7A51}"/>
+              </a:ext>
+            </a:extLst>
+          </p:cNvPr>
+          <p:cNvSpPr txBox="1"/>
+          <p:nvPr/>
+        </p:nvSpPr>
+        <p:spPr>
+          <a:xfrm flipH="1">
+            <a:off x="11717709" y="-37796"/>
+            <a:ext cx="114300" cy="350865"/>
+          </a:xfrm>
+          <a:prstGeom prst="rect">
+            <a:avLst/>
+          </a:prstGeom>
+          <a:noFill/>
+        </p:spPr>
+        <p:txBody>
+          <a:bodyPr wrap="square" lIns="118872" tIns="91440" rIns="118872" bIns="91440" rtlCol="0" anchor="ctr" anchorCtr="0">
+            <a:spAutoFit/>
+          </a:bodyPr>
+          <a:lstStyle/>
+          <a:p>
+            <a:pPr algn="l">
+              <a:lnSpc>
+                <a:spcPct val="90000"/>
+              </a:lnSpc>
+            </a:pPr>
+            <a:r>
+              <a:rPr lang="en-US" sz="1200" dirty="0"/>
+              <a:t>●</a:t>
+            </a:r>
+          </a:p>
+        </p:txBody>
+      </p:sp>
+      <p:sp>
+        <p:nvSpPr>
+          <p:cNvPr id="80" name="TextBox 79">
+            <a:extLst>
+              <a:ext uri="{FF2B5EF4-FFF2-40B4-BE49-F238E27FC236}">
+                <a16:creationId xmlns:a16="http://schemas.microsoft.com/office/drawing/2014/main" id="{2D14DB86-DD29-4586-9830-7DD454127E80}"/>
+              </a:ext>
+            </a:extLst>
+          </p:cNvPr>
+          <p:cNvSpPr txBox="1"/>
+          <p:nvPr/>
+        </p:nvSpPr>
+        <p:spPr>
+          <a:xfrm flipH="1">
+            <a:off x="11870109" y="-37796"/>
+            <a:ext cx="114300" cy="350865"/>
+          </a:xfrm>
+          <a:prstGeom prst="rect">
+            <a:avLst/>
+          </a:prstGeom>
+          <a:noFill/>
+        </p:spPr>
+        <p:txBody>
+          <a:bodyPr wrap="square" lIns="118872" tIns="91440" rIns="118872" bIns="91440" rtlCol="0" anchor="ctr" anchorCtr="0">
+            <a:spAutoFit/>
+          </a:bodyPr>
+          <a:lstStyle/>
+          <a:p>
+            <a:pPr algn="l">
+              <a:lnSpc>
+                <a:spcPct val="90000"/>
+              </a:lnSpc>
+            </a:pPr>
+            <a:r>
+              <a:rPr lang="en-US" sz="1200" dirty="0"/>
+              <a:t>●</a:t>
+            </a:r>
+          </a:p>
+        </p:txBody>
+      </p:sp>
+      <p:sp>
+        <p:nvSpPr>
+          <p:cNvPr id="82" name="TextBox 81">
+            <a:extLst>
+              <a:ext uri="{FF2B5EF4-FFF2-40B4-BE49-F238E27FC236}">
+                <a16:creationId xmlns:a16="http://schemas.microsoft.com/office/drawing/2014/main" id="{F79DDD84-BE3E-4F15-80D6-7F6F7E7E1449}"/>
+              </a:ext>
+            </a:extLst>
+          </p:cNvPr>
+          <p:cNvSpPr txBox="1"/>
+          <p:nvPr/>
+        </p:nvSpPr>
+        <p:spPr>
+          <a:xfrm flipH="1">
+            <a:off x="12022509" y="-37796"/>
+            <a:ext cx="114300" cy="350865"/>
+          </a:xfrm>
+          <a:prstGeom prst="rect">
+            <a:avLst/>
+          </a:prstGeom>
+          <a:noFill/>
+        </p:spPr>
+        <p:txBody>
+          <a:bodyPr wrap="square" lIns="118872" tIns="91440" rIns="118872" bIns="91440" rtlCol="0" anchor="ctr" anchorCtr="0">
+            <a:spAutoFit/>
+          </a:bodyPr>
+          <a:lstStyle/>
+          <a:p>
+            <a:pPr algn="l">
+              <a:lnSpc>
+                <a:spcPct val="90000"/>
+              </a:lnSpc>
+            </a:pPr>
+            <a:r>
+              <a:rPr lang="en-US" sz="1200" dirty="0"/>
+              <a:t>●</a:t>
+            </a:r>
+          </a:p>
+        </p:txBody>
+      </p:sp>
     </p:spTree>
     <p:custDataLst>
       <p:tags r:id="rId1"/>
@@ -11084,6 +10653,33 @@
                                   </p:childTnLst>
                                 </p:cTn>
                               </p:par>
+                              <p:par>
+                                <p:cTn id="7" presetID="1" presetClass="exit" presetSubtype="0" fill="hold" grpId="0" nodeType="withEffect">
+                                  <p:stCondLst>
+                                    <p:cond delay="0"/>
+                                  </p:stCondLst>
+                                  <p:childTnLst>
+                                    <p:set>
+                                      <p:cBhvr>
+                                        <p:cTn id="8" dur="1" fill="hold">
+                                          <p:stCondLst>
+                                            <p:cond delay="0"/>
+                                          </p:stCondLst>
+                                        </p:cTn>
+                                        <p:tgtEl>
+                                          <p:spTgt spid="2"/>
+                                        </p:tgtEl>
+                                        <p:attrNameLst>
+                                          <p:attrName>style.visibility</p:attrName>
+                                        </p:attrNameLst>
+                                      </p:cBhvr>
+                                      <p:to>
+                                        <p:strVal val="hidden"/>
+                                      </p:to>
+                                    </p:set>
+                                  </p:childTnLst>
+                                </p:cTn>
+                              </p:par>
                             </p:childTnLst>
                           </p:cTn>
                         </p:par>
@@ -11091,26 +10687,26 @@
                     </p:cTn>
                   </p:par>
                   <p:par>
-                    <p:cTn id="7" fill="hold">
+                    <p:cTn id="9" fill="hold">
                       <p:stCondLst>
                         <p:cond delay="indefinite"/>
                       </p:stCondLst>
                       <p:childTnLst>
                         <p:par>
-                          <p:cTn id="8" fill="hold">
+                          <p:cTn id="10" fill="hold">
                             <p:stCondLst>
                               <p:cond delay="0"/>
                             </p:stCondLst>
                             <p:childTnLst>
                               <p:par>
-                                <p:cTn id="9" presetID="1" presetClass="entr" presetSubtype="0" fill="hold" grpId="0" nodeType="clickEffect">
+                                <p:cTn id="11" presetID="1" presetClass="entr" presetSubtype="0" fill="hold" grpId="0" nodeType="clickEffect">
                                   <p:stCondLst>
                                     <p:cond delay="0"/>
                                   </p:stCondLst>
                                   <p:childTnLst>
                                     <p:set>
                                       <p:cBhvr>
-                                        <p:cTn id="10" dur="1" fill="hold">
+                                        <p:cTn id="12" dur="1" fill="hold">
                                           <p:stCondLst>
                                             <p:cond delay="0"/>
                                           </p:stCondLst>
@@ -11129,26 +10725,8 @@
                                   </p:childTnLst>
                                 </p:cTn>
                               </p:par>
-                            </p:childTnLst>
-                          </p:cTn>
-                        </p:par>
-                      </p:childTnLst>
-                    </p:cTn>
-                  </p:par>
-                  <p:par>
-                    <p:cTn id="11" fill="hold">
-                      <p:stCondLst>
-                        <p:cond delay="indefinite"/>
-                      </p:stCondLst>
-                      <p:childTnLst>
-                        <p:par>
-                          <p:cTn id="12" fill="hold">
-                            <p:stCondLst>
-                              <p:cond delay="0"/>
-                            </p:stCondLst>
-                            <p:childTnLst>
                               <p:par>
-                                <p:cTn id="13" presetID="1" presetClass="entr" presetSubtype="0" fill="hold" grpId="0" nodeType="clickEffect">
+                                <p:cTn id="13" presetID="1" presetClass="exit" presetSubtype="0" fill="hold" grpId="0" nodeType="withEffect">
                                   <p:stCondLst>
                                     <p:cond delay="0"/>
                                   </p:stCondLst>
@@ -11161,14 +10739,14 @@
                                           </p:stCondLst>
                                         </p:cTn>
                                         <p:tgtEl>
-                                          <p:spTgt spid="73"/>
+                                          <p:spTgt spid="70"/>
                                         </p:tgtEl>
                                         <p:attrNameLst>
                                           <p:attrName>style.visibility</p:attrName>
                                         </p:attrNameLst>
                                       </p:cBhvr>
                                       <p:to>
-                                        <p:strVal val="visible"/>
+                                        <p:strVal val="hidden"/>
                                       </p:to>
                                     </p:set>
                                   </p:childTnLst>
@@ -11193,7 +10771,7 @@
                             </p:stCondLst>
                             <p:childTnLst>
                               <p:par>
-                                <p:cTn id="17" presetID="1" presetClass="entr" presetSubtype="0" fill="hold" nodeType="clickEffect">
+                                <p:cTn id="17" presetID="1" presetClass="entr" presetSubtype="0" fill="hold" grpId="0" nodeType="clickEffect">
                                   <p:stCondLst>
                                     <p:cond delay="0"/>
                                   </p:stCondLst>
@@ -11201,6 +10779,78 @@
                                     <p:set>
                                       <p:cBhvr>
                                         <p:cTn id="18" dur="1" fill="hold">
+                                          <p:stCondLst>
+                                            <p:cond delay="0"/>
+                                          </p:stCondLst>
+                                        </p:cTn>
+                                        <p:tgtEl>
+                                          <p:spTgt spid="73"/>
+                                        </p:tgtEl>
+                                        <p:attrNameLst>
+                                          <p:attrName>style.visibility</p:attrName>
+                                        </p:attrNameLst>
+                                      </p:cBhvr>
+                                      <p:to>
+                                        <p:strVal val="visible"/>
+                                      </p:to>
+                                    </p:set>
+                                  </p:childTnLst>
+                                </p:cTn>
+                              </p:par>
+                              <p:par>
+                                <p:cTn id="19" presetID="1" presetClass="exit" presetSubtype="0" fill="hold" grpId="0" nodeType="withEffect">
+                                  <p:stCondLst>
+                                    <p:cond delay="0"/>
+                                  </p:stCondLst>
+                                  <p:childTnLst>
+                                    <p:set>
+                                      <p:cBhvr>
+                                        <p:cTn id="20" dur="1" fill="hold">
+                                          <p:stCondLst>
+                                            <p:cond delay="0"/>
+                                          </p:stCondLst>
+                                        </p:cTn>
+                                        <p:tgtEl>
+                                          <p:spTgt spid="71"/>
+                                        </p:tgtEl>
+                                        <p:attrNameLst>
+                                          <p:attrName>style.visibility</p:attrName>
+                                        </p:attrNameLst>
+                                      </p:cBhvr>
+                                      <p:to>
+                                        <p:strVal val="hidden"/>
+                                      </p:to>
+                                    </p:set>
+                                  </p:childTnLst>
+                                </p:cTn>
+                              </p:par>
+                            </p:childTnLst>
+                          </p:cTn>
+                        </p:par>
+                      </p:childTnLst>
+                    </p:cTn>
+                  </p:par>
+                  <p:par>
+                    <p:cTn id="21" fill="hold">
+                      <p:stCondLst>
+                        <p:cond delay="indefinite"/>
+                      </p:stCondLst>
+                      <p:childTnLst>
+                        <p:par>
+                          <p:cTn id="22" fill="hold">
+                            <p:stCondLst>
+                              <p:cond delay="0"/>
+                            </p:stCondLst>
+                            <p:childTnLst>
+                              <p:par>
+                                <p:cTn id="23" presetID="1" presetClass="entr" presetSubtype="0" fill="hold" nodeType="clickEffect">
+                                  <p:stCondLst>
+                                    <p:cond delay="0"/>
+                                  </p:stCondLst>
+                                  <p:childTnLst>
+                                    <p:set>
+                                      <p:cBhvr>
+                                        <p:cTn id="24" dur="1" fill="hold">
                                           <p:stCondLst>
                                             <p:cond delay="0"/>
                                           </p:stCondLst>
@@ -11219,87 +10869,30 @@
                                   </p:childTnLst>
                                 </p:cTn>
                               </p:par>
-                            </p:childTnLst>
-                          </p:cTn>
-                        </p:par>
-                      </p:childTnLst>
-                    </p:cTn>
-                  </p:par>
-                  <p:par>
-                    <p:cTn id="19" fill="hold">
-                      <p:stCondLst>
-                        <p:cond delay="indefinite"/>
-                      </p:stCondLst>
-                      <p:childTnLst>
-                        <p:par>
-                          <p:cTn id="20" fill="hold">
-                            <p:stCondLst>
-                              <p:cond delay="0"/>
-                            </p:stCondLst>
-                            <p:childTnLst>
                               <p:par>
-                                <p:cTn id="21" presetID="1" presetClass="entr" presetSubtype="0" fill="hold" grpId="1" nodeType="clickEffect">
+                                <p:cTn id="25" presetID="1" presetClass="exit" presetSubtype="0" fill="hold" grpId="0" nodeType="withEffect">
                                   <p:stCondLst>
                                     <p:cond delay="0"/>
                                   </p:stCondLst>
                                   <p:childTnLst>
                                     <p:set>
                                       <p:cBhvr>
-                                        <p:cTn id="22" dur="1" fill="hold">
+                                        <p:cTn id="26" dur="1" fill="hold">
                                           <p:stCondLst>
                                             <p:cond delay="0"/>
                                           </p:stCondLst>
                                         </p:cTn>
                                         <p:tgtEl>
-                                          <p:spTgt spid="85"/>
+                                          <p:spTgt spid="74"/>
                                         </p:tgtEl>
                                         <p:attrNameLst>
                                           <p:attrName>style.visibility</p:attrName>
                                         </p:attrNameLst>
                                       </p:cBhvr>
                                       <p:to>
-                                        <p:strVal val="visible"/>
+                                        <p:strVal val="hidden"/>
                                       </p:to>
                                     </p:set>
-                                  </p:childTnLst>
-                                </p:cTn>
-                              </p:par>
-                            </p:childTnLst>
-                          </p:cTn>
-                        </p:par>
-                      </p:childTnLst>
-                    </p:cTn>
-                  </p:par>
-                  <p:par>
-                    <p:cTn id="23" fill="hold">
-                      <p:stCondLst>
-                        <p:cond delay="indefinite"/>
-                      </p:stCondLst>
-                      <p:childTnLst>
-                        <p:par>
-                          <p:cTn id="24" fill="hold">
-                            <p:stCondLst>
-                              <p:cond delay="0"/>
-                            </p:stCondLst>
-                            <p:childTnLst>
-                              <p:par>
-                                <p:cTn id="25" presetID="0" presetClass="path" presetSubtype="0" accel="50000" decel="50000" fill="hold" grpId="0" nodeType="clickEffect">
-                                  <p:stCondLst>
-                                    <p:cond delay="0"/>
-                                  </p:stCondLst>
-                                  <p:childTnLst>
-                                    <p:animMotion origin="layout" path="M 0.00221 -0.00741 L 0.11265 0.41944 " pathEditMode="relative" ptsTypes="AA">
-                                      <p:cBhvr>
-                                        <p:cTn id="26" dur="2000" fill="hold"/>
-                                        <p:tgtEl>
-                                          <p:spTgt spid="85"/>
-                                        </p:tgtEl>
-                                        <p:attrNameLst>
-                                          <p:attrName>ppt_x</p:attrName>
-                                          <p:attrName>ppt_y</p:attrName>
-                                        </p:attrNameLst>
-                                      </p:cBhvr>
-                                    </p:animMotion>
                                   </p:childTnLst>
                                 </p:cTn>
                               </p:par>
@@ -11322,59 +10915,20 @@
                             </p:stCondLst>
                             <p:childTnLst>
                               <p:par>
-                                <p:cTn id="29" presetID="0" presetClass="path" presetSubtype="0" accel="50000" decel="50000" fill="hold" grpId="1" nodeType="clickEffect">
-                                  <p:stCondLst>
-                                    <p:cond delay="0"/>
-                                  </p:stCondLst>
-                                  <p:childTnLst>
-                                    <p:animMotion origin="layout" path="M 0 0 L 0 0.13009 " pathEditMode="relative" ptsTypes="AA">
-                                      <p:cBhvr>
-                                        <p:cTn id="30" dur="2000" fill="hold"/>
-                                        <p:tgtEl>
-                                          <p:spTgt spid="72"/>
-                                        </p:tgtEl>
-                                        <p:attrNameLst>
-                                          <p:attrName>ppt_x</p:attrName>
-                                          <p:attrName>ppt_y</p:attrName>
-                                        </p:attrNameLst>
-                                      </p:cBhvr>
-                                    </p:animMotion>
-                                  </p:childTnLst>
-                                </p:cTn>
-                              </p:par>
-                            </p:childTnLst>
-                          </p:cTn>
-                        </p:par>
-                      </p:childTnLst>
-                    </p:cTn>
-                  </p:par>
-                  <p:par>
-                    <p:cTn id="31" fill="hold">
-                      <p:stCondLst>
-                        <p:cond delay="indefinite"/>
-                      </p:stCondLst>
-                      <p:childTnLst>
-                        <p:par>
-                          <p:cTn id="32" fill="hold">
-                            <p:stCondLst>
-                              <p:cond delay="0"/>
-                            </p:stCondLst>
-                            <p:childTnLst>
-                              <p:par>
-                                <p:cTn id="33" presetID="1" presetClass="entr" presetSubtype="0" fill="hold" grpId="0" nodeType="clickEffect">
+                                <p:cTn id="29" presetID="1" presetClass="entr" presetSubtype="0" fill="hold" grpId="1" nodeType="clickEffect">
                                   <p:stCondLst>
                                     <p:cond delay="0"/>
                                   </p:stCondLst>
                                   <p:childTnLst>
                                     <p:set>
                                       <p:cBhvr>
-                                        <p:cTn id="34" dur="1" fill="hold">
+                                        <p:cTn id="30" dur="1" fill="hold">
                                           <p:stCondLst>
                                             <p:cond delay="0"/>
                                           </p:stCondLst>
                                         </p:cTn>
                                         <p:tgtEl>
-                                          <p:spTgt spid="95"/>
+                                          <p:spTgt spid="85"/>
                                         </p:tgtEl>
                                         <p:attrNameLst>
                                           <p:attrName>style.visibility</p:attrName>
@@ -11387,6 +10941,33 @@
                                   </p:childTnLst>
                                 </p:cTn>
                               </p:par>
+                              <p:par>
+                                <p:cTn id="31" presetID="1" presetClass="exit" presetSubtype="0" fill="hold" grpId="0" nodeType="withEffect">
+                                  <p:stCondLst>
+                                    <p:cond delay="0"/>
+                                  </p:stCondLst>
+                                  <p:childTnLst>
+                                    <p:set>
+                                      <p:cBhvr>
+                                        <p:cTn id="32" dur="1" fill="hold">
+                                          <p:stCondLst>
+                                            <p:cond delay="0"/>
+                                          </p:stCondLst>
+                                        </p:cTn>
+                                        <p:tgtEl>
+                                          <p:spTgt spid="76"/>
+                                        </p:tgtEl>
+                                        <p:attrNameLst>
+                                          <p:attrName>style.visibility</p:attrName>
+                                        </p:attrNameLst>
+                                      </p:cBhvr>
+                                      <p:to>
+                                        <p:strVal val="hidden"/>
+                                      </p:to>
+                                    </p:set>
+                                  </p:childTnLst>
+                                </p:cTn>
+                              </p:par>
                             </p:childTnLst>
                           </p:cTn>
                         </p:par>
@@ -11394,19 +10975,40 @@
                     </p:cTn>
                   </p:par>
                   <p:par>
-                    <p:cTn id="35" fill="hold">
+                    <p:cTn id="33" fill="hold">
                       <p:stCondLst>
                         <p:cond delay="indefinite"/>
                       </p:stCondLst>
                       <p:childTnLst>
                         <p:par>
-                          <p:cTn id="36" fill="hold">
+                          <p:cTn id="34" fill="hold">
                             <p:stCondLst>
                               <p:cond delay="0"/>
                             </p:stCondLst>
                             <p:childTnLst>
                               <p:par>
-                                <p:cTn id="37" presetID="1" presetClass="entr" presetSubtype="0" fill="hold" nodeType="clickEffect">
+                                <p:cTn id="35" presetID="0" presetClass="path" presetSubtype="0" accel="50000" decel="50000" fill="hold" grpId="0" nodeType="clickEffect">
+                                  <p:stCondLst>
+                                    <p:cond delay="0"/>
+                                  </p:stCondLst>
+                                  <p:childTnLst>
+                                    <p:animMotion origin="layout" path="M 0.00221 -0.00741 L 0.11265 0.41944 " pathEditMode="relative" ptsTypes="AA">
+                                      <p:cBhvr>
+                                        <p:cTn id="36" dur="2000" fill="hold"/>
+                                        <p:tgtEl>
+                                          <p:spTgt spid="85"/>
+                                        </p:tgtEl>
+                                        <p:attrNameLst>
+                                          <p:attrName>ppt_x</p:attrName>
+                                          <p:attrName>ppt_y</p:attrName>
+                                        </p:attrNameLst>
+                                      </p:cBhvr>
+                                    </p:animMotion>
+                                  </p:childTnLst>
+                                </p:cTn>
+                              </p:par>
+                              <p:par>
+                                <p:cTn id="37" presetID="1" presetClass="exit" presetSubtype="0" fill="hold" grpId="0" nodeType="withEffect">
                                   <p:stCondLst>
                                     <p:cond delay="0"/>
                                   </p:stCondLst>
@@ -11419,14 +11021,14 @@
                                           </p:stCondLst>
                                         </p:cTn>
                                         <p:tgtEl>
-                                          <p:spTgt spid="97"/>
+                                          <p:spTgt spid="77"/>
                                         </p:tgtEl>
                                         <p:attrNameLst>
                                           <p:attrName>style.visibility</p:attrName>
                                         </p:attrNameLst>
                                       </p:cBhvr>
                                       <p:to>
-                                        <p:strVal val="visible"/>
+                                        <p:strVal val="hidden"/>
                                       </p:to>
                                     </p:set>
                                   </p:childTnLst>
@@ -11451,14 +11053,224 @@
                             </p:stCondLst>
                             <p:childTnLst>
                               <p:par>
-                                <p:cTn id="41" presetID="1" presetClass="entr" presetSubtype="0" fill="hold" nodeType="clickEffect">
+                                <p:cTn id="41" presetID="0" presetClass="path" presetSubtype="0" accel="50000" decel="50000" fill="hold" grpId="1" nodeType="clickEffect">
+                                  <p:stCondLst>
+                                    <p:cond delay="0"/>
+                                  </p:stCondLst>
+                                  <p:childTnLst>
+                                    <p:animMotion origin="layout" path="M 0 0 L 0 0.13009 " pathEditMode="relative" ptsTypes="AA">
+                                      <p:cBhvr>
+                                        <p:cTn id="42" dur="2000" fill="hold"/>
+                                        <p:tgtEl>
+                                          <p:spTgt spid="72"/>
+                                        </p:tgtEl>
+                                        <p:attrNameLst>
+                                          <p:attrName>ppt_x</p:attrName>
+                                          <p:attrName>ppt_y</p:attrName>
+                                        </p:attrNameLst>
+                                      </p:cBhvr>
+                                    </p:animMotion>
+                                  </p:childTnLst>
+                                </p:cTn>
+                              </p:par>
+                              <p:par>
+                                <p:cTn id="43" presetID="1" presetClass="exit" presetSubtype="0" fill="hold" grpId="0" nodeType="withEffect">
                                   <p:stCondLst>
                                     <p:cond delay="0"/>
                                   </p:stCondLst>
                                   <p:childTnLst>
                                     <p:set>
                                       <p:cBhvr>
-                                        <p:cTn id="42" dur="1" fill="hold">
+                                        <p:cTn id="44" dur="1" fill="hold">
+                                          <p:stCondLst>
+                                            <p:cond delay="0"/>
+                                          </p:stCondLst>
+                                        </p:cTn>
+                                        <p:tgtEl>
+                                          <p:spTgt spid="78"/>
+                                        </p:tgtEl>
+                                        <p:attrNameLst>
+                                          <p:attrName>style.visibility</p:attrName>
+                                        </p:attrNameLst>
+                                      </p:cBhvr>
+                                      <p:to>
+                                        <p:strVal val="hidden"/>
+                                      </p:to>
+                                    </p:set>
+                                  </p:childTnLst>
+                                </p:cTn>
+                              </p:par>
+                            </p:childTnLst>
+                          </p:cTn>
+                        </p:par>
+                      </p:childTnLst>
+                    </p:cTn>
+                  </p:par>
+                  <p:par>
+                    <p:cTn id="45" fill="hold">
+                      <p:stCondLst>
+                        <p:cond delay="indefinite"/>
+                      </p:stCondLst>
+                      <p:childTnLst>
+                        <p:par>
+                          <p:cTn id="46" fill="hold">
+                            <p:stCondLst>
+                              <p:cond delay="0"/>
+                            </p:stCondLst>
+                            <p:childTnLst>
+                              <p:par>
+                                <p:cTn id="47" presetID="1" presetClass="entr" presetSubtype="0" fill="hold" grpId="0" nodeType="clickEffect">
+                                  <p:stCondLst>
+                                    <p:cond delay="0"/>
+                                  </p:stCondLst>
+                                  <p:childTnLst>
+                                    <p:set>
+                                      <p:cBhvr>
+                                        <p:cTn id="48" dur="1" fill="hold">
+                                          <p:stCondLst>
+                                            <p:cond delay="0"/>
+                                          </p:stCondLst>
+                                        </p:cTn>
+                                        <p:tgtEl>
+                                          <p:spTgt spid="95"/>
+                                        </p:tgtEl>
+                                        <p:attrNameLst>
+                                          <p:attrName>style.visibility</p:attrName>
+                                        </p:attrNameLst>
+                                      </p:cBhvr>
+                                      <p:to>
+                                        <p:strVal val="visible"/>
+                                      </p:to>
+                                    </p:set>
+                                  </p:childTnLst>
+                                </p:cTn>
+                              </p:par>
+                              <p:par>
+                                <p:cTn id="49" presetID="1" presetClass="exit" presetSubtype="0" fill="hold" grpId="0" nodeType="withEffect">
+                                  <p:stCondLst>
+                                    <p:cond delay="0"/>
+                                  </p:stCondLst>
+                                  <p:childTnLst>
+                                    <p:set>
+                                      <p:cBhvr>
+                                        <p:cTn id="50" dur="1" fill="hold">
+                                          <p:stCondLst>
+                                            <p:cond delay="0"/>
+                                          </p:stCondLst>
+                                        </p:cTn>
+                                        <p:tgtEl>
+                                          <p:spTgt spid="79"/>
+                                        </p:tgtEl>
+                                        <p:attrNameLst>
+                                          <p:attrName>style.visibility</p:attrName>
+                                        </p:attrNameLst>
+                                      </p:cBhvr>
+                                      <p:to>
+                                        <p:strVal val="hidden"/>
+                                      </p:to>
+                                    </p:set>
+                                  </p:childTnLst>
+                                </p:cTn>
+                              </p:par>
+                            </p:childTnLst>
+                          </p:cTn>
+                        </p:par>
+                      </p:childTnLst>
+                    </p:cTn>
+                  </p:par>
+                  <p:par>
+                    <p:cTn id="51" fill="hold">
+                      <p:stCondLst>
+                        <p:cond delay="indefinite"/>
+                      </p:stCondLst>
+                      <p:childTnLst>
+                        <p:par>
+                          <p:cTn id="52" fill="hold">
+                            <p:stCondLst>
+                              <p:cond delay="0"/>
+                            </p:stCondLst>
+                            <p:childTnLst>
+                              <p:par>
+                                <p:cTn id="53" presetID="1" presetClass="entr" presetSubtype="0" fill="hold" nodeType="clickEffect">
+                                  <p:stCondLst>
+                                    <p:cond delay="0"/>
+                                  </p:stCondLst>
+                                  <p:childTnLst>
+                                    <p:set>
+                                      <p:cBhvr>
+                                        <p:cTn id="54" dur="1" fill="hold">
+                                          <p:stCondLst>
+                                            <p:cond delay="0"/>
+                                          </p:stCondLst>
+                                        </p:cTn>
+                                        <p:tgtEl>
+                                          <p:spTgt spid="97"/>
+                                        </p:tgtEl>
+                                        <p:attrNameLst>
+                                          <p:attrName>style.visibility</p:attrName>
+                                        </p:attrNameLst>
+                                      </p:cBhvr>
+                                      <p:to>
+                                        <p:strVal val="visible"/>
+                                      </p:to>
+                                    </p:set>
+                                  </p:childTnLst>
+                                </p:cTn>
+                              </p:par>
+                              <p:par>
+                                <p:cTn id="55" presetID="1" presetClass="exit" presetSubtype="0" fill="hold" grpId="0" nodeType="withEffect">
+                                  <p:stCondLst>
+                                    <p:cond delay="0"/>
+                                  </p:stCondLst>
+                                  <p:childTnLst>
+                                    <p:set>
+                                      <p:cBhvr>
+                                        <p:cTn id="56" dur="1" fill="hold">
+                                          <p:stCondLst>
+                                            <p:cond delay="0"/>
+                                          </p:stCondLst>
+                                        </p:cTn>
+                                        <p:tgtEl>
+                                          <p:spTgt spid="80"/>
+                                        </p:tgtEl>
+                                        <p:attrNameLst>
+                                          <p:attrName>style.visibility</p:attrName>
+                                        </p:attrNameLst>
+                                      </p:cBhvr>
+                                      <p:to>
+                                        <p:strVal val="hidden"/>
+                                      </p:to>
+                                    </p:set>
+                                  </p:childTnLst>
+                                </p:cTn>
+                              </p:par>
+                            </p:childTnLst>
+                          </p:cTn>
+                        </p:par>
+                      </p:childTnLst>
+                    </p:cTn>
+                  </p:par>
+                  <p:par>
+                    <p:cTn id="57" fill="hold">
+                      <p:stCondLst>
+                        <p:cond delay="indefinite"/>
+                      </p:stCondLst>
+                      <p:childTnLst>
+                        <p:par>
+                          <p:cTn id="58" fill="hold">
+                            <p:stCondLst>
+                              <p:cond delay="0"/>
+                            </p:stCondLst>
+                            <p:childTnLst>
+                              <p:par>
+                                <p:cTn id="59" presetID="1" presetClass="entr" presetSubtype="0" fill="hold" nodeType="clickEffect">
+                                  <p:stCondLst>
+                                    <p:cond delay="0"/>
+                                  </p:stCondLst>
+                                  <p:childTnLst>
+                                    <p:set>
+                                      <p:cBhvr>
+                                        <p:cTn id="60" dur="1" fill="hold">
                                           <p:stCondLst>
                                             <p:cond delay="0"/>
                                           </p:stCondLst>
@@ -11472,6 +11284,33 @@
                                       </p:cBhvr>
                                       <p:to>
                                         <p:strVal val="visible"/>
+                                      </p:to>
+                                    </p:set>
+                                  </p:childTnLst>
+                                </p:cTn>
+                              </p:par>
+                              <p:par>
+                                <p:cTn id="61" presetID="1" presetClass="exit" presetSubtype="0" fill="hold" grpId="0" nodeType="withEffect">
+                                  <p:stCondLst>
+                                    <p:cond delay="0"/>
+                                  </p:stCondLst>
+                                  <p:childTnLst>
+                                    <p:set>
+                                      <p:cBhvr>
+                                        <p:cTn id="62" dur="1" fill="hold">
+                                          <p:stCondLst>
+                                            <p:cond delay="0"/>
+                                          </p:stCondLst>
+                                        </p:cTn>
+                                        <p:tgtEl>
+                                          <p:spTgt spid="82"/>
+                                        </p:tgtEl>
+                                        <p:attrNameLst>
+                                          <p:attrName>style.visibility</p:attrName>
+                                        </p:attrNameLst>
+                                      </p:cBhvr>
+                                      <p:to>
+                                        <p:strVal val="hidden"/>
                                       </p:to>
                                     </p:set>
                                   </p:childTnLst>
@@ -11511,12 +11350,22 @@
       <p:bldP spid="73" grpId="0" animBg="1"/>
       <p:bldP spid="85" grpId="0" animBg="1"/>
       <p:bldP spid="85" grpId="1" animBg="1"/>
+      <p:bldP spid="2" grpId="0"/>
+      <p:bldP spid="70" grpId="0"/>
+      <p:bldP spid="71" grpId="0"/>
+      <p:bldP spid="74" grpId="0"/>
+      <p:bldP spid="76" grpId="0"/>
+      <p:bldP spid="77" grpId="0"/>
+      <p:bldP spid="78" grpId="0"/>
+      <p:bldP spid="79" grpId="0"/>
+      <p:bldP spid="80" grpId="0"/>
+      <p:bldP spid="82" grpId="0"/>
     </p:bldLst>
   </p:timing>
 </p:sld>
 </file>
 
-<file path=ppt/slides/slide12.xml><?xml version="1.0" encoding="utf-8"?>
+<file path=ppt/slides/slide11.xml><?xml version="1.0" encoding="utf-8"?>
 <p:sld xmlns:a="http://schemas.openxmlformats.org/drawingml/2006/main" xmlns:r="http://schemas.openxmlformats.org/officeDocument/2006/relationships" xmlns:p="http://schemas.openxmlformats.org/presentationml/2006/main">
   <p:cSld>
     <p:spTree>
@@ -12674,7 +12523,7 @@
 </p:sld>
 </file>
 
-<file path=ppt/slides/slide13.xml><?xml version="1.0" encoding="utf-8"?>
+<file path=ppt/slides/slide12.xml><?xml version="1.0" encoding="utf-8"?>
 <p:sld xmlns:a="http://schemas.openxmlformats.org/drawingml/2006/main" xmlns:r="http://schemas.openxmlformats.org/officeDocument/2006/relationships" xmlns:p="http://schemas.openxmlformats.org/presentationml/2006/main">
   <p:cSld>
     <p:spTree>
@@ -12854,7 +12703,7 @@
 </p:sld>
 </file>
 
-<file path=ppt/slides/slide14.xml><?xml version="1.0" encoding="utf-8"?>
+<file path=ppt/slides/slide13.xml><?xml version="1.0" encoding="utf-8"?>
 <p:sld xmlns:a="http://schemas.openxmlformats.org/drawingml/2006/main" xmlns:r="http://schemas.openxmlformats.org/officeDocument/2006/relationships" xmlns:p="http://schemas.openxmlformats.org/presentationml/2006/main">
   <p:cSld>
     <p:spTree>
@@ -12999,7 +12848,7 @@
 </p:sld>
 </file>
 
-<file path=ppt/slides/slide15.xml><?xml version="1.0" encoding="utf-8"?>
+<file path=ppt/slides/slide14.xml><?xml version="1.0" encoding="utf-8"?>
 <p:sld xmlns:a="http://schemas.openxmlformats.org/drawingml/2006/main" xmlns:r="http://schemas.openxmlformats.org/officeDocument/2006/relationships" xmlns:p="http://schemas.openxmlformats.org/presentationml/2006/main">
   <p:cSld>
     <p:spTree>
@@ -14532,7 +14381,7 @@
             <a:pPr lvl="1"/>
             <a:r>
               <a:rPr lang="en-US" dirty="0"/>
-              <a:t>Regression testing </a:t>
+              <a:t>Development testing </a:t>
             </a:r>
           </a:p>
           <a:p>
@@ -14656,7 +14505,7 @@
 </file>
 
 <file path=ppt/slides/slide4.xml><?xml version="1.0" encoding="utf-8"?>
-<p:sld xmlns:a="http://schemas.openxmlformats.org/drawingml/2006/main" xmlns:r="http://schemas.openxmlformats.org/officeDocument/2006/relationships" xmlns:p="http://schemas.openxmlformats.org/presentationml/2006/main" show="0">
+<p:sld xmlns:a="http://schemas.openxmlformats.org/drawingml/2006/main" xmlns:r="http://schemas.openxmlformats.org/officeDocument/2006/relationships" xmlns:p="http://schemas.openxmlformats.org/presentationml/2006/main">
   <p:cSld>
     <p:spTree>
       <p:nvGrpSpPr>
@@ -14684,15 +14533,17 @@
         </p:nvSpPr>
         <p:spPr/>
         <p:txBody>
-          <a:bodyPr>
-            <a:normAutofit/>
-          </a:bodyPr>
+          <a:bodyPr/>
           <a:lstStyle/>
           <a:p>
             <a:r>
               <a:rPr lang="en-US" dirty="0"/>
-              <a:t>Why not always use the most stringent testing?</a:t>
-            </a:r>
+              <a:t>Additional Notes: Good Testing Practices</a:t>
+            </a:r>
+            <a:br>
+              <a:rPr lang="en-US" dirty="0"/>
+            </a:br>
+            <a:endParaRPr lang="en-US" dirty="0"/>
           </a:p>
         </p:txBody>
       </p:sp>
@@ -14708,432 +14559,101 @@
         </p:nvSpPr>
         <p:spPr>
           <a:xfrm>
-            <a:off x="368424" y="1039350"/>
-            <a:ext cx="11534016" cy="5407170"/>
+            <a:off x="368424" y="1177290"/>
+            <a:ext cx="11369809" cy="4047778"/>
           </a:xfrm>
         </p:spPr>
         <p:txBody>
-          <a:bodyPr>
-            <a:normAutofit/>
-          </a:bodyPr>
+          <a:bodyPr/>
           <a:lstStyle/>
           <a:p>
             <a:r>
               <a:rPr lang="en-US" dirty="0"/>
-              <a:t>Effort spent in devising running and maintaining test suite is a tax on team resources</a:t>
+              <a:t>Verify code coverage</a:t>
             </a:r>
           </a:p>
           <a:p>
             <a:r>
               <a:rPr lang="en-US" dirty="0"/>
-              <a:t>When the tax is too high…</a:t>
+              <a:t>Must have consistent policy on dealing with failed tests</a:t>
             </a:r>
           </a:p>
           <a:p>
             <a:pPr lvl="1"/>
             <a:r>
               <a:rPr lang="en-US" dirty="0"/>
-              <a:t>Team cannot meet code-use objectives</a:t>
-            </a:r>
-          </a:p>
-          <a:p>
+              <a:t>Issue tracking</a:t>
+            </a:r>
+          </a:p>
+          <a:p>
+            <a:pPr lvl="2"/>
             <a:r>
               <a:rPr lang="en-US" dirty="0"/>
-              <a:t>When is the tax is too low…</a:t>
+              <a:t>How quickly does it need to be fixed?</a:t>
+            </a:r>
+          </a:p>
+          <a:p>
+            <a:pPr lvl="2"/>
+            <a:r>
+              <a:rPr lang="en-US" dirty="0"/>
+              <a:t>Who is responsible for fixing it?</a:t>
+            </a:r>
+          </a:p>
+          <a:p>
+            <a:r>
+              <a:rPr lang="en-US" dirty="0"/>
+              <a:t>Someone should be watching the test suite</a:t>
             </a:r>
           </a:p>
           <a:p>
             <a:pPr lvl="1"/>
             <a:r>
               <a:rPr lang="en-US" dirty="0"/>
-              <a:t>Necessary oversight not provided</a:t>
+              <a:t>Testing does no good if you ignore the results</a:t>
+            </a:r>
+          </a:p>
+          <a:p>
+            <a:r>
+              <a:rPr lang="en-US" dirty="0"/>
+              <a:t>When refactoring or adding new features, run a regression suite before check in</a:t>
             </a:r>
           </a:p>
           <a:p>
             <a:pPr lvl="1"/>
             <a:r>
               <a:rPr lang="en-US" dirty="0"/>
-              <a:t>Defects in code sneak through </a:t>
-            </a:r>
-          </a:p>
-          <a:p>
-            <a:r>
-              <a:rPr lang="en-US" b="1" dirty="0">
-                <a:solidFill>
-                  <a:schemeClr val="bg1"/>
-                </a:solidFill>
-                <a:highlight>
-                  <a:srgbClr val="43B1E5"/>
-                </a:highlight>
-              </a:rPr>
-              <a:t>Team Meeting!</a:t>
-            </a:r>
+              <a:t>Add new regression tests or modify existing ones for the new features</a:t>
+            </a:r>
+          </a:p>
+          <a:p>
             <a:r>
               <a:rPr lang="en-US" dirty="0"/>
-              <a:t> Evaluate project needs:</a:t>
+              <a:t>Code review before releasing test suite is useful</a:t>
             </a:r>
           </a:p>
           <a:p>
             <a:pPr lvl="1"/>
             <a:r>
               <a:rPr lang="en-US" dirty="0"/>
-              <a:t>Objectives: expected use of the code</a:t>
+              <a:t>Another person may spot issues you didn’t</a:t>
             </a:r>
           </a:p>
           <a:p>
             <a:pPr lvl="1"/>
             <a:r>
               <a:rPr lang="en-US" dirty="0"/>
-              <a:t>Lifecycle stage: new or production or refactoring</a:t>
-            </a:r>
-          </a:p>
-          <a:p>
-            <a:pPr lvl="1"/>
-            <a:r>
-              <a:rPr lang="en-US" dirty="0"/>
-              <a:t>Team: size and degree of heterogeneity</a:t>
-            </a:r>
-          </a:p>
-          <a:p>
-            <a:pPr lvl="1"/>
-            <a:r>
-              <a:rPr lang="en-US" dirty="0"/>
-              <a:t>Lifetime: one off or ongoing production</a:t>
-            </a:r>
-          </a:p>
-          <a:p>
-            <a:pPr lvl="1"/>
-            <a:r>
-              <a:rPr lang="en-US" dirty="0"/>
-              <a:t>Complexity: modules and their interactions</a:t>
-            </a:r>
-          </a:p>
-          <a:p>
-            <a:pPr lvl="1"/>
+              <a:t>Incredibly cost-effective</a:t>
+            </a:r>
+          </a:p>
+          <a:p>
             <a:endParaRPr lang="en-US" dirty="0"/>
-          </a:p>
-        </p:txBody>
-      </p:sp>
-      <p:grpSp>
-        <p:nvGrpSpPr>
-          <p:cNvPr id="8" name="Group 7">
-            <a:extLst>
-              <a:ext uri="{FF2B5EF4-FFF2-40B4-BE49-F238E27FC236}">
-                <a16:creationId xmlns:a16="http://schemas.microsoft.com/office/drawing/2014/main" id="{4F52AD71-49C7-F743-AB85-85CD4BA5138B}"/>
-              </a:ext>
-            </a:extLst>
-          </p:cNvPr>
-          <p:cNvGrpSpPr/>
-          <p:nvPr/>
-        </p:nvGrpSpPr>
-        <p:grpSpPr>
-          <a:xfrm>
-            <a:off x="8374783" y="4201194"/>
-            <a:ext cx="2079986" cy="1631092"/>
-            <a:chOff x="9658247" y="3805881"/>
-            <a:chExt cx="2079986" cy="1631092"/>
-          </a:xfrm>
-        </p:grpSpPr>
-        <p:sp>
-          <p:nvSpPr>
-            <p:cNvPr id="7" name="Rectangle 6">
-              <a:extLst>
-                <a:ext uri="{FF2B5EF4-FFF2-40B4-BE49-F238E27FC236}">
-                  <a16:creationId xmlns:a16="http://schemas.microsoft.com/office/drawing/2014/main" id="{21CD3229-5C0E-644A-9E27-95DBEE5BDB8C}"/>
-                </a:ext>
-              </a:extLst>
-            </p:cNvPr>
-            <p:cNvSpPr/>
-            <p:nvPr/>
-          </p:nvSpPr>
-          <p:spPr>
-            <a:xfrm>
-              <a:off x="9658247" y="3805881"/>
-              <a:ext cx="2079986" cy="1631092"/>
-            </a:xfrm>
-            <a:prstGeom prst="rect">
-              <a:avLst/>
-            </a:prstGeom>
-            <a:solidFill>
-              <a:schemeClr val="accent3">
-                <a:alpha val="58000"/>
-              </a:schemeClr>
-            </a:solidFill>
-            <a:ln>
-              <a:noFill/>
-            </a:ln>
-            <a:effectLst>
-              <a:outerShdw blurRad="44450" dist="27940" dir="5400000" algn="ctr">
-                <a:srgbClr val="000000">
-                  <a:alpha val="32000"/>
-                </a:srgbClr>
-              </a:outerShdw>
-            </a:effectLst>
-          </p:spPr>
-          <p:txBody>
-            <a:bodyPr rot="0" spcFirstLastPara="0" vertOverflow="overflow" horzOverflow="overflow" vert="horz" wrap="square" lIns="121851" tIns="60925" rIns="121851" bIns="60925" numCol="1" spcCol="0" rtlCol="0" fromWordArt="0" anchor="ctr" anchorCtr="0" forceAA="0" compatLnSpc="1">
-              <a:prstTxWarp prst="textNoShape">
-                <a:avLst/>
-              </a:prstTxWarp>
-              <a:noAutofit/>
-            </a:bodyPr>
-            <a:lstStyle/>
-            <a:p>
-              <a:pPr algn="ctr">
-                <a:lnSpc>
-                  <a:spcPct val="90000"/>
-                </a:lnSpc>
-              </a:pPr>
-              <a:endParaRPr lang="en-US" sz="2000" dirty="0">
-                <a:solidFill>
-                  <a:schemeClr val="bg1"/>
-                </a:solidFill>
-              </a:endParaRPr>
-            </a:p>
-          </p:txBody>
-        </p:sp>
-        <p:sp>
-          <p:nvSpPr>
-            <p:cNvPr id="4" name="Rectangle 3">
-              <a:extLst>
-                <a:ext uri="{FF2B5EF4-FFF2-40B4-BE49-F238E27FC236}">
-                  <a16:creationId xmlns:a16="http://schemas.microsoft.com/office/drawing/2014/main" id="{C391ED94-7A5C-414B-8853-D5F0C063BB90}"/>
-                </a:ext>
-              </a:extLst>
-            </p:cNvPr>
-            <p:cNvSpPr/>
-            <p:nvPr/>
-          </p:nvSpPr>
-          <p:spPr>
-            <a:xfrm>
-              <a:off x="10056889" y="4079744"/>
-              <a:ext cx="1285103" cy="1083365"/>
-            </a:xfrm>
-            <a:prstGeom prst="rect">
-              <a:avLst/>
-            </a:prstGeom>
-            <a:solidFill>
-              <a:srgbClr val="FF0000"/>
-            </a:solidFill>
-            <a:ln>
-              <a:noFill/>
-            </a:ln>
-            <a:effectLst>
-              <a:outerShdw blurRad="44450" dist="27940" dir="5400000" algn="ctr">
-                <a:srgbClr val="000000">
-                  <a:alpha val="32000"/>
-                </a:srgbClr>
-              </a:outerShdw>
-            </a:effectLst>
-          </p:spPr>
-          <p:txBody>
-            <a:bodyPr rot="0" spcFirstLastPara="0" vertOverflow="overflow" horzOverflow="overflow" vert="horz" wrap="square" lIns="121851" tIns="60925" rIns="121851" bIns="60925" numCol="1" spcCol="0" rtlCol="0" fromWordArt="0" anchor="ctr" anchorCtr="0" forceAA="0" compatLnSpc="1">
-              <a:prstTxWarp prst="textNoShape">
-                <a:avLst/>
-              </a:prstTxWarp>
-              <a:noAutofit/>
-            </a:bodyPr>
-            <a:lstStyle/>
-            <a:p>
-              <a:pPr algn="ctr">
-                <a:lnSpc>
-                  <a:spcPct val="90000"/>
-                </a:lnSpc>
-              </a:pPr>
-              <a:r>
-                <a:rPr lang="en-US" sz="2000" dirty="0">
-                  <a:solidFill>
-                    <a:schemeClr val="bg1"/>
-                  </a:solidFill>
-                </a:rPr>
-                <a:t>rank 3</a:t>
-              </a:r>
-            </a:p>
-          </p:txBody>
-        </p:sp>
-      </p:grpSp>
-      <p:grpSp>
-        <p:nvGrpSpPr>
-          <p:cNvPr id="9" name="Group 8">
-            <a:extLst>
-              <a:ext uri="{FF2B5EF4-FFF2-40B4-BE49-F238E27FC236}">
-                <a16:creationId xmlns:a16="http://schemas.microsoft.com/office/drawing/2014/main" id="{9D9D52F9-164F-C14E-AF03-DD3B5FF29853}"/>
-              </a:ext>
-            </a:extLst>
-          </p:cNvPr>
-          <p:cNvGrpSpPr/>
-          <p:nvPr/>
-        </p:nvGrpSpPr>
-        <p:grpSpPr>
-          <a:xfrm>
-            <a:off x="9658247" y="3144205"/>
-            <a:ext cx="2079986" cy="1631092"/>
-            <a:chOff x="9658247" y="3805881"/>
-            <a:chExt cx="2079986" cy="1631092"/>
-          </a:xfrm>
-        </p:grpSpPr>
-        <p:sp>
-          <p:nvSpPr>
-            <p:cNvPr id="10" name="Rectangle 9">
-              <a:extLst>
-                <a:ext uri="{FF2B5EF4-FFF2-40B4-BE49-F238E27FC236}">
-                  <a16:creationId xmlns:a16="http://schemas.microsoft.com/office/drawing/2014/main" id="{77CCBD93-666E-C549-9297-51219A2BBC13}"/>
-                </a:ext>
-              </a:extLst>
-            </p:cNvPr>
-            <p:cNvSpPr/>
-            <p:nvPr/>
-          </p:nvSpPr>
-          <p:spPr>
-            <a:xfrm>
-              <a:off x="9658247" y="3805881"/>
-              <a:ext cx="2079986" cy="1631092"/>
-            </a:xfrm>
-            <a:prstGeom prst="rect">
-              <a:avLst/>
-            </a:prstGeom>
-            <a:solidFill>
-              <a:schemeClr val="accent3">
-                <a:alpha val="58000"/>
-              </a:schemeClr>
-            </a:solidFill>
-            <a:ln>
-              <a:noFill/>
-            </a:ln>
-            <a:effectLst>
-              <a:outerShdw blurRad="44450" dist="27940" dir="5400000" algn="ctr">
-                <a:srgbClr val="000000">
-                  <a:alpha val="32000"/>
-                </a:srgbClr>
-              </a:outerShdw>
-            </a:effectLst>
-          </p:spPr>
-          <p:txBody>
-            <a:bodyPr rot="0" spcFirstLastPara="0" vertOverflow="overflow" horzOverflow="overflow" vert="horz" wrap="square" lIns="121851" tIns="60925" rIns="121851" bIns="60925" numCol="1" spcCol="0" rtlCol="0" fromWordArt="0" anchor="ctr" anchorCtr="0" forceAA="0" compatLnSpc="1">
-              <a:prstTxWarp prst="textNoShape">
-                <a:avLst/>
-              </a:prstTxWarp>
-              <a:noAutofit/>
-            </a:bodyPr>
-            <a:lstStyle/>
-            <a:p>
-              <a:pPr algn="ctr">
-                <a:lnSpc>
-                  <a:spcPct val="90000"/>
-                </a:lnSpc>
-              </a:pPr>
-              <a:endParaRPr lang="en-US" sz="2000" dirty="0">
-                <a:solidFill>
-                  <a:schemeClr val="bg1"/>
-                </a:solidFill>
-              </a:endParaRPr>
-            </a:p>
-          </p:txBody>
-        </p:sp>
-        <p:sp>
-          <p:nvSpPr>
-            <p:cNvPr id="11" name="Rectangle 10">
-              <a:extLst>
-                <a:ext uri="{FF2B5EF4-FFF2-40B4-BE49-F238E27FC236}">
-                  <a16:creationId xmlns:a16="http://schemas.microsoft.com/office/drawing/2014/main" id="{4505E698-532E-6E49-A9DB-2E823F84AF90}"/>
-                </a:ext>
-              </a:extLst>
-            </p:cNvPr>
-            <p:cNvSpPr/>
-            <p:nvPr/>
-          </p:nvSpPr>
-          <p:spPr>
-            <a:xfrm>
-              <a:off x="10056889" y="4079744"/>
-              <a:ext cx="1285103" cy="1083365"/>
-            </a:xfrm>
-            <a:prstGeom prst="rect">
-              <a:avLst/>
-            </a:prstGeom>
-            <a:solidFill>
-              <a:srgbClr val="FF0000"/>
-            </a:solidFill>
-            <a:ln>
-              <a:noFill/>
-            </a:ln>
-            <a:effectLst>
-              <a:outerShdw blurRad="44450" dist="27940" dir="5400000" algn="ctr">
-                <a:srgbClr val="000000">
-                  <a:alpha val="32000"/>
-                </a:srgbClr>
-              </a:outerShdw>
-            </a:effectLst>
-          </p:spPr>
-          <p:txBody>
-            <a:bodyPr rot="0" spcFirstLastPara="0" vertOverflow="overflow" horzOverflow="overflow" vert="horz" wrap="square" lIns="121851" tIns="60925" rIns="121851" bIns="60925" numCol="1" spcCol="0" rtlCol="0" fromWordArt="0" anchor="ctr" anchorCtr="0" forceAA="0" compatLnSpc="1">
-              <a:prstTxWarp prst="textNoShape">
-                <a:avLst/>
-              </a:prstTxWarp>
-              <a:noAutofit/>
-            </a:bodyPr>
-            <a:lstStyle/>
-            <a:p>
-              <a:pPr algn="ctr">
-                <a:lnSpc>
-                  <a:spcPct val="90000"/>
-                </a:lnSpc>
-              </a:pPr>
-              <a:r>
-                <a:rPr lang="en-US" sz="2000" dirty="0">
-                  <a:solidFill>
-                    <a:schemeClr val="bg1"/>
-                  </a:solidFill>
-                </a:rPr>
-                <a:t>rank 2</a:t>
-              </a:r>
-            </a:p>
-          </p:txBody>
-        </p:sp>
-      </p:grpSp>
-      <p:sp>
-        <p:nvSpPr>
-          <p:cNvPr id="12" name="TextBox 11">
-            <a:extLst>
-              <a:ext uri="{FF2B5EF4-FFF2-40B4-BE49-F238E27FC236}">
-                <a16:creationId xmlns:a16="http://schemas.microsoft.com/office/drawing/2014/main" id="{4DFF52E9-D81A-FC4B-A3C2-D1EA25461CDB}"/>
-              </a:ext>
-            </a:extLst>
-          </p:cNvPr>
-          <p:cNvSpPr txBox="1"/>
-          <p:nvPr/>
-        </p:nvSpPr>
-        <p:spPr>
-          <a:xfrm>
-            <a:off x="10077604" y="4424679"/>
-            <a:ext cx="1201867" cy="433965"/>
-          </a:xfrm>
-          <a:prstGeom prst="rect">
-            <a:avLst/>
-          </a:prstGeom>
-          <a:noFill/>
-        </p:spPr>
-        <p:txBody>
-          <a:bodyPr wrap="none" lIns="118872" tIns="91440" rIns="118872" bIns="91440" rtlCol="0" anchor="ctr" anchorCtr="0">
-            <a:spAutoFit/>
-          </a:bodyPr>
-          <a:lstStyle/>
-          <a:p>
-            <a:pPr algn="l">
-              <a:lnSpc>
-                <a:spcPct val="90000"/>
-              </a:lnSpc>
-            </a:pPr>
-            <a:r>
-              <a:rPr lang="en-US" dirty="0"/>
-              <a:t>halo cells</a:t>
-            </a:r>
           </a:p>
         </p:txBody>
       </p:sp>
     </p:spTree>
     <p:extLst>
       <p:ext uri="{BB962C8B-B14F-4D97-AF65-F5344CB8AC3E}">
-        <p14:creationId xmlns:p14="http://schemas.microsoft.com/office/powerpoint/2010/main" val="2079579827"/>
+        <p14:creationId xmlns:p14="http://schemas.microsoft.com/office/powerpoint/2010/main" val="2338338090"/>
       </p:ext>
     </p:extLst>
   </p:cSld>
@@ -15142,10 +14662,10 @@
   </p:clrMapOvr>
   <mc:AlternateContent xmlns:mc="http://schemas.openxmlformats.org/markup-compatibility/2006" xmlns:p14="http://schemas.microsoft.com/office/powerpoint/2010/main">
     <mc:Choice Requires="p14">
-      <p:transition spd="slow" p14:dur="2000" advTm="120709"/>
+      <p:transition spd="slow" p14:dur="2000" advTm="50364"/>
     </mc:Choice>
     <mc:Fallback xmlns="">
-      <p:transition spd="slow" advTm="120709"/>
+      <p:transition spd="slow" advTm="50364"/>
     </mc:Fallback>
   </mc:AlternateContent>
 </p:sld>
@@ -15185,166 +14705,6 @@
           <a:p>
             <a:r>
               <a:rPr lang="en-US" dirty="0"/>
-              <a:t>Additional Notes: Good Testing Practices</a:t>
-            </a:r>
-            <a:br>
-              <a:rPr lang="en-US" dirty="0"/>
-            </a:br>
-            <a:endParaRPr lang="en-US" dirty="0"/>
-          </a:p>
-        </p:txBody>
-      </p:sp>
-      <p:sp>
-        <p:nvSpPr>
-          <p:cNvPr id="5" name="Content Placeholder 4"/>
-          <p:cNvSpPr>
-            <a:spLocks noGrp="1"/>
-          </p:cNvSpPr>
-          <p:nvPr>
-            <p:ph sz="quarter" idx="1"/>
-          </p:nvPr>
-        </p:nvSpPr>
-        <p:spPr>
-          <a:xfrm>
-            <a:off x="368424" y="1177290"/>
-            <a:ext cx="11369809" cy="4047778"/>
-          </a:xfrm>
-        </p:spPr>
-        <p:txBody>
-          <a:bodyPr/>
-          <a:lstStyle/>
-          <a:p>
-            <a:r>
-              <a:rPr lang="en-US" dirty="0"/>
-              <a:t>Verify Code coverage</a:t>
-            </a:r>
-          </a:p>
-          <a:p>
-            <a:r>
-              <a:rPr lang="en-US" dirty="0"/>
-              <a:t>Must have consistent policy on dealing with failed tests</a:t>
-            </a:r>
-          </a:p>
-          <a:p>
-            <a:pPr lvl="1"/>
-            <a:r>
-              <a:rPr lang="en-US" dirty="0"/>
-              <a:t>Issue tracking</a:t>
-            </a:r>
-          </a:p>
-          <a:p>
-            <a:pPr lvl="2"/>
-            <a:r>
-              <a:rPr lang="en-US" dirty="0"/>
-              <a:t>How quickly does it need to be fixed?</a:t>
-            </a:r>
-          </a:p>
-          <a:p>
-            <a:pPr lvl="2"/>
-            <a:r>
-              <a:rPr lang="en-US" dirty="0"/>
-              <a:t>Who is responsible for fixing it?</a:t>
-            </a:r>
-          </a:p>
-          <a:p>
-            <a:r>
-              <a:rPr lang="en-US" dirty="0"/>
-              <a:t>Someone should be watching the test suite</a:t>
-            </a:r>
-          </a:p>
-          <a:p>
-            <a:r>
-              <a:rPr lang="en-US" dirty="0"/>
-              <a:t>When refactoring or adding new features, run a regression suite before check in</a:t>
-            </a:r>
-          </a:p>
-          <a:p>
-            <a:pPr lvl="1"/>
-            <a:r>
-              <a:rPr lang="en-US" dirty="0"/>
-              <a:t>Add new regression tests or modify existing ones for the new features</a:t>
-            </a:r>
-          </a:p>
-          <a:p>
-            <a:r>
-              <a:rPr lang="en-US" dirty="0"/>
-              <a:t>Code review before releasing test suite is useful</a:t>
-            </a:r>
-          </a:p>
-          <a:p>
-            <a:pPr lvl="1"/>
-            <a:r>
-              <a:rPr lang="en-US" dirty="0"/>
-              <a:t>Another person may spot issues you didn’t</a:t>
-            </a:r>
-          </a:p>
-          <a:p>
-            <a:pPr lvl="1"/>
-            <a:r>
-              <a:rPr lang="en-US" dirty="0"/>
-              <a:t>Incredibly cost-effective</a:t>
-            </a:r>
-          </a:p>
-          <a:p>
-            <a:endParaRPr lang="en-US" dirty="0"/>
-          </a:p>
-        </p:txBody>
-      </p:sp>
-    </p:spTree>
-    <p:extLst>
-      <p:ext uri="{BB962C8B-B14F-4D97-AF65-F5344CB8AC3E}">
-        <p14:creationId xmlns:p14="http://schemas.microsoft.com/office/powerpoint/2010/main" val="2338338090"/>
-      </p:ext>
-    </p:extLst>
-  </p:cSld>
-  <p:clrMapOvr>
-    <a:masterClrMapping/>
-  </p:clrMapOvr>
-  <mc:AlternateContent xmlns:mc="http://schemas.openxmlformats.org/markup-compatibility/2006" xmlns:p14="http://schemas.microsoft.com/office/powerpoint/2010/main">
-    <mc:Choice Requires="p14">
-      <p:transition spd="slow" p14:dur="2000" advTm="50364"/>
-    </mc:Choice>
-    <mc:Fallback xmlns="">
-      <p:transition spd="slow" advTm="50364"/>
-    </mc:Fallback>
-  </mc:AlternateContent>
-</p:sld>
-</file>
-
-<file path=ppt/slides/slide6.xml><?xml version="1.0" encoding="utf-8"?>
-<p:sld xmlns:a="http://schemas.openxmlformats.org/drawingml/2006/main" xmlns:r="http://schemas.openxmlformats.org/officeDocument/2006/relationships" xmlns:p="http://schemas.openxmlformats.org/presentationml/2006/main">
-  <p:cSld>
-    <p:spTree>
-      <p:nvGrpSpPr>
-        <p:cNvPr id="1" name=""/>
-        <p:cNvGrpSpPr/>
-        <p:nvPr/>
-      </p:nvGrpSpPr>
-      <p:grpSpPr>
-        <a:xfrm>
-          <a:off x="0" y="0"/>
-          <a:ext cx="0" cy="0"/>
-          <a:chOff x="0" y="0"/>
-          <a:chExt cx="0" cy="0"/>
-        </a:xfrm>
-      </p:grpSpPr>
-      <p:sp>
-        <p:nvSpPr>
-          <p:cNvPr id="2" name="Title 1"/>
-          <p:cNvSpPr>
-            <a:spLocks noGrp="1"/>
-          </p:cNvSpPr>
-          <p:nvPr>
-            <p:ph type="title"/>
-          </p:nvPr>
-        </p:nvSpPr>
-        <p:spPr/>
-        <p:txBody>
-          <a:bodyPr/>
-          <a:lstStyle/>
-          <a:p>
-            <a:r>
-              <a:rPr lang="en-US" dirty="0"/>
               <a:t>Example 1: Test Development For a New Code</a:t>
             </a:r>
           </a:p>
@@ -15443,7 +14803,7 @@
 </p:sld>
 </file>
 
-<file path=ppt/slides/slide7.xml><?xml version="1.0" encoding="utf-8"?>
+<file path=ppt/slides/slide6.xml><?xml version="1.0" encoding="utf-8"?>
 <p:sld xmlns:a="http://schemas.openxmlformats.org/drawingml/2006/main" xmlns:r="http://schemas.openxmlformats.org/officeDocument/2006/relationships" xmlns:p="http://schemas.openxmlformats.org/presentationml/2006/main">
   <p:cSld>
     <p:spTree>
@@ -16282,7 +15642,7 @@
 </p:sld>
 </file>
 
-<file path=ppt/slides/slide8.xml><?xml version="1.0" encoding="utf-8"?>
+<file path=ppt/slides/slide7.xml><?xml version="1.0" encoding="utf-8"?>
 <p:sld xmlns:a="http://schemas.openxmlformats.org/drawingml/2006/main" xmlns:r="http://schemas.openxmlformats.org/officeDocument/2006/relationships" xmlns:p="http://schemas.openxmlformats.org/presentationml/2006/main">
   <p:cSld>
     <p:spTree>
@@ -16396,8 +15756,8 @@
         </p:blipFill>
         <p:spPr>
           <a:xfrm>
-            <a:off x="5704700" y="1517589"/>
-            <a:ext cx="4960523" cy="3846313"/>
+            <a:off x="5589773" y="1170642"/>
+            <a:ext cx="4049375" cy="3139823"/>
           </a:xfrm>
           <a:prstGeom prst="rect">
             <a:avLst/>
@@ -16576,6 +15936,343 @@
           </a:p>
         </p:txBody>
       </p:sp>
+      <p:grpSp>
+        <p:nvGrpSpPr>
+          <p:cNvPr id="9" name="Group 8">
+            <a:extLst>
+              <a:ext uri="{FF2B5EF4-FFF2-40B4-BE49-F238E27FC236}">
+                <a16:creationId xmlns:a16="http://schemas.microsoft.com/office/drawing/2014/main" id="{570313D9-E171-4A68-909F-A62D69895242}"/>
+              </a:ext>
+            </a:extLst>
+          </p:cNvPr>
+          <p:cNvGrpSpPr/>
+          <p:nvPr/>
+        </p:nvGrpSpPr>
+        <p:grpSpPr>
+          <a:xfrm>
+            <a:off x="8661002" y="3390408"/>
+            <a:ext cx="3363450" cy="2688081"/>
+            <a:chOff x="8374783" y="3144205"/>
+            <a:chExt cx="3363450" cy="2688081"/>
+          </a:xfrm>
+        </p:grpSpPr>
+        <p:grpSp>
+          <p:nvGrpSpPr>
+            <p:cNvPr id="10" name="Group 9">
+              <a:extLst>
+                <a:ext uri="{FF2B5EF4-FFF2-40B4-BE49-F238E27FC236}">
+                  <a16:creationId xmlns:a16="http://schemas.microsoft.com/office/drawing/2014/main" id="{26CBAB12-1087-48FA-B24B-EC2B0AB63A7B}"/>
+                </a:ext>
+              </a:extLst>
+            </p:cNvPr>
+            <p:cNvGrpSpPr/>
+            <p:nvPr/>
+          </p:nvGrpSpPr>
+          <p:grpSpPr>
+            <a:xfrm>
+              <a:off x="8374783" y="4201194"/>
+              <a:ext cx="2079986" cy="1631092"/>
+              <a:chOff x="9658247" y="3805881"/>
+              <a:chExt cx="2079986" cy="1631092"/>
+            </a:xfrm>
+          </p:grpSpPr>
+          <p:sp>
+            <p:nvSpPr>
+              <p:cNvPr id="15" name="Rectangle 14">
+                <a:extLst>
+                  <a:ext uri="{FF2B5EF4-FFF2-40B4-BE49-F238E27FC236}">
+                    <a16:creationId xmlns:a16="http://schemas.microsoft.com/office/drawing/2014/main" id="{B61508E1-F51E-4DE1-82F6-84F7356776B2}"/>
+                  </a:ext>
+                </a:extLst>
+              </p:cNvPr>
+              <p:cNvSpPr/>
+              <p:nvPr/>
+            </p:nvSpPr>
+            <p:spPr>
+              <a:xfrm>
+                <a:off x="9658247" y="3805881"/>
+                <a:ext cx="2079986" cy="1631092"/>
+              </a:xfrm>
+              <a:prstGeom prst="rect">
+                <a:avLst/>
+              </a:prstGeom>
+              <a:solidFill>
+                <a:schemeClr val="accent3">
+                  <a:alpha val="58000"/>
+                </a:schemeClr>
+              </a:solidFill>
+              <a:ln>
+                <a:noFill/>
+              </a:ln>
+              <a:effectLst>
+                <a:outerShdw blurRad="44450" dist="27940" dir="5400000" algn="ctr">
+                  <a:srgbClr val="000000">
+                    <a:alpha val="32000"/>
+                  </a:srgbClr>
+                </a:outerShdw>
+              </a:effectLst>
+            </p:spPr>
+            <p:txBody>
+              <a:bodyPr rot="0" spcFirstLastPara="0" vertOverflow="overflow" horzOverflow="overflow" vert="horz" wrap="square" lIns="121851" tIns="60925" rIns="121851" bIns="60925" numCol="1" spcCol="0" rtlCol="0" fromWordArt="0" anchor="ctr" anchorCtr="0" forceAA="0" compatLnSpc="1">
+                <a:prstTxWarp prst="textNoShape">
+                  <a:avLst/>
+                </a:prstTxWarp>
+                <a:noAutofit/>
+              </a:bodyPr>
+              <a:lstStyle/>
+              <a:p>
+                <a:pPr algn="ctr">
+                  <a:lnSpc>
+                    <a:spcPct val="90000"/>
+                  </a:lnSpc>
+                </a:pPr>
+                <a:endParaRPr lang="en-US" sz="2000" dirty="0">
+                  <a:solidFill>
+                    <a:schemeClr val="bg1"/>
+                  </a:solidFill>
+                </a:endParaRPr>
+              </a:p>
+            </p:txBody>
+          </p:sp>
+          <p:sp>
+            <p:nvSpPr>
+              <p:cNvPr id="16" name="Rectangle 15">
+                <a:extLst>
+                  <a:ext uri="{FF2B5EF4-FFF2-40B4-BE49-F238E27FC236}">
+                    <a16:creationId xmlns:a16="http://schemas.microsoft.com/office/drawing/2014/main" id="{7ADCD5B1-CF43-4EE0-9308-7AA1BB1D0EF4}"/>
+                  </a:ext>
+                </a:extLst>
+              </p:cNvPr>
+              <p:cNvSpPr/>
+              <p:nvPr/>
+            </p:nvSpPr>
+            <p:spPr>
+              <a:xfrm>
+                <a:off x="10056889" y="4079744"/>
+                <a:ext cx="1285103" cy="1083365"/>
+              </a:xfrm>
+              <a:prstGeom prst="rect">
+                <a:avLst/>
+              </a:prstGeom>
+              <a:solidFill>
+                <a:srgbClr val="FF0000"/>
+              </a:solidFill>
+              <a:ln>
+                <a:noFill/>
+              </a:ln>
+              <a:effectLst>
+                <a:outerShdw blurRad="44450" dist="27940" dir="5400000" algn="ctr">
+                  <a:srgbClr val="000000">
+                    <a:alpha val="32000"/>
+                  </a:srgbClr>
+                </a:outerShdw>
+              </a:effectLst>
+            </p:spPr>
+            <p:txBody>
+              <a:bodyPr rot="0" spcFirstLastPara="0" vertOverflow="overflow" horzOverflow="overflow" vert="horz" wrap="square" lIns="121851" tIns="60925" rIns="121851" bIns="60925" numCol="1" spcCol="0" rtlCol="0" fromWordArt="0" anchor="ctr" anchorCtr="0" forceAA="0" compatLnSpc="1">
+                <a:prstTxWarp prst="textNoShape">
+                  <a:avLst/>
+                </a:prstTxWarp>
+                <a:noAutofit/>
+              </a:bodyPr>
+              <a:lstStyle/>
+              <a:p>
+                <a:pPr algn="ctr">
+                  <a:lnSpc>
+                    <a:spcPct val="90000"/>
+                  </a:lnSpc>
+                </a:pPr>
+                <a:r>
+                  <a:rPr lang="en-US" sz="2000" dirty="0">
+                    <a:solidFill>
+                      <a:schemeClr val="bg1"/>
+                    </a:solidFill>
+                  </a:rPr>
+                  <a:t>rank 3</a:t>
+                </a:r>
+              </a:p>
+            </p:txBody>
+          </p:sp>
+        </p:grpSp>
+        <p:grpSp>
+          <p:nvGrpSpPr>
+            <p:cNvPr id="11" name="Group 10">
+              <a:extLst>
+                <a:ext uri="{FF2B5EF4-FFF2-40B4-BE49-F238E27FC236}">
+                  <a16:creationId xmlns:a16="http://schemas.microsoft.com/office/drawing/2014/main" id="{3D3F6BBC-E7DE-406A-98DC-9297519FB4BB}"/>
+                </a:ext>
+              </a:extLst>
+            </p:cNvPr>
+            <p:cNvGrpSpPr/>
+            <p:nvPr/>
+          </p:nvGrpSpPr>
+          <p:grpSpPr>
+            <a:xfrm>
+              <a:off x="9658247" y="3144205"/>
+              <a:ext cx="2079986" cy="1631092"/>
+              <a:chOff x="9658247" y="3805881"/>
+              <a:chExt cx="2079986" cy="1631092"/>
+            </a:xfrm>
+          </p:grpSpPr>
+          <p:sp>
+            <p:nvSpPr>
+              <p:cNvPr id="13" name="Rectangle 12">
+                <a:extLst>
+                  <a:ext uri="{FF2B5EF4-FFF2-40B4-BE49-F238E27FC236}">
+                    <a16:creationId xmlns:a16="http://schemas.microsoft.com/office/drawing/2014/main" id="{A39B3594-AC36-4557-9024-EAD76B73258C}"/>
+                  </a:ext>
+                </a:extLst>
+              </p:cNvPr>
+              <p:cNvSpPr/>
+              <p:nvPr/>
+            </p:nvSpPr>
+            <p:spPr>
+              <a:xfrm>
+                <a:off x="9658247" y="3805881"/>
+                <a:ext cx="2079986" cy="1631092"/>
+              </a:xfrm>
+              <a:prstGeom prst="rect">
+                <a:avLst/>
+              </a:prstGeom>
+              <a:solidFill>
+                <a:schemeClr val="accent3">
+                  <a:alpha val="58000"/>
+                </a:schemeClr>
+              </a:solidFill>
+              <a:ln>
+                <a:noFill/>
+              </a:ln>
+              <a:effectLst>
+                <a:outerShdw blurRad="44450" dist="27940" dir="5400000" algn="ctr">
+                  <a:srgbClr val="000000">
+                    <a:alpha val="32000"/>
+                  </a:srgbClr>
+                </a:outerShdw>
+              </a:effectLst>
+            </p:spPr>
+            <p:txBody>
+              <a:bodyPr rot="0" spcFirstLastPara="0" vertOverflow="overflow" horzOverflow="overflow" vert="horz" wrap="square" lIns="121851" tIns="60925" rIns="121851" bIns="60925" numCol="1" spcCol="0" rtlCol="0" fromWordArt="0" anchor="ctr" anchorCtr="0" forceAA="0" compatLnSpc="1">
+                <a:prstTxWarp prst="textNoShape">
+                  <a:avLst/>
+                </a:prstTxWarp>
+                <a:noAutofit/>
+              </a:bodyPr>
+              <a:lstStyle/>
+              <a:p>
+                <a:pPr algn="ctr">
+                  <a:lnSpc>
+                    <a:spcPct val="90000"/>
+                  </a:lnSpc>
+                </a:pPr>
+                <a:endParaRPr lang="en-US" sz="2000" dirty="0">
+                  <a:solidFill>
+                    <a:schemeClr val="bg1"/>
+                  </a:solidFill>
+                </a:endParaRPr>
+              </a:p>
+            </p:txBody>
+          </p:sp>
+          <p:sp>
+            <p:nvSpPr>
+              <p:cNvPr id="14" name="Rectangle 13">
+                <a:extLst>
+                  <a:ext uri="{FF2B5EF4-FFF2-40B4-BE49-F238E27FC236}">
+                    <a16:creationId xmlns:a16="http://schemas.microsoft.com/office/drawing/2014/main" id="{35760F93-11B0-49F2-8805-0DE14F75A1A6}"/>
+                  </a:ext>
+                </a:extLst>
+              </p:cNvPr>
+              <p:cNvSpPr/>
+              <p:nvPr/>
+            </p:nvSpPr>
+            <p:spPr>
+              <a:xfrm>
+                <a:off x="10056889" y="4079744"/>
+                <a:ext cx="1285103" cy="1083365"/>
+              </a:xfrm>
+              <a:prstGeom prst="rect">
+                <a:avLst/>
+              </a:prstGeom>
+              <a:solidFill>
+                <a:srgbClr val="FF0000"/>
+              </a:solidFill>
+              <a:ln>
+                <a:noFill/>
+              </a:ln>
+              <a:effectLst>
+                <a:outerShdw blurRad="44450" dist="27940" dir="5400000" algn="ctr">
+                  <a:srgbClr val="000000">
+                    <a:alpha val="32000"/>
+                  </a:srgbClr>
+                </a:outerShdw>
+              </a:effectLst>
+            </p:spPr>
+            <p:txBody>
+              <a:bodyPr rot="0" spcFirstLastPara="0" vertOverflow="overflow" horzOverflow="overflow" vert="horz" wrap="square" lIns="121851" tIns="60925" rIns="121851" bIns="60925" numCol="1" spcCol="0" rtlCol="0" fromWordArt="0" anchor="ctr" anchorCtr="0" forceAA="0" compatLnSpc="1">
+                <a:prstTxWarp prst="textNoShape">
+                  <a:avLst/>
+                </a:prstTxWarp>
+                <a:noAutofit/>
+              </a:bodyPr>
+              <a:lstStyle/>
+              <a:p>
+                <a:pPr algn="ctr">
+                  <a:lnSpc>
+                    <a:spcPct val="90000"/>
+                  </a:lnSpc>
+                </a:pPr>
+                <a:r>
+                  <a:rPr lang="en-US" sz="2000" dirty="0">
+                    <a:solidFill>
+                      <a:schemeClr val="bg1"/>
+                    </a:solidFill>
+                  </a:rPr>
+                  <a:t>rank 2</a:t>
+                </a:r>
+              </a:p>
+            </p:txBody>
+          </p:sp>
+        </p:grpSp>
+        <p:sp>
+          <p:nvSpPr>
+            <p:cNvPr id="12" name="TextBox 11">
+              <a:extLst>
+                <a:ext uri="{FF2B5EF4-FFF2-40B4-BE49-F238E27FC236}">
+                  <a16:creationId xmlns:a16="http://schemas.microsoft.com/office/drawing/2014/main" id="{85C8EB1C-1B43-4BB1-AD80-01F27D4A14FD}"/>
+                </a:ext>
+              </a:extLst>
+            </p:cNvPr>
+            <p:cNvSpPr txBox="1"/>
+            <p:nvPr/>
+          </p:nvSpPr>
+          <p:spPr>
+            <a:xfrm>
+              <a:off x="10077604" y="4424679"/>
+              <a:ext cx="1201867" cy="433965"/>
+            </a:xfrm>
+            <a:prstGeom prst="rect">
+              <a:avLst/>
+            </a:prstGeom>
+            <a:noFill/>
+          </p:spPr>
+          <p:txBody>
+            <a:bodyPr wrap="none" lIns="118872" tIns="91440" rIns="118872" bIns="91440" rtlCol="0" anchor="ctr" anchorCtr="0">
+              <a:spAutoFit/>
+            </a:bodyPr>
+            <a:lstStyle/>
+            <a:p>
+              <a:pPr algn="l">
+                <a:lnSpc>
+                  <a:spcPct val="90000"/>
+                </a:lnSpc>
+              </a:pPr>
+              <a:r>
+                <a:rPr lang="en-US" dirty="0"/>
+                <a:t>halo cells</a:t>
+              </a:r>
+            </a:p>
+          </p:txBody>
+        </p:sp>
+      </p:grpSp>
     </p:spTree>
     <p:custDataLst>
       <p:tags r:id="rId1"/>
@@ -16724,7 +16421,7 @@
 </p:sld>
 </file>
 
-<file path=ppt/slides/slide9.xml><?xml version="1.0" encoding="utf-8"?>
+<file path=ppt/slides/slide8.xml><?xml version="1.0" encoding="utf-8"?>
 <p:sld xmlns:a="http://schemas.openxmlformats.org/drawingml/2006/main" xmlns:r="http://schemas.openxmlformats.org/officeDocument/2006/relationships" xmlns:p="http://schemas.openxmlformats.org/presentationml/2006/main">
   <p:cSld>
     <p:spTree>
@@ -16843,7 +16540,7 @@
           <a:noFill/>
           <a:extLst>
             <a:ext uri="{909E8E84-426E-40dd-AFC4-6F175D3DCCD1}">
-              <a14:hiddenFill xmlns:a14="http://schemas.microsoft.com/office/drawing/2010/main" xmlns="">
+              <a14:hiddenFill xmlns="" xmlns:a14="http://schemas.microsoft.com/office/drawing/2010/main">
                 <a:solidFill>
                   <a:srgbClr val="FFFFFF"/>
                 </a:solidFill>
@@ -16969,20 +16666,27 @@
           <a:p>
             <a:pPr algn="ctr"/>
             <a:r>
-              <a:rPr lang="en-US" dirty="0" err="1">
+              <a:rPr lang="en-US" dirty="0">
                 <a:solidFill>
                   <a:schemeClr val="tx1"/>
                 </a:solidFill>
               </a:rPr>
-              <a:t>gc</a:t>
-            </a:r>
-            <a:r>
+              <a:t>Mesh</a:t>
+            </a:r>
+            <a:br>
               <a:rPr lang="en-US" dirty="0">
                 <a:solidFill>
                   <a:schemeClr val="tx1"/>
                 </a:solidFill>
               </a:rPr>
-              <a:t> test</a:t>
+            </a:br>
+            <a:r>
+              <a:rPr lang="en-US" dirty="0">
+                <a:solidFill>
+                  <a:schemeClr val="tx1"/>
+                </a:solidFill>
+              </a:rPr>
+              <a:t>test</a:t>
             </a:r>
           </a:p>
         </p:txBody>
@@ -17208,7 +16912,7 @@
           <a:p>
             <a:r>
               <a:rPr lang="en-US" dirty="0"/>
-              <a:t>Example 2: Structured Testing</a:t>
+              <a:t>Example 2: Structured Testing (continued)</a:t>
             </a:r>
           </a:p>
         </p:txBody>
@@ -17496,6 +17200,1254 @@
       <p:bldP spid="3" grpId="0"/>
     </p:bldLst>
   </p:timing>
+</p:sld>
+</file>
+
+<file path=ppt/slides/slide9.xml><?xml version="1.0" encoding="utf-8"?>
+<p:sld xmlns:a="http://schemas.openxmlformats.org/drawingml/2006/main" xmlns:r="http://schemas.openxmlformats.org/officeDocument/2006/relationships" xmlns:p="http://schemas.openxmlformats.org/presentationml/2006/main">
+  <p:cSld>
+    <p:spTree>
+      <p:nvGrpSpPr>
+        <p:cNvPr id="1" name=""/>
+        <p:cNvGrpSpPr/>
+        <p:nvPr/>
+      </p:nvGrpSpPr>
+      <p:grpSpPr>
+        <a:xfrm>
+          <a:off x="0" y="0"/>
+          <a:ext cx="0" cy="0"/>
+          <a:chOff x="0" y="0"/>
+          <a:chExt cx="0" cy="0"/>
+        </a:xfrm>
+      </p:grpSpPr>
+      <p:sp>
+        <p:nvSpPr>
+          <p:cNvPr id="4" name="Content Placeholder 2">
+            <a:extLst>
+              <a:ext uri="{FF2B5EF4-FFF2-40B4-BE49-F238E27FC236}">
+                <a16:creationId xmlns:a16="http://schemas.microsoft.com/office/drawing/2014/main" id="{F96DBD19-9A59-8442-A875-2C58BC3C471C}"/>
+              </a:ext>
+            </a:extLst>
+          </p:cNvPr>
+          <p:cNvSpPr txBox="1">
+            <a:spLocks/>
+          </p:cNvSpPr>
+          <p:nvPr/>
+        </p:nvSpPr>
+        <p:spPr bwMode="auto">
+          <a:xfrm>
+            <a:off x="365760" y="1022840"/>
+            <a:ext cx="11690773" cy="4978400"/>
+          </a:xfrm>
+          <a:prstGeom prst="rect">
+            <a:avLst/>
+          </a:prstGeom>
+          <a:noFill/>
+          <a:ln w="9525">
+            <a:noFill/>
+            <a:miter lim="800000"/>
+            <a:headEnd/>
+            <a:tailEnd/>
+          </a:ln>
+        </p:spPr>
+        <p:txBody>
+          <a:bodyPr vert="horz" wrap="square" lIns="91440" tIns="45720" rIns="91440" bIns="45720" numCol="1" anchor="t" anchorCtr="0" compatLnSpc="1">
+            <a:prstTxWarp prst="textNoShape">
+              <a:avLst/>
+            </a:prstTxWarp>
+            <a:noAutofit/>
+          </a:bodyPr>
+          <a:lstStyle>
+            <a:lvl1pPr marL="230188" indent="-230188" algn="l" rtl="0" eaLnBrk="1" fontAlgn="base" hangingPunct="1">
+              <a:lnSpc>
+                <a:spcPct val="90000"/>
+              </a:lnSpc>
+              <a:spcBef>
+                <a:spcPts val="1400"/>
+              </a:spcBef>
+              <a:spcAft>
+                <a:spcPct val="0"/>
+              </a:spcAft>
+              <a:buClr>
+                <a:schemeClr val="tx1"/>
+              </a:buClr>
+              <a:buFont typeface="Arial" charset="0"/>
+              <a:buChar char="•"/>
+              <a:defRPr sz="2800" kern="1200">
+                <a:solidFill>
+                  <a:schemeClr val="tx1"/>
+                </a:solidFill>
+                <a:latin typeface="Arial" panose="020B0604020202020204" pitchFamily="34" charset="0"/>
+                <a:ea typeface="+mn-ea"/>
+                <a:cs typeface="Arial" panose="020B0604020202020204" pitchFamily="34" charset="0"/>
+              </a:defRPr>
+            </a:lvl1pPr>
+            <a:lvl2pPr marL="625475" indent="-279400" algn="l" rtl="0" eaLnBrk="1" fontAlgn="base" hangingPunct="1">
+              <a:lnSpc>
+                <a:spcPct val="90000"/>
+              </a:lnSpc>
+              <a:spcBef>
+                <a:spcPts val="800"/>
+              </a:spcBef>
+              <a:spcAft>
+                <a:spcPct val="0"/>
+              </a:spcAft>
+              <a:buClr>
+                <a:schemeClr val="tx1"/>
+              </a:buClr>
+              <a:buFont typeface="Arial" charset="0"/>
+              <a:buChar char="–"/>
+              <a:defRPr sz="2400" kern="1200">
+                <a:solidFill>
+                  <a:schemeClr val="tx1"/>
+                </a:solidFill>
+                <a:latin typeface="Arial" panose="020B0604020202020204" pitchFamily="34" charset="0"/>
+                <a:ea typeface="+mn-ea"/>
+                <a:cs typeface="Arial" panose="020B0604020202020204" pitchFamily="34" charset="0"/>
+              </a:defRPr>
+            </a:lvl2pPr>
+            <a:lvl3pPr marL="914400" indent="-230188" algn="l" rtl="0" eaLnBrk="1" fontAlgn="base" hangingPunct="1">
+              <a:lnSpc>
+                <a:spcPct val="90000"/>
+              </a:lnSpc>
+              <a:spcBef>
+                <a:spcPts val="800"/>
+              </a:spcBef>
+              <a:spcAft>
+                <a:spcPct val="0"/>
+              </a:spcAft>
+              <a:buClr>
+                <a:schemeClr val="tx1"/>
+              </a:buClr>
+              <a:buFont typeface="Arial" charset="0"/>
+              <a:buChar char="•"/>
+              <a:defRPr sz="2000" kern="1200">
+                <a:solidFill>
+                  <a:schemeClr val="tx1"/>
+                </a:solidFill>
+                <a:latin typeface="Arial" panose="020B0604020202020204" pitchFamily="34" charset="0"/>
+                <a:ea typeface="+mn-ea"/>
+                <a:cs typeface="Arial" panose="020B0604020202020204" pitchFamily="34" charset="0"/>
+              </a:defRPr>
+            </a:lvl3pPr>
+            <a:lvl4pPr marL="1144588" indent="-173038" algn="l" rtl="0" eaLnBrk="1" fontAlgn="base" hangingPunct="1">
+              <a:lnSpc>
+                <a:spcPct val="90000"/>
+              </a:lnSpc>
+              <a:spcBef>
+                <a:spcPts val="800"/>
+              </a:spcBef>
+              <a:spcAft>
+                <a:spcPct val="0"/>
+              </a:spcAft>
+              <a:buClr>
+                <a:schemeClr val="tx1"/>
+              </a:buClr>
+              <a:buFont typeface="Arial" charset="0"/>
+              <a:buChar char="–"/>
+              <a:defRPr sz="1800" kern="1200">
+                <a:solidFill>
+                  <a:schemeClr val="tx1"/>
+                </a:solidFill>
+                <a:latin typeface="Arial" panose="020B0604020202020204" pitchFamily="34" charset="0"/>
+                <a:ea typeface="+mn-ea"/>
+                <a:cs typeface="Arial" panose="020B0604020202020204" pitchFamily="34" charset="0"/>
+              </a:defRPr>
+            </a:lvl4pPr>
+            <a:lvl5pPr marL="1482725" indent="-222250" algn="l" rtl="0" eaLnBrk="1" fontAlgn="base" hangingPunct="1">
+              <a:lnSpc>
+                <a:spcPct val="90000"/>
+              </a:lnSpc>
+              <a:spcBef>
+                <a:spcPts val="600"/>
+              </a:spcBef>
+              <a:spcAft>
+                <a:spcPct val="0"/>
+              </a:spcAft>
+              <a:buClr>
+                <a:schemeClr val="tx1"/>
+              </a:buClr>
+              <a:buFont typeface="Arial" panose="020B0604020202020204" pitchFamily="34" charset="0"/>
+              <a:buChar char="•"/>
+              <a:defRPr sz="1800" kern="1200">
+                <a:solidFill>
+                  <a:schemeClr val="tx1"/>
+                </a:solidFill>
+                <a:latin typeface="Arial" panose="020B0604020202020204" pitchFamily="34" charset="0"/>
+                <a:ea typeface="+mn-ea"/>
+                <a:cs typeface="Arial" panose="020B0604020202020204" pitchFamily="34" charset="0"/>
+              </a:defRPr>
+            </a:lvl5pPr>
+            <a:lvl6pPr marL="2514600" indent="-228600" algn="l" defTabSz="914400" rtl="0" eaLnBrk="1" latinLnBrk="0" hangingPunct="1">
+              <a:spcBef>
+                <a:spcPct val="20000"/>
+              </a:spcBef>
+              <a:buFont typeface="Arial" pitchFamily="34" charset="0"/>
+              <a:buChar char="•"/>
+              <a:defRPr sz="2000" kern="1200">
+                <a:solidFill>
+                  <a:schemeClr val="tx1"/>
+                </a:solidFill>
+                <a:latin typeface="+mn-lt"/>
+                <a:ea typeface="+mn-ea"/>
+                <a:cs typeface="+mn-cs"/>
+              </a:defRPr>
+            </a:lvl6pPr>
+            <a:lvl7pPr marL="2971800" indent="-228600" algn="l" defTabSz="914400" rtl="0" eaLnBrk="1" latinLnBrk="0" hangingPunct="1">
+              <a:spcBef>
+                <a:spcPct val="20000"/>
+              </a:spcBef>
+              <a:buFont typeface="Arial" pitchFamily="34" charset="0"/>
+              <a:buChar char="•"/>
+              <a:defRPr sz="2000" kern="1200">
+                <a:solidFill>
+                  <a:schemeClr val="tx1"/>
+                </a:solidFill>
+                <a:latin typeface="+mn-lt"/>
+                <a:ea typeface="+mn-ea"/>
+                <a:cs typeface="+mn-cs"/>
+              </a:defRPr>
+            </a:lvl7pPr>
+            <a:lvl8pPr marL="3429000" indent="-228600" algn="l" defTabSz="914400" rtl="0" eaLnBrk="1" latinLnBrk="0" hangingPunct="1">
+              <a:spcBef>
+                <a:spcPct val="20000"/>
+              </a:spcBef>
+              <a:buFont typeface="Arial" pitchFamily="34" charset="0"/>
+              <a:buChar char="•"/>
+              <a:defRPr sz="2000" kern="1200">
+                <a:solidFill>
+                  <a:schemeClr val="tx1"/>
+                </a:solidFill>
+                <a:latin typeface="+mn-lt"/>
+                <a:ea typeface="+mn-ea"/>
+                <a:cs typeface="+mn-cs"/>
+              </a:defRPr>
+            </a:lvl8pPr>
+            <a:lvl9pPr marL="3886200" indent="-228600" algn="l" defTabSz="914400" rtl="0" eaLnBrk="1" latinLnBrk="0" hangingPunct="1">
+              <a:spcBef>
+                <a:spcPct val="20000"/>
+              </a:spcBef>
+              <a:buFont typeface="Arial" pitchFamily="34" charset="0"/>
+              <a:buChar char="•"/>
+              <a:defRPr sz="2000" kern="1200">
+                <a:solidFill>
+                  <a:schemeClr val="tx1"/>
+                </a:solidFill>
+                <a:latin typeface="+mn-lt"/>
+                <a:ea typeface="+mn-ea"/>
+                <a:cs typeface="+mn-cs"/>
+              </a:defRPr>
+            </a:lvl9pPr>
+          </a:lstStyle>
+          <a:p>
+            <a:pPr marL="0" indent="0">
+              <a:buFont typeface="Arial" charset="0"/>
+              <a:buNone/>
+            </a:pPr>
+            <a:r>
+              <a:rPr lang="en-US" sz="2400" b="1" dirty="0"/>
+              <a:t>For complex individual modules, think about building confidence through a sequence of tests utilizing more module features</a:t>
+            </a:r>
+          </a:p>
+          <a:p>
+            <a:pPr marL="0" indent="0">
+              <a:buFont typeface="Arial" charset="0"/>
+              <a:buNone/>
+            </a:pPr>
+            <a:r>
+              <a:rPr lang="en-US" sz="2400" b="1" dirty="0"/>
+              <a:t>For AMR, correct behavior of flux conservation and </a:t>
+            </a:r>
+            <a:r>
+              <a:rPr lang="en-US" sz="2400" b="1" dirty="0" err="1"/>
+              <a:t>regridding</a:t>
+            </a:r>
+            <a:r>
+              <a:rPr lang="en-US" sz="2400" b="1" dirty="0"/>
+              <a:t> should also be verified.</a:t>
+            </a:r>
+          </a:p>
+          <a:p>
+            <a:pPr marL="395287" lvl="1" indent="0">
+              <a:buNone/>
+            </a:pPr>
+            <a:r>
+              <a:rPr lang="en-US" sz="2000" b="1" dirty="0"/>
+              <a:t>Reason about correctness for testing Flux correction and </a:t>
+            </a:r>
+            <a:r>
+              <a:rPr lang="en-US" sz="2000" b="1" dirty="0" err="1"/>
+              <a:t>regridding</a:t>
+            </a:r>
+            <a:endParaRPr lang="en-US" sz="2000" b="1" dirty="0"/>
+          </a:p>
+          <a:p>
+            <a:pPr marL="0" indent="0">
+              <a:buFont typeface="Arial" charset="0"/>
+              <a:buNone/>
+            </a:pPr>
+            <a:r>
+              <a:rPr lang="en-US" sz="2400" dirty="0"/>
+              <a:t>IF Guard Cell fill, and EOS unit tests passed…</a:t>
+            </a:r>
+          </a:p>
+          <a:p>
+            <a:r>
+              <a:rPr lang="en-US" sz="2400" dirty="0"/>
+              <a:t>Run Hydro without AMR</a:t>
+            </a:r>
+          </a:p>
+          <a:p>
+            <a:pPr lvl="1"/>
+            <a:r>
+              <a:rPr lang="en-US" sz="2000" dirty="0"/>
+              <a:t>If failed fault is in Hydro</a:t>
+            </a:r>
+          </a:p>
+          <a:p>
+            <a:r>
+              <a:rPr lang="en-US" sz="2400" dirty="0"/>
+              <a:t>Run Hydro with AMR, but no dynamic refinement</a:t>
+            </a:r>
+          </a:p>
+          <a:p>
+            <a:pPr lvl="1"/>
+            <a:r>
+              <a:rPr lang="en-US" sz="2000" dirty="0"/>
+              <a:t>If failed fault is in flux correction</a:t>
+            </a:r>
+          </a:p>
+          <a:p>
+            <a:r>
+              <a:rPr lang="en-US" sz="2400" dirty="0"/>
+              <a:t>Run Hydro with AMR and dynamic refinement</a:t>
+            </a:r>
+          </a:p>
+          <a:p>
+            <a:pPr lvl="1"/>
+            <a:r>
+              <a:rPr lang="en-US" sz="2000" dirty="0"/>
+              <a:t>If failed fault is in </a:t>
+            </a:r>
+            <a:r>
+              <a:rPr lang="en-US" sz="2000" dirty="0" err="1"/>
+              <a:t>regridding</a:t>
+            </a:r>
+            <a:endParaRPr lang="en-US" sz="2000" dirty="0"/>
+          </a:p>
+        </p:txBody>
+      </p:sp>
+      <p:sp>
+        <p:nvSpPr>
+          <p:cNvPr id="7" name="Title 1">
+            <a:extLst>
+              <a:ext uri="{FF2B5EF4-FFF2-40B4-BE49-F238E27FC236}">
+                <a16:creationId xmlns:a16="http://schemas.microsoft.com/office/drawing/2014/main" id="{71C1B735-296C-594B-9F1B-3061095DE275}"/>
+              </a:ext>
+            </a:extLst>
+          </p:cNvPr>
+          <p:cNvSpPr>
+            <a:spLocks noGrp="1"/>
+          </p:cNvSpPr>
+          <p:nvPr>
+            <p:ph type="title"/>
+          </p:nvPr>
+        </p:nvSpPr>
+        <p:spPr>
+          <a:xfrm>
+            <a:off x="365760" y="411480"/>
+            <a:ext cx="11372473" cy="914400"/>
+          </a:xfrm>
+        </p:spPr>
+        <p:txBody>
+          <a:bodyPr/>
+          <a:lstStyle/>
+          <a:p>
+            <a:r>
+              <a:rPr lang="en-US" dirty="0"/>
+              <a:t>Example 2: Structured Testing (continued)</a:t>
+            </a:r>
+          </a:p>
+        </p:txBody>
+      </p:sp>
+      <p:grpSp>
+        <p:nvGrpSpPr>
+          <p:cNvPr id="13" name="Group 12">
+            <a:extLst>
+              <a:ext uri="{FF2B5EF4-FFF2-40B4-BE49-F238E27FC236}">
+                <a16:creationId xmlns:a16="http://schemas.microsoft.com/office/drawing/2014/main" id="{4E984221-9427-44BB-A126-80CBCCBC334B}"/>
+              </a:ext>
+            </a:extLst>
+          </p:cNvPr>
+          <p:cNvGrpSpPr/>
+          <p:nvPr/>
+        </p:nvGrpSpPr>
+        <p:grpSpPr>
+          <a:xfrm>
+            <a:off x="9570427" y="2521047"/>
+            <a:ext cx="1662518" cy="1594736"/>
+            <a:chOff x="716435" y="868680"/>
+            <a:chExt cx="1662518" cy="1594736"/>
+          </a:xfrm>
+        </p:grpSpPr>
+        <p:sp>
+          <p:nvSpPr>
+            <p:cNvPr id="14" name="Donut 7">
+              <a:extLst>
+                <a:ext uri="{FF2B5EF4-FFF2-40B4-BE49-F238E27FC236}">
+                  <a16:creationId xmlns:a16="http://schemas.microsoft.com/office/drawing/2014/main" id="{B9AA34DF-ACF0-41AB-A083-B81F8CD07AAE}"/>
+                </a:ext>
+              </a:extLst>
+            </p:cNvPr>
+            <p:cNvSpPr/>
+            <p:nvPr/>
+          </p:nvSpPr>
+          <p:spPr>
+            <a:xfrm>
+              <a:off x="716435" y="1671928"/>
+              <a:ext cx="831259" cy="791488"/>
+            </a:xfrm>
+            <a:prstGeom prst="donut">
+              <a:avLst/>
+            </a:prstGeom>
+            <a:solidFill>
+              <a:schemeClr val="accent6">
+                <a:lumMod val="40000"/>
+                <a:lumOff val="60000"/>
+              </a:schemeClr>
+            </a:solidFill>
+            <a:ln>
+              <a:solidFill>
+                <a:schemeClr val="tx1"/>
+              </a:solidFill>
+            </a:ln>
+          </p:spPr>
+          <p:style>
+            <a:lnRef idx="1">
+              <a:schemeClr val="accent1"/>
+            </a:lnRef>
+            <a:fillRef idx="3">
+              <a:schemeClr val="accent1"/>
+            </a:fillRef>
+            <a:effectRef idx="2">
+              <a:schemeClr val="accent1"/>
+            </a:effectRef>
+            <a:fontRef idx="minor">
+              <a:schemeClr val="lt1"/>
+            </a:fontRef>
+          </p:style>
+          <p:txBody>
+            <a:bodyPr rtlCol="0" anchor="ctr"/>
+            <a:lstStyle/>
+            <a:p>
+              <a:pPr algn="ctr"/>
+              <a:r>
+                <a:rPr lang="en-US" sz="1200" dirty="0" err="1">
+                  <a:solidFill>
+                    <a:schemeClr val="tx1"/>
+                  </a:solidFill>
+                </a:rPr>
+                <a:t>gc</a:t>
+              </a:r>
+              <a:br>
+                <a:rPr lang="en-US" sz="1200" dirty="0">
+                  <a:solidFill>
+                    <a:schemeClr val="tx1"/>
+                  </a:solidFill>
+                </a:rPr>
+              </a:br>
+              <a:r>
+                <a:rPr lang="en-US" sz="1200" dirty="0">
+                  <a:solidFill>
+                    <a:schemeClr val="tx1"/>
+                  </a:solidFill>
+                </a:rPr>
+                <a:t>test</a:t>
+              </a:r>
+            </a:p>
+          </p:txBody>
+        </p:sp>
+        <p:sp>
+          <p:nvSpPr>
+            <p:cNvPr id="15" name="Donut 8">
+              <a:extLst>
+                <a:ext uri="{FF2B5EF4-FFF2-40B4-BE49-F238E27FC236}">
+                  <a16:creationId xmlns:a16="http://schemas.microsoft.com/office/drawing/2014/main" id="{68DF36B0-5DDC-4ED7-BB11-778F2539BD95}"/>
+                </a:ext>
+              </a:extLst>
+            </p:cNvPr>
+            <p:cNvSpPr/>
+            <p:nvPr/>
+          </p:nvSpPr>
+          <p:spPr>
+            <a:xfrm>
+              <a:off x="1547694" y="1671928"/>
+              <a:ext cx="831259" cy="791488"/>
+            </a:xfrm>
+            <a:prstGeom prst="donut">
+              <a:avLst/>
+            </a:prstGeom>
+            <a:solidFill>
+              <a:schemeClr val="accent6">
+                <a:lumMod val="40000"/>
+                <a:lumOff val="60000"/>
+              </a:schemeClr>
+            </a:solidFill>
+            <a:ln>
+              <a:solidFill>
+                <a:schemeClr val="tx1"/>
+              </a:solidFill>
+            </a:ln>
+          </p:spPr>
+          <p:style>
+            <a:lnRef idx="1">
+              <a:schemeClr val="accent1"/>
+            </a:lnRef>
+            <a:fillRef idx="3">
+              <a:schemeClr val="accent1"/>
+            </a:fillRef>
+            <a:effectRef idx="2">
+              <a:schemeClr val="accent1"/>
+            </a:effectRef>
+            <a:fontRef idx="minor">
+              <a:schemeClr val="lt1"/>
+            </a:fontRef>
+          </p:style>
+          <p:txBody>
+            <a:bodyPr rtlCol="0" anchor="ctr"/>
+            <a:lstStyle/>
+            <a:p>
+              <a:pPr algn="ctr"/>
+              <a:r>
+                <a:rPr lang="en-US" sz="1200" dirty="0">
+                  <a:solidFill>
+                    <a:schemeClr val="tx1"/>
+                  </a:solidFill>
+                </a:rPr>
+                <a:t>Eos test</a:t>
+              </a:r>
+            </a:p>
+          </p:txBody>
+        </p:sp>
+        <p:sp>
+          <p:nvSpPr>
+            <p:cNvPr id="16" name="Donut 9">
+              <a:extLst>
+                <a:ext uri="{FF2B5EF4-FFF2-40B4-BE49-F238E27FC236}">
+                  <a16:creationId xmlns:a16="http://schemas.microsoft.com/office/drawing/2014/main" id="{3D744F35-EBAC-48D3-AFD1-7E3B587E0BD3}"/>
+                </a:ext>
+              </a:extLst>
+            </p:cNvPr>
+            <p:cNvSpPr/>
+            <p:nvPr/>
+          </p:nvSpPr>
+          <p:spPr>
+            <a:xfrm>
+              <a:off x="1035353" y="868680"/>
+              <a:ext cx="1003692" cy="880717"/>
+            </a:xfrm>
+            <a:prstGeom prst="donut">
+              <a:avLst/>
+            </a:prstGeom>
+            <a:solidFill>
+              <a:schemeClr val="accent3">
+                <a:lumMod val="75000"/>
+              </a:schemeClr>
+            </a:solidFill>
+            <a:ln>
+              <a:solidFill>
+                <a:schemeClr val="tx1"/>
+              </a:solidFill>
+            </a:ln>
+          </p:spPr>
+          <p:style>
+            <a:lnRef idx="1">
+              <a:schemeClr val="accent1"/>
+            </a:lnRef>
+            <a:fillRef idx="3">
+              <a:schemeClr val="accent1"/>
+            </a:fillRef>
+            <a:effectRef idx="2">
+              <a:schemeClr val="accent1"/>
+            </a:effectRef>
+            <a:fontRef idx="minor">
+              <a:schemeClr val="lt1"/>
+            </a:fontRef>
+          </p:style>
+          <p:txBody>
+            <a:bodyPr rtlCol="0" anchor="ctr"/>
+            <a:lstStyle/>
+            <a:p>
+              <a:pPr algn="ctr"/>
+              <a:r>
+                <a:rPr lang="en-US" sz="1200" dirty="0">
+                  <a:solidFill>
+                    <a:schemeClr val="tx1"/>
+                  </a:solidFill>
+                </a:rPr>
+                <a:t>Hydro test</a:t>
+              </a:r>
+            </a:p>
+          </p:txBody>
+        </p:sp>
+      </p:grpSp>
+      <p:grpSp>
+        <p:nvGrpSpPr>
+          <p:cNvPr id="17" name="Group 16">
+            <a:extLst>
+              <a:ext uri="{FF2B5EF4-FFF2-40B4-BE49-F238E27FC236}">
+                <a16:creationId xmlns:a16="http://schemas.microsoft.com/office/drawing/2014/main" id="{9187548C-6DB5-4EC9-9A55-4F9C949DA992}"/>
+              </a:ext>
+            </a:extLst>
+          </p:cNvPr>
+          <p:cNvGrpSpPr/>
+          <p:nvPr/>
+        </p:nvGrpSpPr>
+        <p:grpSpPr>
+          <a:xfrm>
+            <a:off x="7640361" y="3699228"/>
+            <a:ext cx="1697644" cy="1586526"/>
+            <a:chOff x="4840719" y="806554"/>
+            <a:chExt cx="1697644" cy="1586526"/>
+          </a:xfrm>
+        </p:grpSpPr>
+        <p:sp>
+          <p:nvSpPr>
+            <p:cNvPr id="18" name="Donut 7">
+              <a:extLst>
+                <a:ext uri="{FF2B5EF4-FFF2-40B4-BE49-F238E27FC236}">
+                  <a16:creationId xmlns:a16="http://schemas.microsoft.com/office/drawing/2014/main" id="{67076A91-64E5-4B38-88CA-A204217197E0}"/>
+                </a:ext>
+              </a:extLst>
+            </p:cNvPr>
+            <p:cNvSpPr/>
+            <p:nvPr/>
+          </p:nvSpPr>
+          <p:spPr>
+            <a:xfrm>
+              <a:off x="4840719" y="1601592"/>
+              <a:ext cx="831259" cy="791488"/>
+            </a:xfrm>
+            <a:prstGeom prst="donut">
+              <a:avLst/>
+            </a:prstGeom>
+            <a:solidFill>
+              <a:schemeClr val="accent6">
+                <a:lumMod val="40000"/>
+                <a:lumOff val="60000"/>
+              </a:schemeClr>
+            </a:solidFill>
+            <a:ln>
+              <a:solidFill>
+                <a:schemeClr val="tx1"/>
+              </a:solidFill>
+            </a:ln>
+          </p:spPr>
+          <p:style>
+            <a:lnRef idx="1">
+              <a:schemeClr val="accent1"/>
+            </a:lnRef>
+            <a:fillRef idx="3">
+              <a:schemeClr val="accent1"/>
+            </a:fillRef>
+            <a:effectRef idx="2">
+              <a:schemeClr val="accent1"/>
+            </a:effectRef>
+            <a:fontRef idx="minor">
+              <a:schemeClr val="lt1"/>
+            </a:fontRef>
+          </p:style>
+          <p:txBody>
+            <a:bodyPr rtlCol="0" anchor="ctr"/>
+            <a:lstStyle/>
+            <a:p>
+              <a:pPr algn="ctr"/>
+              <a:r>
+                <a:rPr lang="en-US" sz="1200" dirty="0">
+                  <a:solidFill>
+                    <a:schemeClr val="tx1"/>
+                  </a:solidFill>
+                  <a:highlight>
+                    <a:srgbClr val="FFFF00"/>
+                  </a:highlight>
+                </a:rPr>
+                <a:t>Hydro</a:t>
+              </a:r>
+            </a:p>
+            <a:p>
+              <a:pPr algn="ctr"/>
+              <a:r>
+                <a:rPr lang="en-US" sz="1200" dirty="0">
+                  <a:solidFill>
+                    <a:schemeClr val="tx1"/>
+                  </a:solidFill>
+                  <a:highlight>
+                    <a:srgbClr val="FFFF00"/>
+                  </a:highlight>
+                </a:rPr>
+                <a:t>test</a:t>
+              </a:r>
+            </a:p>
+          </p:txBody>
+        </p:sp>
+        <p:sp>
+          <p:nvSpPr>
+            <p:cNvPr id="19" name="Donut 8">
+              <a:extLst>
+                <a:ext uri="{FF2B5EF4-FFF2-40B4-BE49-F238E27FC236}">
+                  <a16:creationId xmlns:a16="http://schemas.microsoft.com/office/drawing/2014/main" id="{91AE4CA5-10ED-4177-8ED2-0FB900E8E7EF}"/>
+                </a:ext>
+              </a:extLst>
+            </p:cNvPr>
+            <p:cNvSpPr/>
+            <p:nvPr/>
+          </p:nvSpPr>
+          <p:spPr>
+            <a:xfrm>
+              <a:off x="5707104" y="1601592"/>
+              <a:ext cx="831259" cy="791488"/>
+            </a:xfrm>
+            <a:prstGeom prst="donut">
+              <a:avLst/>
+            </a:prstGeom>
+            <a:solidFill>
+              <a:schemeClr val="accent6">
+                <a:lumMod val="40000"/>
+                <a:lumOff val="60000"/>
+              </a:schemeClr>
+            </a:solidFill>
+            <a:ln>
+              <a:solidFill>
+                <a:schemeClr val="tx1"/>
+              </a:solidFill>
+            </a:ln>
+          </p:spPr>
+          <p:style>
+            <a:lnRef idx="1">
+              <a:schemeClr val="accent1"/>
+            </a:lnRef>
+            <a:fillRef idx="3">
+              <a:schemeClr val="accent1"/>
+            </a:fillRef>
+            <a:effectRef idx="2">
+              <a:schemeClr val="accent1"/>
+            </a:effectRef>
+            <a:fontRef idx="minor">
+              <a:schemeClr val="lt1"/>
+            </a:fontRef>
+          </p:style>
+          <p:txBody>
+            <a:bodyPr rtlCol="0" anchor="ctr"/>
+            <a:lstStyle/>
+            <a:p>
+              <a:pPr algn="ctr"/>
+              <a:r>
+                <a:rPr lang="en-US" sz="1200" dirty="0">
+                  <a:solidFill>
+                    <a:schemeClr val="tx1"/>
+                  </a:solidFill>
+                </a:rPr>
+                <a:t>Eos test</a:t>
+              </a:r>
+            </a:p>
+          </p:txBody>
+        </p:sp>
+        <p:sp>
+          <p:nvSpPr>
+            <p:cNvPr id="20" name="Donut 9">
+              <a:extLst>
+                <a:ext uri="{FF2B5EF4-FFF2-40B4-BE49-F238E27FC236}">
+                  <a16:creationId xmlns:a16="http://schemas.microsoft.com/office/drawing/2014/main" id="{5860A24D-9DA9-4312-9966-9F0C0C93FAC6}"/>
+                </a:ext>
+              </a:extLst>
+            </p:cNvPr>
+            <p:cNvSpPr/>
+            <p:nvPr/>
+          </p:nvSpPr>
+          <p:spPr>
+            <a:xfrm>
+              <a:off x="5195974" y="806554"/>
+              <a:ext cx="1003692" cy="880717"/>
+            </a:xfrm>
+            <a:prstGeom prst="donut">
+              <a:avLst/>
+            </a:prstGeom>
+            <a:solidFill>
+              <a:schemeClr val="accent3">
+                <a:lumMod val="75000"/>
+              </a:schemeClr>
+            </a:solidFill>
+            <a:ln>
+              <a:solidFill>
+                <a:schemeClr val="tx1"/>
+              </a:solidFill>
+            </a:ln>
+          </p:spPr>
+          <p:style>
+            <a:lnRef idx="1">
+              <a:schemeClr val="accent1"/>
+            </a:lnRef>
+            <a:fillRef idx="3">
+              <a:schemeClr val="accent1"/>
+            </a:fillRef>
+            <a:effectRef idx="2">
+              <a:schemeClr val="accent1"/>
+            </a:effectRef>
+            <a:fontRef idx="minor">
+              <a:schemeClr val="lt1"/>
+            </a:fontRef>
+          </p:style>
+          <p:txBody>
+            <a:bodyPr rtlCol="0" anchor="ctr"/>
+            <a:lstStyle/>
+            <a:p>
+              <a:pPr algn="ctr"/>
+              <a:r>
+                <a:rPr lang="en-US" sz="1200" dirty="0">
+                  <a:solidFill>
+                    <a:schemeClr val="tx1"/>
+                  </a:solidFill>
+                  <a:highlight>
+                    <a:srgbClr val="FFFF00"/>
+                  </a:highlight>
+                </a:rPr>
+                <a:t>Basic</a:t>
+              </a:r>
+              <a:br>
+                <a:rPr lang="en-US" sz="1200" dirty="0">
+                  <a:solidFill>
+                    <a:schemeClr val="tx1"/>
+                  </a:solidFill>
+                  <a:highlight>
+                    <a:srgbClr val="FFFF00"/>
+                  </a:highlight>
+                </a:rPr>
+              </a:br>
+              <a:r>
+                <a:rPr lang="en-US" sz="1200" dirty="0">
+                  <a:solidFill>
+                    <a:schemeClr val="tx1"/>
+                  </a:solidFill>
+                  <a:highlight>
+                    <a:srgbClr val="FFFF00"/>
+                  </a:highlight>
+                </a:rPr>
+                <a:t>AMR test</a:t>
+              </a:r>
+            </a:p>
+          </p:txBody>
+        </p:sp>
+      </p:grpSp>
+      <p:grpSp>
+        <p:nvGrpSpPr>
+          <p:cNvPr id="21" name="Group 20">
+            <a:extLst>
+              <a:ext uri="{FF2B5EF4-FFF2-40B4-BE49-F238E27FC236}">
+                <a16:creationId xmlns:a16="http://schemas.microsoft.com/office/drawing/2014/main" id="{43BA2CEF-7499-4367-8AF8-43E4770A20FD}"/>
+              </a:ext>
+            </a:extLst>
+          </p:cNvPr>
+          <p:cNvGrpSpPr/>
+          <p:nvPr/>
+        </p:nvGrpSpPr>
+        <p:grpSpPr>
+          <a:xfrm>
+            <a:off x="10367684" y="4515395"/>
+            <a:ext cx="1688849" cy="1592803"/>
+            <a:chOff x="8718794" y="800277"/>
+            <a:chExt cx="1688849" cy="1592803"/>
+          </a:xfrm>
+        </p:grpSpPr>
+        <p:sp>
+          <p:nvSpPr>
+            <p:cNvPr id="22" name="Donut 7">
+              <a:extLst>
+                <a:ext uri="{FF2B5EF4-FFF2-40B4-BE49-F238E27FC236}">
+                  <a16:creationId xmlns:a16="http://schemas.microsoft.com/office/drawing/2014/main" id="{E228E4C0-4440-4171-8F55-A31BB96BD031}"/>
+                </a:ext>
+              </a:extLst>
+            </p:cNvPr>
+            <p:cNvSpPr/>
+            <p:nvPr/>
+          </p:nvSpPr>
+          <p:spPr>
+            <a:xfrm>
+              <a:off x="8718794" y="1601592"/>
+              <a:ext cx="831259" cy="791488"/>
+            </a:xfrm>
+            <a:prstGeom prst="donut">
+              <a:avLst/>
+            </a:prstGeom>
+            <a:solidFill>
+              <a:schemeClr val="accent6">
+                <a:lumMod val="40000"/>
+                <a:lumOff val="60000"/>
+              </a:schemeClr>
+            </a:solidFill>
+            <a:ln>
+              <a:solidFill>
+                <a:schemeClr val="tx1"/>
+              </a:solidFill>
+            </a:ln>
+          </p:spPr>
+          <p:style>
+            <a:lnRef idx="1">
+              <a:schemeClr val="accent1"/>
+            </a:lnRef>
+            <a:fillRef idx="3">
+              <a:schemeClr val="accent1"/>
+            </a:fillRef>
+            <a:effectRef idx="2">
+              <a:schemeClr val="accent1"/>
+            </a:effectRef>
+            <a:fontRef idx="minor">
+              <a:schemeClr val="lt1"/>
+            </a:fontRef>
+          </p:style>
+          <p:txBody>
+            <a:bodyPr rtlCol="0" anchor="ctr"/>
+            <a:lstStyle/>
+            <a:p>
+              <a:pPr algn="ctr"/>
+              <a:r>
+                <a:rPr lang="en-US" sz="1200" dirty="0">
+                  <a:solidFill>
+                    <a:schemeClr val="tx1"/>
+                  </a:solidFill>
+                </a:rPr>
+                <a:t>Hydro</a:t>
+              </a:r>
+            </a:p>
+            <a:p>
+              <a:pPr algn="ctr"/>
+              <a:r>
+                <a:rPr lang="en-US" sz="1200" dirty="0">
+                  <a:solidFill>
+                    <a:schemeClr val="tx1"/>
+                  </a:solidFill>
+                </a:rPr>
+                <a:t>test</a:t>
+              </a:r>
+            </a:p>
+          </p:txBody>
+        </p:sp>
+        <p:sp>
+          <p:nvSpPr>
+            <p:cNvPr id="23" name="Donut 8">
+              <a:extLst>
+                <a:ext uri="{FF2B5EF4-FFF2-40B4-BE49-F238E27FC236}">
+                  <a16:creationId xmlns:a16="http://schemas.microsoft.com/office/drawing/2014/main" id="{A18FB51C-A77F-40E4-A9EF-F73A4F877ACB}"/>
+                </a:ext>
+              </a:extLst>
+            </p:cNvPr>
+            <p:cNvSpPr/>
+            <p:nvPr/>
+          </p:nvSpPr>
+          <p:spPr>
+            <a:xfrm>
+              <a:off x="9576384" y="1601592"/>
+              <a:ext cx="831259" cy="791488"/>
+            </a:xfrm>
+            <a:prstGeom prst="donut">
+              <a:avLst/>
+            </a:prstGeom>
+            <a:solidFill>
+              <a:schemeClr val="accent6">
+                <a:lumMod val="40000"/>
+                <a:lumOff val="60000"/>
+              </a:schemeClr>
+            </a:solidFill>
+            <a:ln>
+              <a:solidFill>
+                <a:schemeClr val="tx1"/>
+              </a:solidFill>
+            </a:ln>
+          </p:spPr>
+          <p:style>
+            <a:lnRef idx="1">
+              <a:schemeClr val="accent1"/>
+            </a:lnRef>
+            <a:fillRef idx="3">
+              <a:schemeClr val="accent1"/>
+            </a:fillRef>
+            <a:effectRef idx="2">
+              <a:schemeClr val="accent1"/>
+            </a:effectRef>
+            <a:fontRef idx="minor">
+              <a:schemeClr val="lt1"/>
+            </a:fontRef>
+          </p:style>
+          <p:txBody>
+            <a:bodyPr rtlCol="0" anchor="ctr"/>
+            <a:lstStyle/>
+            <a:p>
+              <a:pPr algn="ctr"/>
+              <a:r>
+                <a:rPr lang="en-US" sz="1200" dirty="0">
+                  <a:solidFill>
+                    <a:schemeClr val="tx1"/>
+                  </a:solidFill>
+                </a:rPr>
+                <a:t>Eos test</a:t>
+              </a:r>
+            </a:p>
+          </p:txBody>
+        </p:sp>
+        <p:sp>
+          <p:nvSpPr>
+            <p:cNvPr id="24" name="Donut 9">
+              <a:extLst>
+                <a:ext uri="{FF2B5EF4-FFF2-40B4-BE49-F238E27FC236}">
+                  <a16:creationId xmlns:a16="http://schemas.microsoft.com/office/drawing/2014/main" id="{5CD483FD-265B-4668-A534-77EE2A2E8CD4}"/>
+                </a:ext>
+              </a:extLst>
+            </p:cNvPr>
+            <p:cNvSpPr/>
+            <p:nvPr/>
+          </p:nvSpPr>
+          <p:spPr>
+            <a:xfrm>
+              <a:off x="9042626" y="800277"/>
+              <a:ext cx="1003692" cy="880717"/>
+            </a:xfrm>
+            <a:prstGeom prst="donut">
+              <a:avLst/>
+            </a:prstGeom>
+            <a:solidFill>
+              <a:schemeClr val="accent3">
+                <a:lumMod val="75000"/>
+              </a:schemeClr>
+            </a:solidFill>
+            <a:ln>
+              <a:solidFill>
+                <a:schemeClr val="tx1"/>
+              </a:solidFill>
+            </a:ln>
+          </p:spPr>
+          <p:style>
+            <a:lnRef idx="1">
+              <a:schemeClr val="accent1"/>
+            </a:lnRef>
+            <a:fillRef idx="3">
+              <a:schemeClr val="accent1"/>
+            </a:fillRef>
+            <a:effectRef idx="2">
+              <a:schemeClr val="accent1"/>
+            </a:effectRef>
+            <a:fontRef idx="minor">
+              <a:schemeClr val="lt1"/>
+            </a:fontRef>
+          </p:style>
+          <p:txBody>
+            <a:bodyPr rtlCol="0" anchor="ctr"/>
+            <a:lstStyle/>
+            <a:p>
+              <a:pPr algn="ctr"/>
+              <a:r>
+                <a:rPr lang="en-US" sz="1200" dirty="0">
+                  <a:solidFill>
+                    <a:schemeClr val="tx1"/>
+                  </a:solidFill>
+                  <a:highlight>
+                    <a:srgbClr val="FFFF00"/>
+                  </a:highlight>
+                </a:rPr>
+                <a:t>AMR w/</a:t>
+              </a:r>
+              <a:r>
+                <a:rPr lang="en-US" sz="1200" dirty="0" err="1">
+                  <a:solidFill>
+                    <a:schemeClr val="tx1"/>
+                  </a:solidFill>
+                  <a:highlight>
+                    <a:srgbClr val="FFFF00"/>
+                  </a:highlight>
+                </a:rPr>
+                <a:t>dr</a:t>
+              </a:r>
+              <a:br>
+                <a:rPr lang="en-US" sz="1200" dirty="0">
+                  <a:solidFill>
+                    <a:schemeClr val="tx1"/>
+                  </a:solidFill>
+                  <a:highlight>
+                    <a:srgbClr val="FFFF00"/>
+                  </a:highlight>
+                </a:rPr>
+              </a:br>
+              <a:r>
+                <a:rPr lang="en-US" sz="1200" dirty="0">
+                  <a:solidFill>
+                    <a:schemeClr val="tx1"/>
+                  </a:solidFill>
+                  <a:highlight>
+                    <a:srgbClr val="FFFF00"/>
+                  </a:highlight>
+                </a:rPr>
+                <a:t>test</a:t>
+              </a:r>
+            </a:p>
+          </p:txBody>
+        </p:sp>
+        <p:sp>
+          <p:nvSpPr>
+            <p:cNvPr id="25" name="Donut 9">
+              <a:extLst>
+                <a:ext uri="{FF2B5EF4-FFF2-40B4-BE49-F238E27FC236}">
+                  <a16:creationId xmlns:a16="http://schemas.microsoft.com/office/drawing/2014/main" id="{0A160BC5-2A6E-49C3-8C76-AA23591ED062}"/>
+                </a:ext>
+              </a:extLst>
+            </p:cNvPr>
+            <p:cNvSpPr/>
+            <p:nvPr/>
+          </p:nvSpPr>
+          <p:spPr>
+            <a:xfrm>
+              <a:off x="9042626" y="800277"/>
+              <a:ext cx="1003692" cy="880717"/>
+            </a:xfrm>
+            <a:prstGeom prst="donut">
+              <a:avLst>
+                <a:gd name="adj" fmla="val 11073"/>
+              </a:avLst>
+            </a:prstGeom>
+            <a:solidFill>
+              <a:srgbClr val="0F4C6B"/>
+            </a:solidFill>
+            <a:ln>
+              <a:solidFill>
+                <a:schemeClr val="tx1"/>
+              </a:solidFill>
+            </a:ln>
+          </p:spPr>
+          <p:style>
+            <a:lnRef idx="1">
+              <a:schemeClr val="accent1"/>
+            </a:lnRef>
+            <a:fillRef idx="3">
+              <a:schemeClr val="accent1"/>
+            </a:fillRef>
+            <a:effectRef idx="2">
+              <a:schemeClr val="accent1"/>
+            </a:effectRef>
+            <a:fontRef idx="minor">
+              <a:schemeClr val="lt1"/>
+            </a:fontRef>
+          </p:style>
+          <p:txBody>
+            <a:bodyPr rtlCol="0" anchor="ctr"/>
+            <a:lstStyle/>
+            <a:p>
+              <a:pPr algn="ctr"/>
+              <a:endParaRPr lang="en-US" sz="1200" dirty="0">
+                <a:solidFill>
+                  <a:schemeClr val="tx1"/>
+                </a:solidFill>
+              </a:endParaRPr>
+            </a:p>
+          </p:txBody>
+        </p:sp>
+      </p:grpSp>
+      <p:cxnSp>
+        <p:nvCxnSpPr>
+          <p:cNvPr id="27" name="Straight Arrow Connector 26">
+            <a:extLst>
+              <a:ext uri="{FF2B5EF4-FFF2-40B4-BE49-F238E27FC236}">
+                <a16:creationId xmlns:a16="http://schemas.microsoft.com/office/drawing/2014/main" id="{AAEDBD84-9325-4F22-B9A8-53ADDBCF95E1}"/>
+              </a:ext>
+            </a:extLst>
+          </p:cNvPr>
+          <p:cNvCxnSpPr>
+            <a:cxnSpLocks/>
+          </p:cNvCxnSpPr>
+          <p:nvPr/>
+        </p:nvCxnSpPr>
+        <p:spPr>
+          <a:xfrm flipH="1">
+            <a:off x="9134015" y="3970054"/>
+            <a:ext cx="377634" cy="169532"/>
+          </a:xfrm>
+          <a:prstGeom prst="straightConnector1">
+            <a:avLst/>
+          </a:prstGeom>
+          <a:ln w="76200">
+            <a:tailEnd type="triangle"/>
+          </a:ln>
+        </p:spPr>
+        <p:style>
+          <a:lnRef idx="1">
+            <a:schemeClr val="accent1"/>
+          </a:lnRef>
+          <a:fillRef idx="0">
+            <a:schemeClr val="accent1"/>
+          </a:fillRef>
+          <a:effectRef idx="0">
+            <a:schemeClr val="accent1"/>
+          </a:effectRef>
+          <a:fontRef idx="minor">
+            <a:schemeClr val="tx1"/>
+          </a:fontRef>
+        </p:style>
+      </p:cxnSp>
+      <p:cxnSp>
+        <p:nvCxnSpPr>
+          <p:cNvPr id="29" name="Straight Arrow Connector 28">
+            <a:extLst>
+              <a:ext uri="{FF2B5EF4-FFF2-40B4-BE49-F238E27FC236}">
+                <a16:creationId xmlns:a16="http://schemas.microsoft.com/office/drawing/2014/main" id="{0C9C42BD-0750-4CAB-A4B0-FC9E63B2894B}"/>
+              </a:ext>
+            </a:extLst>
+          </p:cNvPr>
+          <p:cNvCxnSpPr>
+            <a:cxnSpLocks/>
+          </p:cNvCxnSpPr>
+          <p:nvPr/>
+        </p:nvCxnSpPr>
+        <p:spPr>
+          <a:xfrm>
+            <a:off x="9536369" y="4676544"/>
+            <a:ext cx="952854" cy="449371"/>
+          </a:xfrm>
+          <a:prstGeom prst="straightConnector1">
+            <a:avLst/>
+          </a:prstGeom>
+          <a:ln w="76200">
+            <a:tailEnd type="triangle"/>
+          </a:ln>
+        </p:spPr>
+        <p:style>
+          <a:lnRef idx="1">
+            <a:schemeClr val="accent1"/>
+          </a:lnRef>
+          <a:fillRef idx="0">
+            <a:schemeClr val="accent1"/>
+          </a:fillRef>
+          <a:effectRef idx="0">
+            <a:schemeClr val="accent1"/>
+          </a:effectRef>
+          <a:fontRef idx="minor">
+            <a:schemeClr val="tx1"/>
+          </a:fontRef>
+        </p:style>
+      </p:cxnSp>
+    </p:spTree>
+    <p:extLst>
+      <p:ext uri="{BB962C8B-B14F-4D97-AF65-F5344CB8AC3E}">
+        <p14:creationId xmlns:p14="http://schemas.microsoft.com/office/powerpoint/2010/main" val="2981466927"/>
+      </p:ext>
+    </p:extLst>
+  </p:cSld>
+  <p:clrMapOvr>
+    <a:masterClrMapping/>
+  </p:clrMapOvr>
+  <mc:AlternateContent xmlns:mc="http://schemas.openxmlformats.org/markup-compatibility/2006" xmlns:p14="http://schemas.microsoft.com/office/powerpoint/2010/main">
+    <mc:Choice Requires="p14">
+      <p:transition spd="slow" p14:dur="2000" advTm="117439"/>
+    </mc:Choice>
+    <mc:Fallback xmlns="">
+      <p:transition spd="slow" advTm="117439"/>
+    </mc:Fallback>
+  </mc:AlternateContent>
 </p:sld>
 </file>
 
@@ -18436,21 +19388,6 @@
 </file>
 
 <file path=customXml/item1.xml><?xml version="1.0" encoding="utf-8"?>
-<?mso-contentType ?>
-<FormTemplates xmlns="http://schemas.microsoft.com/sharepoint/v3/contenttype/forms">
-  <Display>DocumentLibraryForm</Display>
-  <Edit>DocumentLibraryForm</Edit>
-  <New>DocumentLibraryForm</New>
-</FormTemplates>
-</file>
-
-<file path=customXml/item2.xml><?xml version="1.0" encoding="utf-8"?>
-<p:properties xmlns:p="http://schemas.microsoft.com/office/2006/metadata/properties" xmlns:xsi="http://www.w3.org/2001/XMLSchema-instance" xmlns:pc="http://schemas.microsoft.com/office/infopath/2007/PartnerControls">
-  <documentManagement/>
-</p:properties>
-</file>
-
-<file path=customXml/item3.xml><?xml version="1.0" encoding="utf-8"?>
 <ct:contentTypeSchema xmlns:ct="http://schemas.microsoft.com/office/2006/metadata/contentType" xmlns:ma="http://schemas.microsoft.com/office/2006/metadata/properties/metaAttributes" ct:_="" ma:_="" ma:contentTypeName="Document" ma:contentTypeID="0x010100565464437F680748A68B85EB6594EA7D" ma:contentTypeVersion="0" ma:contentTypeDescription="Create a new document." ma:contentTypeScope="" ma:versionID="fe3f4dd58d5914c51cfc6deaa8ad845c">
   <xsd:schema xmlns:xsd="http://www.w3.org/2001/XMLSchema" xmlns:p="http://schemas.microsoft.com/office/2006/metadata/properties" targetNamespace="http://schemas.microsoft.com/office/2006/metadata/properties" ma:root="true" ma:fieldsID="4aeb20c0e3442673af7ee10786458764">
     <xsd:element name="properties">
@@ -18499,10 +19436,32 @@
 </ct:contentTypeSchema>
 </file>
 
+<file path=customXml/item2.xml><?xml version="1.0" encoding="utf-8"?>
+<p:properties xmlns:p="http://schemas.microsoft.com/office/2006/metadata/properties" xmlns:xsi="http://www.w3.org/2001/XMLSchema-instance" xmlns:pc="http://schemas.microsoft.com/office/infopath/2007/PartnerControls">
+  <documentManagement/>
+</p:properties>
+</file>
+
+<file path=customXml/item3.xml><?xml version="1.0" encoding="utf-8"?>
+<?mso-contentType ?>
+<FormTemplates xmlns="http://schemas.microsoft.com/sharepoint/v3/contenttype/forms">
+  <Display>DocumentLibraryForm</Display>
+  <Edit>DocumentLibraryForm</Edit>
+  <New>DocumentLibraryForm</New>
+</FormTemplates>
+</file>
+
 <file path=customXml/itemProps1.xml><?xml version="1.0" encoding="utf-8"?>
-<ds:datastoreItem xmlns:ds="http://schemas.openxmlformats.org/officeDocument/2006/customXml" ds:itemID="{19E20559-B232-4371-8690-E3D8007EDB82}">
+<ds:datastoreItem xmlns:ds="http://schemas.openxmlformats.org/officeDocument/2006/customXml" ds:itemID="{E8DB7DEB-074E-4EE8-9B6E-FD277323109C}">
   <ds:schemaRefs>
-    <ds:schemaRef ds:uri="http://schemas.microsoft.com/sharepoint/v3/contenttype/forms"/>
+    <ds:schemaRef ds:uri="http://schemas.microsoft.com/office/2006/metadata/contentType"/>
+    <ds:schemaRef ds:uri="http://schemas.microsoft.com/office/2006/metadata/properties/metaAttributes"/>
+    <ds:schemaRef ds:uri="http://www.w3.org/2001/XMLSchema"/>
+    <ds:schemaRef ds:uri="http://schemas.microsoft.com/office/2006/metadata/properties"/>
+    <ds:schemaRef ds:uri="http://schemas.openxmlformats.org/package/2006/metadata/core-properties"/>
+    <ds:schemaRef ds:uri="http://purl.org/dc/elements/1.1/"/>
+    <ds:schemaRef ds:uri="http://purl.org/dc/terms/"/>
+    <ds:schemaRef ds:uri="http://schemas.microsoft.com/office/internal/2005/internalDocumentation"/>
   </ds:schemaRefs>
 </ds:datastoreItem>
 </file>
@@ -18523,16 +19482,9 @@
 </file>
 
 <file path=customXml/itemProps3.xml><?xml version="1.0" encoding="utf-8"?>
-<ds:datastoreItem xmlns:ds="http://schemas.openxmlformats.org/officeDocument/2006/customXml" ds:itemID="{E8DB7DEB-074E-4EE8-9B6E-FD277323109C}">
+<ds:datastoreItem xmlns:ds="http://schemas.openxmlformats.org/officeDocument/2006/customXml" ds:itemID="{19E20559-B232-4371-8690-E3D8007EDB82}">
   <ds:schemaRefs>
-    <ds:schemaRef ds:uri="http://schemas.microsoft.com/office/2006/metadata/contentType"/>
-    <ds:schemaRef ds:uri="http://schemas.microsoft.com/office/2006/metadata/properties/metaAttributes"/>
-    <ds:schemaRef ds:uri="http://www.w3.org/2001/XMLSchema"/>
-    <ds:schemaRef ds:uri="http://schemas.microsoft.com/office/2006/metadata/properties"/>
-    <ds:schemaRef ds:uri="http://schemas.openxmlformats.org/package/2006/metadata/core-properties"/>
-    <ds:schemaRef ds:uri="http://purl.org/dc/elements/1.1/"/>
-    <ds:schemaRef ds:uri="http://purl.org/dc/terms/"/>
-    <ds:schemaRef ds:uri="http://schemas.microsoft.com/office/internal/2005/internalDocumentation"/>
+    <ds:schemaRef ds:uri="http://schemas.microsoft.com/sharepoint/v3/contenttype/forms"/>
   </ds:schemaRefs>
 </ds:datastoreItem>
 </file>